--- a/Project_Presentation.pptx
+++ b/Project_Presentation.pptx
@@ -5,20 +5,23 @@
     <p:sldMasterId id="2147483660" r:id="rId1"/>
   </p:sldMasterIdLst>
   <p:notesMasterIdLst>
-    <p:notesMasterId r:id="rId13"/>
+    <p:notesMasterId r:id="rId16"/>
   </p:notesMasterIdLst>
   <p:sldIdLst>
     <p:sldId id="256" r:id="rId2"/>
     <p:sldId id="265" r:id="rId3"/>
-    <p:sldId id="262" r:id="rId4"/>
-    <p:sldId id="259" r:id="rId5"/>
-    <p:sldId id="260" r:id="rId6"/>
-    <p:sldId id="261" r:id="rId7"/>
-    <p:sldId id="264" r:id="rId8"/>
-    <p:sldId id="266" r:id="rId9"/>
-    <p:sldId id="268" r:id="rId10"/>
-    <p:sldId id="269" r:id="rId11"/>
-    <p:sldId id="267" r:id="rId12"/>
+    <p:sldId id="270" r:id="rId4"/>
+    <p:sldId id="264" r:id="rId5"/>
+    <p:sldId id="271" r:id="rId6"/>
+    <p:sldId id="262" r:id="rId7"/>
+    <p:sldId id="259" r:id="rId8"/>
+    <p:sldId id="260" r:id="rId9"/>
+    <p:sldId id="261" r:id="rId10"/>
+    <p:sldId id="266" r:id="rId11"/>
+    <p:sldId id="268" r:id="rId12"/>
+    <p:sldId id="272" r:id="rId13"/>
+    <p:sldId id="269" r:id="rId14"/>
+    <p:sldId id="267" r:id="rId15"/>
   </p:sldIdLst>
   <p:sldSz cx="12192000" cy="6858000"/>
   <p:notesSz cx="6858000" cy="9144000"/>
@@ -128,7 +131,9 @@
 <file path=ppt/revisionInfo.xml><?xml version="1.0" encoding="utf-8"?>
 <p1510:revInfo xmlns:a="http://schemas.openxmlformats.org/drawingml/2006/main" xmlns:r="http://schemas.openxmlformats.org/officeDocument/2006/relationships" xmlns:p1510="http://schemas.microsoft.com/office/powerpoint/2015/10/main">
   <p1510:revLst>
+    <p1510:client id="{185AC59F-40F4-0000-C604-20CC0C9DAD0B}" v="942" dt="2021-05-06T21:31:19.740"/>
     <p1510:client id="{33199AF2-5F5D-4CAA-BBA1-70518DB31BDB}" v="6" dt="2021-05-06T17:47:26.576"/>
+    <p1510:client id="{CF52D065-5F6D-4D99-8D8C-6AD009A8910F}" v="191" dt="2021-05-06T20:52:51.970"/>
   </p1510:revLst>
 </p1510:revInfo>
 </file>
@@ -13790,475 +13795,6 @@
 <file path=ppt/slides/slide10.xml><?xml version="1.0" encoding="utf-8"?>
 <p:sld xmlns:a="http://schemas.openxmlformats.org/drawingml/2006/main" xmlns:r="http://schemas.openxmlformats.org/officeDocument/2006/relationships" xmlns:p="http://schemas.openxmlformats.org/presentationml/2006/main">
   <p:cSld>
-    <p:spTree>
-      <p:nvGrpSpPr>
-        <p:cNvPr id="1" name=""/>
-        <p:cNvGrpSpPr/>
-        <p:nvPr/>
-      </p:nvGrpSpPr>
-      <p:grpSpPr>
-        <a:xfrm>
-          <a:off x="0" y="0"/>
-          <a:ext cx="0" cy="0"/>
-          <a:chOff x="0" y="0"/>
-          <a:chExt cx="0" cy="0"/>
-        </a:xfrm>
-      </p:grpSpPr>
-      <p:sp>
-        <p:nvSpPr>
-          <p:cNvPr id="2" name="Title 1">
-            <a:extLst>
-              <a:ext uri="{FF2B5EF4-FFF2-40B4-BE49-F238E27FC236}">
-                <a16:creationId xmlns:a16="http://schemas.microsoft.com/office/drawing/2014/main" id="{EB7F1745-77B9-480B-BFB6-5BF4CFEF2A32}"/>
-              </a:ext>
-            </a:extLst>
-          </p:cNvPr>
-          <p:cNvSpPr>
-            <a:spLocks noGrp="1"/>
-          </p:cNvSpPr>
-          <p:nvPr>
-            <p:ph type="title"/>
-          </p:nvPr>
-        </p:nvSpPr>
-        <p:spPr/>
-        <p:txBody>
-          <a:bodyPr/>
-          <a:lstStyle/>
-          <a:p>
-            <a:pPr algn="ctr"/>
-            <a:r>
-              <a:rPr lang="en-US" dirty="0"/>
-              <a:t>Web Application</a:t>
-            </a:r>
-          </a:p>
-        </p:txBody>
-      </p:sp>
-      <p:pic>
-        <p:nvPicPr>
-          <p:cNvPr id="5" name="Content Placeholder 4" descr="Graphical user interface, diagram&#10;&#10;Description automatically generated">
-            <a:extLst>
-              <a:ext uri="{FF2B5EF4-FFF2-40B4-BE49-F238E27FC236}">
-                <a16:creationId xmlns:a16="http://schemas.microsoft.com/office/drawing/2014/main" id="{C7DDC70A-CFFB-4352-BC1C-0D2B4B78D7D2}"/>
-              </a:ext>
-            </a:extLst>
-          </p:cNvPr>
-          <p:cNvPicPr>
-            <a:picLocks noGrp="1" noChangeAspect="1"/>
-          </p:cNvPicPr>
-          <p:nvPr>
-            <p:ph idx="1"/>
-          </p:nvPr>
-        </p:nvPicPr>
-        <p:blipFill>
-          <a:blip r:embed="rId2">
-            <a:extLst>
-              <a:ext uri="{28A0092B-C50C-407E-A947-70E740481C1C}">
-                <a14:useLocalDpi xmlns:a14="http://schemas.microsoft.com/office/drawing/2010/main" val="0"/>
-              </a:ext>
-            </a:extLst>
-          </a:blip>
-          <a:stretch>
-            <a:fillRect/>
-          </a:stretch>
-        </p:blipFill>
-        <p:spPr>
-          <a:xfrm>
-            <a:off x="1529556" y="3150177"/>
-            <a:ext cx="3810000" cy="2082800"/>
-          </a:xfrm>
-        </p:spPr>
-      </p:pic>
-      <p:pic>
-        <p:nvPicPr>
-          <p:cNvPr id="7" name="Picture 6" descr="Graphical user interface, website&#10;&#10;Description automatically generated">
-            <a:extLst>
-              <a:ext uri="{FF2B5EF4-FFF2-40B4-BE49-F238E27FC236}">
-                <a16:creationId xmlns:a16="http://schemas.microsoft.com/office/drawing/2014/main" id="{1CEE13B1-585E-4FAC-B9D7-9FD8A186B0E2}"/>
-              </a:ext>
-            </a:extLst>
-          </p:cNvPr>
-          <p:cNvPicPr>
-            <a:picLocks noChangeAspect="1"/>
-          </p:cNvPicPr>
-          <p:nvPr/>
-        </p:nvPicPr>
-        <p:blipFill>
-          <a:blip r:embed="rId3">
-            <a:extLst>
-              <a:ext uri="{28A0092B-C50C-407E-A947-70E740481C1C}">
-                <a14:useLocalDpi xmlns:a14="http://schemas.microsoft.com/office/drawing/2010/main" val="0"/>
-              </a:ext>
-            </a:extLst>
-          </a:blip>
-          <a:stretch>
-            <a:fillRect/>
-          </a:stretch>
-        </p:blipFill>
-        <p:spPr>
-          <a:xfrm>
-            <a:off x="6007894" y="3132356"/>
-            <a:ext cx="3810000" cy="2796426"/>
-          </a:xfrm>
-          <a:prstGeom prst="rect">
-            <a:avLst/>
-          </a:prstGeom>
-        </p:spPr>
-      </p:pic>
-    </p:spTree>
-    <p:extLst>
-      <p:ext uri="{BB962C8B-B14F-4D97-AF65-F5344CB8AC3E}">
-        <p14:creationId xmlns:p14="http://schemas.microsoft.com/office/powerpoint/2010/main" val="2775394788"/>
-      </p:ext>
-    </p:extLst>
-  </p:cSld>
-  <p:clrMapOvr>
-    <a:masterClrMapping/>
-  </p:clrMapOvr>
-</p:sld>
-</file>
-
-<file path=ppt/slides/slide11.xml><?xml version="1.0" encoding="utf-8"?>
-<p:sld xmlns:a="http://schemas.openxmlformats.org/drawingml/2006/main" xmlns:r="http://schemas.openxmlformats.org/officeDocument/2006/relationships" xmlns:p="http://schemas.openxmlformats.org/presentationml/2006/main">
-  <p:cSld>
-    <p:spTree>
-      <p:nvGrpSpPr>
-        <p:cNvPr id="1" name=""/>
-        <p:cNvGrpSpPr/>
-        <p:nvPr/>
-      </p:nvGrpSpPr>
-      <p:grpSpPr>
-        <a:xfrm>
-          <a:off x="0" y="0"/>
-          <a:ext cx="0" cy="0"/>
-          <a:chOff x="0" y="0"/>
-          <a:chExt cx="0" cy="0"/>
-        </a:xfrm>
-      </p:grpSpPr>
-      <p:sp>
-        <p:nvSpPr>
-          <p:cNvPr id="2" name="Title 1">
-            <a:extLst>
-              <a:ext uri="{FF2B5EF4-FFF2-40B4-BE49-F238E27FC236}">
-                <a16:creationId xmlns:a16="http://schemas.microsoft.com/office/drawing/2014/main" id="{849FF414-5F63-4FA4-A892-053C8947B7AF}"/>
-              </a:ext>
-            </a:extLst>
-          </p:cNvPr>
-          <p:cNvSpPr>
-            <a:spLocks noGrp="1"/>
-          </p:cNvSpPr>
-          <p:nvPr>
-            <p:ph type="title"/>
-          </p:nvPr>
-        </p:nvSpPr>
-        <p:spPr/>
-        <p:txBody>
-          <a:bodyPr/>
-          <a:lstStyle/>
-          <a:p>
-            <a:pPr algn="ctr"/>
-            <a:r>
-              <a:rPr lang="en-US" dirty="0"/>
-              <a:t>Deployment</a:t>
-            </a:r>
-          </a:p>
-        </p:txBody>
-      </p:sp>
-      <p:sp>
-        <p:nvSpPr>
-          <p:cNvPr id="3" name="Content Placeholder 2">
-            <a:extLst>
-              <a:ext uri="{FF2B5EF4-FFF2-40B4-BE49-F238E27FC236}">
-                <a16:creationId xmlns:a16="http://schemas.microsoft.com/office/drawing/2014/main" id="{4A76A8C4-03C0-4D18-9DAD-3465A4D27564}"/>
-              </a:ext>
-            </a:extLst>
-          </p:cNvPr>
-          <p:cNvSpPr>
-            <a:spLocks noGrp="1"/>
-          </p:cNvSpPr>
-          <p:nvPr>
-            <p:ph idx="1"/>
-          </p:nvPr>
-        </p:nvSpPr>
-        <p:spPr/>
-        <p:txBody>
-          <a:bodyPr/>
-          <a:lstStyle/>
-          <a:p>
-            <a:r>
-              <a:rPr lang="en-US" dirty="0"/>
-              <a:t>We deployed a project through Heroku</a:t>
-            </a:r>
-          </a:p>
-          <a:p>
-            <a:r>
-              <a:rPr lang="en-US" dirty="0"/>
-              <a:t>Heroku uses requirement.txt to install Dependencies  needed to run the web app and specify </a:t>
-            </a:r>
-            <a:r>
-              <a:rPr lang="en-US" dirty="0" err="1"/>
-              <a:t>gunicron</a:t>
-            </a:r>
-            <a:r>
-              <a:rPr lang="en-US" dirty="0"/>
-              <a:t> as the gateway interface.</a:t>
-            </a:r>
-          </a:p>
-          <a:p>
-            <a:r>
-              <a:rPr lang="en-US" dirty="0"/>
-              <a:t>Due to the size of the project the web app is slow but functional</a:t>
-            </a:r>
-          </a:p>
-          <a:p>
-            <a:r>
-              <a:rPr lang="en-US" dirty="0"/>
-              <a:t>url: </a:t>
-            </a:r>
-            <a:r>
-              <a:rPr lang="en-US" dirty="0">
-                <a:hlinkClick r:id="rId2"/>
-              </a:rPr>
-              <a:t>https://emotion-based-music-system.herokuapp.com</a:t>
-            </a:r>
-            <a:endParaRPr lang="en-US" dirty="0"/>
-          </a:p>
-          <a:p>
-            <a:endParaRPr lang="en-US" dirty="0"/>
-          </a:p>
-          <a:p>
-            <a:endParaRPr lang="en-US" dirty="0"/>
-          </a:p>
-          <a:p>
-            <a:pPr marL="0" indent="0">
-              <a:buNone/>
-            </a:pPr>
-            <a:endParaRPr lang="en-US" dirty="0"/>
-          </a:p>
-        </p:txBody>
-      </p:sp>
-    </p:spTree>
-    <p:extLst>
-      <p:ext uri="{BB962C8B-B14F-4D97-AF65-F5344CB8AC3E}">
-        <p14:creationId xmlns:p14="http://schemas.microsoft.com/office/powerpoint/2010/main" val="843036683"/>
-      </p:ext>
-    </p:extLst>
-  </p:cSld>
-  <p:clrMapOvr>
-    <a:masterClrMapping/>
-  </p:clrMapOvr>
-</p:sld>
-</file>
-
-<file path=ppt/slides/slide2.xml><?xml version="1.0" encoding="utf-8"?>
-<p:sld xmlns:a="http://schemas.openxmlformats.org/drawingml/2006/main" xmlns:r="http://schemas.openxmlformats.org/officeDocument/2006/relationships" xmlns:p="http://schemas.openxmlformats.org/presentationml/2006/main">
-  <p:cSld>
-    <p:spTree>
-      <p:nvGrpSpPr>
-        <p:cNvPr id="1" name=""/>
-        <p:cNvGrpSpPr/>
-        <p:nvPr/>
-      </p:nvGrpSpPr>
-      <p:grpSpPr>
-        <a:xfrm>
-          <a:off x="0" y="0"/>
-          <a:ext cx="0" cy="0"/>
-          <a:chOff x="0" y="0"/>
-          <a:chExt cx="0" cy="0"/>
-        </a:xfrm>
-      </p:grpSpPr>
-      <p:sp>
-        <p:nvSpPr>
-          <p:cNvPr id="2" name="Title 1">
-            <a:extLst>
-              <a:ext uri="{FF2B5EF4-FFF2-40B4-BE49-F238E27FC236}">
-                <a16:creationId xmlns:a16="http://schemas.microsoft.com/office/drawing/2014/main" id="{DAE3D65D-AB47-4A62-BFA0-E8D687E05008}"/>
-              </a:ext>
-            </a:extLst>
-          </p:cNvPr>
-          <p:cNvSpPr>
-            <a:spLocks noGrp="1"/>
-          </p:cNvSpPr>
-          <p:nvPr>
-            <p:ph type="title"/>
-          </p:nvPr>
-        </p:nvSpPr>
-        <p:spPr/>
-        <p:txBody>
-          <a:bodyPr/>
-          <a:lstStyle/>
-          <a:p>
-            <a:pPr algn="ctr"/>
-            <a:r>
-              <a:rPr lang="en-US" dirty="0"/>
-              <a:t>Goals</a:t>
-            </a:r>
-          </a:p>
-        </p:txBody>
-      </p:sp>
-      <p:sp>
-        <p:nvSpPr>
-          <p:cNvPr id="3" name="Content Placeholder 2">
-            <a:extLst>
-              <a:ext uri="{FF2B5EF4-FFF2-40B4-BE49-F238E27FC236}">
-                <a16:creationId xmlns:a16="http://schemas.microsoft.com/office/drawing/2014/main" id="{9816DCFA-C870-408E-90CA-545F0244841E}"/>
-              </a:ext>
-            </a:extLst>
-          </p:cNvPr>
-          <p:cNvSpPr>
-            <a:spLocks noGrp="1"/>
-          </p:cNvSpPr>
-          <p:nvPr>
-            <p:ph idx="1"/>
-          </p:nvPr>
-        </p:nvSpPr>
-        <p:spPr/>
-        <p:txBody>
-          <a:bodyPr/>
-          <a:lstStyle/>
-          <a:p>
-            <a:r>
-              <a:rPr lang="en-US" dirty="0"/>
-              <a:t>To classify the expression a user makes</a:t>
-            </a:r>
-          </a:p>
-          <a:p>
-            <a:r>
-              <a:rPr lang="en-US" dirty="0"/>
-              <a:t>Play a music with respect to the expression made by the user</a:t>
-            </a:r>
-          </a:p>
-          <a:p>
-            <a:r>
-              <a:rPr lang="en-US" dirty="0"/>
-              <a:t>Create a web application </a:t>
-            </a:r>
-          </a:p>
-          <a:p>
-            <a:r>
-              <a:rPr lang="en-US" dirty="0"/>
-              <a:t>Deploy the model so anyone can use the web application</a:t>
-            </a:r>
-          </a:p>
-          <a:p>
-            <a:endParaRPr lang="en-US" dirty="0"/>
-          </a:p>
-        </p:txBody>
-      </p:sp>
-    </p:spTree>
-    <p:extLst>
-      <p:ext uri="{BB962C8B-B14F-4D97-AF65-F5344CB8AC3E}">
-        <p14:creationId xmlns:p14="http://schemas.microsoft.com/office/powerpoint/2010/main" val="1768389598"/>
-      </p:ext>
-    </p:extLst>
-  </p:cSld>
-  <p:clrMapOvr>
-    <a:masterClrMapping/>
-  </p:clrMapOvr>
-</p:sld>
-</file>
-
-<file path=ppt/slides/slide3.xml><?xml version="1.0" encoding="utf-8"?>
-<p:sld xmlns:a="http://schemas.openxmlformats.org/drawingml/2006/main" xmlns:r="http://schemas.openxmlformats.org/officeDocument/2006/relationships" xmlns:p="http://schemas.openxmlformats.org/presentationml/2006/main">
-  <p:cSld>
-    <p:spTree>
-      <p:nvGrpSpPr>
-        <p:cNvPr id="1" name=""/>
-        <p:cNvGrpSpPr/>
-        <p:nvPr/>
-      </p:nvGrpSpPr>
-      <p:grpSpPr>
-        <a:xfrm>
-          <a:off x="0" y="0"/>
-          <a:ext cx="0" cy="0"/>
-          <a:chOff x="0" y="0"/>
-          <a:chExt cx="0" cy="0"/>
-        </a:xfrm>
-      </p:grpSpPr>
-      <p:sp>
-        <p:nvSpPr>
-          <p:cNvPr id="2" name="Title 1">
-            <a:extLst>
-              <a:ext uri="{FF2B5EF4-FFF2-40B4-BE49-F238E27FC236}">
-                <a16:creationId xmlns:a16="http://schemas.microsoft.com/office/drawing/2014/main" id="{88E7F90C-823D-405B-8211-193E3AF5618B}"/>
-              </a:ext>
-            </a:extLst>
-          </p:cNvPr>
-          <p:cNvSpPr>
-            <a:spLocks noGrp="1"/>
-          </p:cNvSpPr>
-          <p:nvPr>
-            <p:ph type="title"/>
-          </p:nvPr>
-        </p:nvSpPr>
-        <p:spPr/>
-        <p:txBody>
-          <a:bodyPr/>
-          <a:lstStyle/>
-          <a:p>
-            <a:pPr algn="ctr"/>
-            <a:r>
-              <a:rPr lang="en-US" dirty="0"/>
-              <a:t>Using Transfer Learning</a:t>
-            </a:r>
-          </a:p>
-        </p:txBody>
-      </p:sp>
-      <p:sp>
-        <p:nvSpPr>
-          <p:cNvPr id="3" name="Content Placeholder 2">
-            <a:extLst>
-              <a:ext uri="{FF2B5EF4-FFF2-40B4-BE49-F238E27FC236}">
-                <a16:creationId xmlns:a16="http://schemas.microsoft.com/office/drawing/2014/main" id="{9190949C-A19F-4031-A5FE-54CA18656B61}"/>
-              </a:ext>
-            </a:extLst>
-          </p:cNvPr>
-          <p:cNvSpPr>
-            <a:spLocks noGrp="1"/>
-          </p:cNvSpPr>
-          <p:nvPr>
-            <p:ph idx="1"/>
-          </p:nvPr>
-        </p:nvSpPr>
-        <p:spPr/>
-        <p:txBody>
-          <a:bodyPr/>
-          <a:lstStyle/>
-          <a:p>
-            <a:r>
-              <a:rPr lang="en-US" dirty="0"/>
-              <a:t>Using a pre-trained MobileNetV2 model for transfer learning with FER2013. </a:t>
-            </a:r>
-          </a:p>
-          <a:p>
-            <a:r>
-              <a:rPr lang="en-US" dirty="0"/>
-              <a:t>The model contains 3,538,984 parameters out of which 3,504,872 trainable parameters. Trained the model for 50 epochs with learning rate as 0.001, Adam optimizer and loss function as categorical cross entropy</a:t>
-            </a:r>
-          </a:p>
-          <a:p>
-            <a:r>
-              <a:rPr lang="en-US" dirty="0"/>
-              <a:t>the training accuracy of the model is 95%, validation accuracy is 90.2% and testing accuracy is 66.4%. </a:t>
-            </a:r>
-          </a:p>
-        </p:txBody>
-      </p:sp>
-    </p:spTree>
-    <p:extLst>
-      <p:ext uri="{BB962C8B-B14F-4D97-AF65-F5344CB8AC3E}">
-        <p14:creationId xmlns:p14="http://schemas.microsoft.com/office/powerpoint/2010/main" val="2836447898"/>
-      </p:ext>
-    </p:extLst>
-  </p:cSld>
-  <p:clrMapOvr>
-    <a:masterClrMapping/>
-  </p:clrMapOvr>
-</p:sld>
-</file>
-
-<file path=ppt/slides/slide4.xml><?xml version="1.0" encoding="utf-8"?>
-<p:sld xmlns:a="http://schemas.openxmlformats.org/drawingml/2006/main" xmlns:r="http://schemas.openxmlformats.org/officeDocument/2006/relationships" xmlns:p="http://schemas.openxmlformats.org/presentationml/2006/main">
-  <p:cSld>
     <p:bg>
       <p:bgPr>
         <a:solidFill>
@@ -14283,7 +13819,7 @@
       </p:grpSpPr>
       <p:sp>
         <p:nvSpPr>
-          <p:cNvPr id="10" name="Rectangle 9">
+          <p:cNvPr id="54" name="Rectangle 56">
             <a:extLst>
               <a:ext uri="{FF2B5EF4-FFF2-40B4-BE49-F238E27FC236}">
                 <a16:creationId xmlns:a16="http://schemas.microsoft.com/office/drawing/2014/main" id="{F70C2B8F-6B1B-46D5-86E6-40F36C695FC2}"/>
@@ -14335,7 +13871,7 @@
       </p:sp>
       <p:sp>
         <p:nvSpPr>
-          <p:cNvPr id="12" name="Freeform 5">
+          <p:cNvPr id="55" name="Freeform 5">
             <a:extLst>
               <a:ext uri="{FF2B5EF4-FFF2-40B4-BE49-F238E27FC236}">
                 <a16:creationId xmlns:a16="http://schemas.microsoft.com/office/drawing/2014/main" id="{DB521824-592C-476A-AB0A-CA0C6D1F3407}"/>
@@ -14499,7 +14035,7 @@
       </p:sp>
       <p:sp>
         <p:nvSpPr>
-          <p:cNvPr id="14" name="Freeform: Shape 13">
+          <p:cNvPr id="56" name="Freeform: Shape 60">
             <a:extLst>
               <a:ext uri="{FF2B5EF4-FFF2-40B4-BE49-F238E27FC236}">
                 <a16:creationId xmlns:a16="http://schemas.microsoft.com/office/drawing/2014/main" id="{A2749EFA-8EE4-4EB8-9424-8E593B9320AD}"/>
@@ -14965,7 +14501,7 @@
       </p:sp>
       <p:sp>
         <p:nvSpPr>
-          <p:cNvPr id="16" name="Freeform 5">
+          <p:cNvPr id="58" name="Freeform 5">
             <a:extLst>
               <a:ext uri="{FF2B5EF4-FFF2-40B4-BE49-F238E27FC236}">
                 <a16:creationId xmlns:a16="http://schemas.microsoft.com/office/drawing/2014/main" id="{B5C860C9-D4F9-4350-80DA-0D1CD36C7741}"/>
@@ -15047,7 +14583,7 @@
           <p:cNvPr id="2" name="Title 1">
             <a:extLst>
               <a:ext uri="{FF2B5EF4-FFF2-40B4-BE49-F238E27FC236}">
-                <a16:creationId xmlns:a16="http://schemas.microsoft.com/office/drawing/2014/main" id="{4B03ADFB-F620-4AD7-AFCD-771D9B46DF9B}"/>
+                <a16:creationId xmlns:a16="http://schemas.microsoft.com/office/drawing/2014/main" id="{E1DEC3FE-7938-48A6-9A20-42BD6A34234C}"/>
               </a:ext>
             </a:extLst>
           </p:cNvPr>
@@ -15070,24 +14606,23 @@
           </a:bodyPr>
           <a:lstStyle/>
           <a:p>
-            <a:pPr algn="ctr"/>
             <a:r>
-              <a:rPr lang="en-US" dirty="0">
+              <a:rPr lang="en-US">
                 <a:solidFill>
                   <a:srgbClr val="EBEBEB"/>
                 </a:solidFill>
               </a:rPr>
-              <a:t>Implementations	</a:t>
+              <a:t>Web Application</a:t>
             </a:r>
           </a:p>
         </p:txBody>
       </p:sp>
       <p:pic>
         <p:nvPicPr>
-          <p:cNvPr id="5" name="Picture 4" descr="Graphical user interface, table&#10;&#10;Description automatically generated with medium confidence">
+          <p:cNvPr id="6" name="Picture 6">
             <a:extLst>
               <a:ext uri="{FF2B5EF4-FFF2-40B4-BE49-F238E27FC236}">
-                <a16:creationId xmlns:a16="http://schemas.microsoft.com/office/drawing/2014/main" id="{63FA569C-AD8D-4E62-8F27-E2A6A64C9002}"/>
+                <a16:creationId xmlns:a16="http://schemas.microsoft.com/office/drawing/2014/main" id="{60ABC250-E780-4AFB-80C0-3B7433706667}"/>
               </a:ext>
             </a:extLst>
           </p:cNvPr>
@@ -15097,21 +14632,15 @@
           <p:nvPr/>
         </p:nvPicPr>
         <p:blipFill>
-          <a:blip r:embed="rId2">
-            <a:extLst>
-              <a:ext uri="{28A0092B-C50C-407E-A947-70E740481C1C}">
-                <a14:useLocalDpi xmlns:a14="http://schemas.microsoft.com/office/drawing/2010/main" val="0"/>
-              </a:ext>
-            </a:extLst>
-          </a:blip>
+          <a:blip r:embed="rId2"/>
           <a:stretch>
             <a:fillRect/>
           </a:stretch>
         </p:blipFill>
         <p:spPr>
           <a:xfrm>
-            <a:off x="6714836" y="1355411"/>
-            <a:ext cx="4828707" cy="4164759"/>
+            <a:off x="6707579" y="1627025"/>
+            <a:ext cx="5213335" cy="6161529"/>
           </a:xfrm>
           <a:prstGeom prst="rect">
             <a:avLst/>
@@ -15120,7 +14649,7 @@
       </p:pic>
       <p:sp>
         <p:nvSpPr>
-          <p:cNvPr id="18" name="Rectangle 17">
+          <p:cNvPr id="60" name="Rectangle 64">
             <a:extLst>
               <a:ext uri="{FF2B5EF4-FFF2-40B4-BE49-F238E27FC236}">
                 <a16:creationId xmlns:a16="http://schemas.microsoft.com/office/drawing/2014/main" id="{538A90C8-AE0E-4EBA-9AF8-EEDB206020E0}"/>
@@ -15176,7 +14705,7 @@
           <p:cNvPr id="3" name="Content Placeholder 2">
             <a:extLst>
               <a:ext uri="{FF2B5EF4-FFF2-40B4-BE49-F238E27FC236}">
-                <a16:creationId xmlns:a16="http://schemas.microsoft.com/office/drawing/2014/main" id="{E71178F8-DCF6-49DD-BB0E-EC2C622840E6}"/>
+                <a16:creationId xmlns:a16="http://schemas.microsoft.com/office/drawing/2014/main" id="{848E9576-FFCE-4FD1-91E2-CFB9A1B63693}"/>
               </a:ext>
             </a:extLst>
           </p:cNvPr>
@@ -15200,1171 +14729,6 @@
           <a:lstStyle/>
           <a:p>
             <a:r>
-              <a:rPr lang="en-US">
-                <a:solidFill>
-                  <a:srgbClr val="FFFFFF"/>
-                </a:solidFill>
-              </a:rPr>
-              <a:t>Performing preprocessing tasks on the dataset like normalizing the data and splitting the train dataset in 4:1 ratio for training and validation phase</a:t>
-            </a:r>
-          </a:p>
-          <a:p>
-            <a:r>
-              <a:rPr lang="en-US">
-                <a:solidFill>
-                  <a:srgbClr val="FFFFFF"/>
-                </a:solidFill>
-              </a:rPr>
-              <a:t>Defined the custom model which contains 11 convolutional layers and 5 fully connected layers.</a:t>
-            </a:r>
-          </a:p>
-        </p:txBody>
-      </p:sp>
-    </p:spTree>
-    <p:extLst>
-      <p:ext uri="{BB962C8B-B14F-4D97-AF65-F5344CB8AC3E}">
-        <p14:creationId xmlns:p14="http://schemas.microsoft.com/office/powerpoint/2010/main" val="307550036"/>
-      </p:ext>
-    </p:extLst>
-  </p:cSld>
-  <p:clrMapOvr>
-    <a:overrideClrMapping bg1="dk1" tx1="lt1" bg2="dk2" tx2="lt2" accent1="accent1" accent2="accent2" accent3="accent3" accent4="accent4" accent5="accent5" accent6="accent6" hlink="hlink" folHlink="folHlink"/>
-  </p:clrMapOvr>
-</p:sld>
-</file>
-
-<file path=ppt/slides/slide5.xml><?xml version="1.0" encoding="utf-8"?>
-<p:sld xmlns:a="http://schemas.openxmlformats.org/drawingml/2006/main" xmlns:r="http://schemas.openxmlformats.org/officeDocument/2006/relationships" xmlns:p="http://schemas.openxmlformats.org/presentationml/2006/main">
-  <p:cSld>
-    <p:spTree>
-      <p:nvGrpSpPr>
-        <p:cNvPr id="1" name=""/>
-        <p:cNvGrpSpPr/>
-        <p:nvPr/>
-      </p:nvGrpSpPr>
-      <p:grpSpPr>
-        <a:xfrm>
-          <a:off x="0" y="0"/>
-          <a:ext cx="0" cy="0"/>
-          <a:chOff x="0" y="0"/>
-          <a:chExt cx="0" cy="0"/>
-        </a:xfrm>
-      </p:grpSpPr>
-      <p:sp>
-        <p:nvSpPr>
-          <p:cNvPr id="2" name="Title 1">
-            <a:extLst>
-              <a:ext uri="{FF2B5EF4-FFF2-40B4-BE49-F238E27FC236}">
-                <a16:creationId xmlns:a16="http://schemas.microsoft.com/office/drawing/2014/main" id="{CE668EA6-D49C-465D-8165-3FB0E38D211F}"/>
-              </a:ext>
-            </a:extLst>
-          </p:cNvPr>
-          <p:cNvSpPr>
-            <a:spLocks noGrp="1"/>
-          </p:cNvSpPr>
-          <p:nvPr>
-            <p:ph type="title"/>
-          </p:nvPr>
-        </p:nvSpPr>
-        <p:spPr/>
-        <p:txBody>
-          <a:bodyPr/>
-          <a:lstStyle/>
-          <a:p>
-            <a:pPr algn="ctr"/>
-            <a:r>
-              <a:rPr lang="en-US" dirty="0"/>
-              <a:t>Implementations</a:t>
-            </a:r>
-          </a:p>
-        </p:txBody>
-      </p:sp>
-      <p:sp>
-        <p:nvSpPr>
-          <p:cNvPr id="3" name="Content Placeholder 2">
-            <a:extLst>
-              <a:ext uri="{FF2B5EF4-FFF2-40B4-BE49-F238E27FC236}">
-                <a16:creationId xmlns:a16="http://schemas.microsoft.com/office/drawing/2014/main" id="{96C5FF4A-A2BE-4DFE-8A50-98748070B246}"/>
-              </a:ext>
-            </a:extLst>
-          </p:cNvPr>
-          <p:cNvSpPr>
-            <a:spLocks noGrp="1"/>
-          </p:cNvSpPr>
-          <p:nvPr>
-            <p:ph idx="1"/>
-          </p:nvPr>
-        </p:nvSpPr>
-        <p:spPr/>
-        <p:txBody>
-          <a:bodyPr/>
-          <a:lstStyle/>
-          <a:p>
-            <a:r>
-              <a:rPr lang="en-US" dirty="0"/>
-              <a:t>Introduced Batch Normalization layer to deal with covariate shift and dropout layer to avoid overfitting of data</a:t>
-            </a:r>
-          </a:p>
-          <a:p>
-            <a:r>
-              <a:rPr lang="en-US" dirty="0"/>
-              <a:t>Trained the model for 100 epochs with learning rate as 0.001, Adam optimizer and loss function as categorical cross entropy</a:t>
-            </a:r>
-          </a:p>
-        </p:txBody>
-      </p:sp>
-      <p:pic>
-        <p:nvPicPr>
-          <p:cNvPr id="5" name="Picture 4" descr="Text&#10;&#10;Description automatically generated">
-            <a:extLst>
-              <a:ext uri="{FF2B5EF4-FFF2-40B4-BE49-F238E27FC236}">
-                <a16:creationId xmlns:a16="http://schemas.microsoft.com/office/drawing/2014/main" id="{F472E43A-79A5-48CD-B0F9-16A994A38EA5}"/>
-              </a:ext>
-            </a:extLst>
-          </p:cNvPr>
-          <p:cNvPicPr>
-            <a:picLocks noChangeAspect="1"/>
-          </p:cNvPicPr>
-          <p:nvPr/>
-        </p:nvPicPr>
-        <p:blipFill>
-          <a:blip r:embed="rId2">
-            <a:extLst>
-              <a:ext uri="{28A0092B-C50C-407E-A947-70E740481C1C}">
-                <a14:useLocalDpi xmlns:a14="http://schemas.microsoft.com/office/drawing/2010/main" val="0"/>
-              </a:ext>
-            </a:extLst>
-          </a:blip>
-          <a:stretch>
-            <a:fillRect/>
-          </a:stretch>
-        </p:blipFill>
-        <p:spPr>
-          <a:xfrm>
-            <a:off x="607844" y="4225293"/>
-            <a:ext cx="10976311" cy="1951670"/>
-          </a:xfrm>
-          <a:prstGeom prst="rect">
-            <a:avLst/>
-          </a:prstGeom>
-        </p:spPr>
-      </p:pic>
-    </p:spTree>
-    <p:extLst>
-      <p:ext uri="{BB962C8B-B14F-4D97-AF65-F5344CB8AC3E}">
-        <p14:creationId xmlns:p14="http://schemas.microsoft.com/office/powerpoint/2010/main" val="179421094"/>
-      </p:ext>
-    </p:extLst>
-  </p:cSld>
-  <p:clrMapOvr>
-    <a:masterClrMapping/>
-  </p:clrMapOvr>
-</p:sld>
-</file>
-
-<file path=ppt/slides/slide6.xml><?xml version="1.0" encoding="utf-8"?>
-<p:sld xmlns:a="http://schemas.openxmlformats.org/drawingml/2006/main" xmlns:r="http://schemas.openxmlformats.org/officeDocument/2006/relationships" xmlns:p="http://schemas.openxmlformats.org/presentationml/2006/main">
-  <p:cSld>
-    <p:spTree>
-      <p:nvGrpSpPr>
-        <p:cNvPr id="1" name=""/>
-        <p:cNvGrpSpPr/>
-        <p:nvPr/>
-      </p:nvGrpSpPr>
-      <p:grpSpPr>
-        <a:xfrm>
-          <a:off x="0" y="0"/>
-          <a:ext cx="0" cy="0"/>
-          <a:chOff x="0" y="0"/>
-          <a:chExt cx="0" cy="0"/>
-        </a:xfrm>
-      </p:grpSpPr>
-      <p:sp>
-        <p:nvSpPr>
-          <p:cNvPr id="2" name="Title 1">
-            <a:extLst>
-              <a:ext uri="{FF2B5EF4-FFF2-40B4-BE49-F238E27FC236}">
-                <a16:creationId xmlns:a16="http://schemas.microsoft.com/office/drawing/2014/main" id="{41ECAF59-E15A-4D1B-9998-4A0AEA17050C}"/>
-              </a:ext>
-            </a:extLst>
-          </p:cNvPr>
-          <p:cNvSpPr>
-            <a:spLocks noGrp="1"/>
-          </p:cNvSpPr>
-          <p:nvPr>
-            <p:ph type="title"/>
-          </p:nvPr>
-        </p:nvSpPr>
-        <p:spPr/>
-        <p:txBody>
-          <a:bodyPr/>
-          <a:lstStyle/>
-          <a:p>
-            <a:pPr algn="ctr"/>
-            <a:r>
-              <a:rPr lang="en-US" dirty="0"/>
-              <a:t>Implementations	</a:t>
-            </a:r>
-          </a:p>
-        </p:txBody>
-      </p:sp>
-      <p:sp>
-        <p:nvSpPr>
-          <p:cNvPr id="3" name="Content Placeholder 2">
-            <a:extLst>
-              <a:ext uri="{FF2B5EF4-FFF2-40B4-BE49-F238E27FC236}">
-                <a16:creationId xmlns:a16="http://schemas.microsoft.com/office/drawing/2014/main" id="{4D6DBF0C-8372-4859-B564-9EAC024EAA9A}"/>
-              </a:ext>
-            </a:extLst>
-          </p:cNvPr>
-          <p:cNvSpPr>
-            <a:spLocks noGrp="1"/>
-          </p:cNvSpPr>
-          <p:nvPr>
-            <p:ph idx="1"/>
-          </p:nvPr>
-        </p:nvSpPr>
-        <p:spPr/>
-        <p:txBody>
-          <a:bodyPr/>
-          <a:lstStyle/>
-          <a:p>
-            <a:r>
-              <a:rPr lang="en-US" dirty="0"/>
-              <a:t>After training for 100 epochs, the training accuracy of the model is 71%, validation accuracy is 0.77% and testing accuracy is 67.5%</a:t>
-            </a:r>
-          </a:p>
-        </p:txBody>
-      </p:sp>
-      <p:pic>
-        <p:nvPicPr>
-          <p:cNvPr id="5" name="Picture 4" descr="Text&#10;&#10;Description automatically generated with low confidence">
-            <a:extLst>
-              <a:ext uri="{FF2B5EF4-FFF2-40B4-BE49-F238E27FC236}">
-                <a16:creationId xmlns:a16="http://schemas.microsoft.com/office/drawing/2014/main" id="{F0F536C0-1097-442B-826F-F0733EB19705}"/>
-              </a:ext>
-            </a:extLst>
-          </p:cNvPr>
-          <p:cNvPicPr>
-            <a:picLocks noChangeAspect="1"/>
-          </p:cNvPicPr>
-          <p:nvPr/>
-        </p:nvPicPr>
-        <p:blipFill>
-          <a:blip r:embed="rId2">
-            <a:extLst>
-              <a:ext uri="{28A0092B-C50C-407E-A947-70E740481C1C}">
-                <a14:useLocalDpi xmlns:a14="http://schemas.microsoft.com/office/drawing/2010/main" val="0"/>
-              </a:ext>
-            </a:extLst>
-          </a:blip>
-          <a:stretch>
-            <a:fillRect/>
-          </a:stretch>
-        </p:blipFill>
-        <p:spPr>
-          <a:xfrm>
-            <a:off x="838200" y="3333432"/>
-            <a:ext cx="10306050" cy="1363446"/>
-          </a:xfrm>
-          <a:prstGeom prst="rect">
-            <a:avLst/>
-          </a:prstGeom>
-        </p:spPr>
-      </p:pic>
-    </p:spTree>
-    <p:extLst>
-      <p:ext uri="{BB962C8B-B14F-4D97-AF65-F5344CB8AC3E}">
-        <p14:creationId xmlns:p14="http://schemas.microsoft.com/office/powerpoint/2010/main" val="3931975861"/>
-      </p:ext>
-    </p:extLst>
-  </p:cSld>
-  <p:clrMapOvr>
-    <a:masterClrMapping/>
-  </p:clrMapOvr>
-</p:sld>
-</file>
-
-<file path=ppt/slides/slide7.xml><?xml version="1.0" encoding="utf-8"?>
-<p:sld xmlns:a="http://schemas.openxmlformats.org/drawingml/2006/main" xmlns:r="http://schemas.openxmlformats.org/officeDocument/2006/relationships" xmlns:p="http://schemas.openxmlformats.org/presentationml/2006/main">
-  <p:cSld>
-    <p:spTree>
-      <p:nvGrpSpPr>
-        <p:cNvPr id="1" name=""/>
-        <p:cNvGrpSpPr/>
-        <p:nvPr/>
-      </p:nvGrpSpPr>
-      <p:grpSpPr>
-        <a:xfrm>
-          <a:off x="0" y="0"/>
-          <a:ext cx="0" cy="0"/>
-          <a:chOff x="0" y="0"/>
-          <a:chExt cx="0" cy="0"/>
-        </a:xfrm>
-      </p:grpSpPr>
-      <p:sp>
-        <p:nvSpPr>
-          <p:cNvPr id="2" name="Title 1">
-            <a:extLst>
-              <a:ext uri="{FF2B5EF4-FFF2-40B4-BE49-F238E27FC236}">
-                <a16:creationId xmlns:a16="http://schemas.microsoft.com/office/drawing/2014/main" id="{9464BFCE-6BA8-47D1-8791-6069ABCFA7CD}"/>
-              </a:ext>
-            </a:extLst>
-          </p:cNvPr>
-          <p:cNvSpPr>
-            <a:spLocks noGrp="1"/>
-          </p:cNvSpPr>
-          <p:nvPr>
-            <p:ph type="title"/>
-          </p:nvPr>
-        </p:nvSpPr>
-        <p:spPr/>
-        <p:txBody>
-          <a:bodyPr/>
-          <a:lstStyle/>
-          <a:p>
-            <a:pPr algn="ctr"/>
-            <a:r>
-              <a:rPr lang="en-US" dirty="0"/>
-              <a:t>Face Detection</a:t>
-            </a:r>
-          </a:p>
-        </p:txBody>
-      </p:sp>
-      <p:sp>
-        <p:nvSpPr>
-          <p:cNvPr id="3" name="Content Placeholder 2">
-            <a:extLst>
-              <a:ext uri="{FF2B5EF4-FFF2-40B4-BE49-F238E27FC236}">
-                <a16:creationId xmlns:a16="http://schemas.microsoft.com/office/drawing/2014/main" id="{8DE19CF2-2D8F-4ED2-85BF-EC90DE2DC248}"/>
-              </a:ext>
-            </a:extLst>
-          </p:cNvPr>
-          <p:cNvSpPr>
-            <a:spLocks noGrp="1"/>
-          </p:cNvSpPr>
-          <p:nvPr>
-            <p:ph idx="1"/>
-          </p:nvPr>
-        </p:nvSpPr>
-        <p:spPr/>
-        <p:txBody>
-          <a:bodyPr/>
-          <a:lstStyle/>
-          <a:p>
-            <a:r>
-              <a:rPr lang="en-US" dirty="0"/>
-              <a:t>We used MTCNN(Multi-task Cascaded Convolutional Neural Networks) to detect the human faces in the image and passing the identified face to the trained model for detecting the emotion. Drawing a box around the face of a person and displaying the person's emotion.</a:t>
-            </a:r>
-          </a:p>
-        </p:txBody>
-      </p:sp>
-    </p:spTree>
-    <p:extLst>
-      <p:ext uri="{BB962C8B-B14F-4D97-AF65-F5344CB8AC3E}">
-        <p14:creationId xmlns:p14="http://schemas.microsoft.com/office/powerpoint/2010/main" val="3223894262"/>
-      </p:ext>
-    </p:extLst>
-  </p:cSld>
-  <p:clrMapOvr>
-    <a:masterClrMapping/>
-  </p:clrMapOvr>
-</p:sld>
-</file>
-
-<file path=ppt/slides/slide8.xml><?xml version="1.0" encoding="utf-8"?>
-<p:sld xmlns:a="http://schemas.openxmlformats.org/drawingml/2006/main" xmlns:r="http://schemas.openxmlformats.org/officeDocument/2006/relationships" xmlns:p="http://schemas.openxmlformats.org/presentationml/2006/main">
-  <p:cSld>
-    <p:bg>
-      <p:bgPr>
-        <a:solidFill>
-          <a:schemeClr val="bg2"/>
-        </a:solidFill>
-        <a:effectLst/>
-      </p:bgPr>
-    </p:bg>
-    <p:spTree>
-      <p:nvGrpSpPr>
-        <p:cNvPr id="1" name=""/>
-        <p:cNvGrpSpPr/>
-        <p:nvPr/>
-      </p:nvGrpSpPr>
-      <p:grpSpPr>
-        <a:xfrm>
-          <a:off x="0" y="0"/>
-          <a:ext cx="0" cy="0"/>
-          <a:chOff x="0" y="0"/>
-          <a:chExt cx="0" cy="0"/>
-        </a:xfrm>
-      </p:grpSpPr>
-      <p:sp>
-        <p:nvSpPr>
-          <p:cNvPr id="30" name="Rectangle 9">
-            <a:extLst>
-              <a:ext uri="{FF2B5EF4-FFF2-40B4-BE49-F238E27FC236}">
-                <a16:creationId xmlns:a16="http://schemas.microsoft.com/office/drawing/2014/main" id="{89EA2611-DCBA-4E97-A2B2-9A466E76BDA4}"/>
-              </a:ext>
-              <a:ext uri="{C183D7F6-B498-43B3-948B-1728B52AA6E4}">
-                <adec:decorative xmlns:adec="http://schemas.microsoft.com/office/drawing/2017/decorative" val="1"/>
-              </a:ext>
-            </a:extLst>
-          </p:cNvPr>
-          <p:cNvSpPr>
-            <a:spLocks noGrp="1" noRot="1" noChangeAspect="1" noMove="1" noResize="1" noEditPoints="1" noAdjustHandles="1" noChangeArrowheads="1" noChangeShapeType="1" noTextEdit="1"/>
-          </p:cNvSpPr>
-          <p:nvPr>
-            <p:extLst>
-              <p:ext uri="{386F3935-93C4-4BCD-93E2-E3B085C9AB24}">
-                <p16:designElem xmlns:p16="http://schemas.microsoft.com/office/powerpoint/2015/main" val="1"/>
-              </p:ext>
-            </p:extLst>
-          </p:nvPr>
-        </p:nvSpPr>
-        <p:spPr>
-          <a:xfrm>
-            <a:off x="0" y="0"/>
-            <a:ext cx="12192000" cy="6858000"/>
-          </a:xfrm>
-          <a:prstGeom prst="rect">
-            <a:avLst/>
-          </a:prstGeom>
-          <a:ln>
-            <a:noFill/>
-          </a:ln>
-        </p:spPr>
-        <p:style>
-          <a:lnRef idx="2">
-            <a:schemeClr val="accent1">
-              <a:shade val="50000"/>
-            </a:schemeClr>
-          </a:lnRef>
-          <a:fillRef idx="1001">
-            <a:schemeClr val="dk2"/>
-          </a:fillRef>
-          <a:effectRef idx="0">
-            <a:schemeClr val="accent1"/>
-          </a:effectRef>
-          <a:fontRef idx="minor">
-            <a:schemeClr val="lt1"/>
-          </a:fontRef>
-        </p:style>
-      </p:sp>
-      <p:sp>
-        <p:nvSpPr>
-          <p:cNvPr id="31" name="Freeform 5">
-            <a:extLst>
-              <a:ext uri="{FF2B5EF4-FFF2-40B4-BE49-F238E27FC236}">
-                <a16:creationId xmlns:a16="http://schemas.microsoft.com/office/drawing/2014/main" id="{BBC615D1-6E12-40EF-915B-316CFDB550D5}"/>
-              </a:ext>
-              <a:ext uri="{C183D7F6-B498-43B3-948B-1728B52AA6E4}">
-                <adec:decorative xmlns:adec="http://schemas.microsoft.com/office/drawing/2017/decorative" val="1"/>
-              </a:ext>
-            </a:extLst>
-          </p:cNvPr>
-          <p:cNvSpPr>
-            <a:spLocks noGrp="1" noRot="1" noChangeAspect="1" noMove="1" noResize="1" noEditPoints="1" noAdjustHandles="1" noChangeArrowheads="1" noChangeShapeType="1" noTextEdit="1"/>
-          </p:cNvSpPr>
-          <p:nvPr>
-            <p:extLst>
-              <p:ext uri="{386F3935-93C4-4BCD-93E2-E3B085C9AB24}">
-                <p16:designElem xmlns:p16="http://schemas.microsoft.com/office/powerpoint/2015/main" val="1"/>
-              </p:ext>
-            </p:extLst>
-          </p:nvPr>
-        </p:nvSpPr>
-        <p:spPr bwMode="gray">
-          <a:xfrm>
-            <a:off x="0" y="794"/>
-            <a:ext cx="12192000" cy="6856413"/>
-          </a:xfrm>
-          <a:custGeom>
-            <a:avLst/>
-            <a:gdLst/>
-            <a:ahLst/>
-            <a:cxnLst/>
-            <a:rect l="0" t="0" r="r" b="b"/>
-            <a:pathLst>
-              <a:path w="15356" h="8638">
-                <a:moveTo>
-                  <a:pt x="0" y="0"/>
-                </a:moveTo>
-                <a:lnTo>
-                  <a:pt x="0" y="8638"/>
-                </a:lnTo>
-                <a:lnTo>
-                  <a:pt x="15356" y="8638"/>
-                </a:lnTo>
-                <a:lnTo>
-                  <a:pt x="15356" y="0"/>
-                </a:lnTo>
-                <a:lnTo>
-                  <a:pt x="0" y="0"/>
-                </a:lnTo>
-                <a:close/>
-                <a:moveTo>
-                  <a:pt x="14748" y="8038"/>
-                </a:moveTo>
-                <a:lnTo>
-                  <a:pt x="600" y="8038"/>
-                </a:lnTo>
-                <a:lnTo>
-                  <a:pt x="600" y="592"/>
-                </a:lnTo>
-                <a:lnTo>
-                  <a:pt x="14748" y="592"/>
-                </a:lnTo>
-                <a:lnTo>
-                  <a:pt x="14748" y="8038"/>
-                </a:lnTo>
-                <a:close/>
-              </a:path>
-            </a:pathLst>
-          </a:custGeom>
-          <a:solidFill>
-            <a:schemeClr val="tx1"/>
-          </a:solidFill>
-          <a:ln>
-            <a:noFill/>
-          </a:ln>
-        </p:spPr>
-      </p:sp>
-      <p:sp>
-        <p:nvSpPr>
-          <p:cNvPr id="32" name="Freeform 5">
-            <a:extLst>
-              <a:ext uri="{FF2B5EF4-FFF2-40B4-BE49-F238E27FC236}">
-                <a16:creationId xmlns:a16="http://schemas.microsoft.com/office/drawing/2014/main" id="{B9797D36-DE1E-47CD-881A-6C1F5828261B}"/>
-              </a:ext>
-              <a:ext uri="{C183D7F6-B498-43B3-948B-1728B52AA6E4}">
-                <adec:decorative xmlns:adec="http://schemas.microsoft.com/office/drawing/2017/decorative" val="1"/>
-              </a:ext>
-            </a:extLst>
-          </p:cNvPr>
-          <p:cNvSpPr>
-            <a:spLocks noGrp="1" noRot="1" noChangeAspect="1" noMove="1" noResize="1" noEditPoints="1" noAdjustHandles="1" noChangeArrowheads="1" noChangeShapeType="1" noTextEdit="1"/>
-          </p:cNvSpPr>
-          <p:nvPr>
-            <p:extLst>
-              <p:ext uri="{386F3935-93C4-4BCD-93E2-E3B085C9AB24}">
-                <p16:designElem xmlns:p16="http://schemas.microsoft.com/office/powerpoint/2015/main" val="1"/>
-              </p:ext>
-            </p:extLst>
-          </p:nvPr>
-        </p:nvSpPr>
-        <p:spPr bwMode="gray">
-          <a:xfrm rot="15922489">
-            <a:off x="5376762" y="1826078"/>
-            <a:ext cx="3299407" cy="440924"/>
-          </a:xfrm>
-          <a:custGeom>
-            <a:avLst/>
-            <a:gdLst/>
-            <a:ahLst/>
-            <a:cxnLst/>
-            <a:rect l="l" t="t" r="r" b="b"/>
-            <a:pathLst>
-              <a:path w="10000" h="5291">
-                <a:moveTo>
-                  <a:pt x="85" y="2532"/>
-                </a:moveTo>
-                <a:cubicBezTo>
-                  <a:pt x="1736" y="3911"/>
-                  <a:pt x="7524" y="5298"/>
-                  <a:pt x="9958" y="5291"/>
-                </a:cubicBezTo>
-                <a:cubicBezTo>
-                  <a:pt x="9989" y="1958"/>
-                  <a:pt x="9969" y="3333"/>
-                  <a:pt x="10000" y="0"/>
-                </a:cubicBezTo>
-                <a:lnTo>
-                  <a:pt x="10000" y="0"/>
-                </a:lnTo>
-                <a:lnTo>
-                  <a:pt x="9667" y="204"/>
-                </a:lnTo>
-                <a:lnTo>
-                  <a:pt x="9334" y="400"/>
-                </a:lnTo>
-                <a:lnTo>
-                  <a:pt x="9001" y="590"/>
-                </a:lnTo>
-                <a:lnTo>
-                  <a:pt x="8667" y="753"/>
-                </a:lnTo>
-                <a:lnTo>
-                  <a:pt x="8333" y="917"/>
-                </a:lnTo>
-                <a:lnTo>
-                  <a:pt x="7999" y="1071"/>
-                </a:lnTo>
-                <a:lnTo>
-                  <a:pt x="7669" y="1202"/>
-                </a:lnTo>
-                <a:lnTo>
-                  <a:pt x="7333" y="1325"/>
-                </a:lnTo>
-                <a:lnTo>
-                  <a:pt x="7000" y="1440"/>
-                </a:lnTo>
-                <a:lnTo>
-                  <a:pt x="6673" y="1538"/>
-                </a:lnTo>
-                <a:lnTo>
-                  <a:pt x="6340" y="1636"/>
-                </a:lnTo>
-                <a:lnTo>
-                  <a:pt x="6013" y="1719"/>
-                </a:lnTo>
-                <a:lnTo>
-                  <a:pt x="5686" y="1784"/>
-                </a:lnTo>
-                <a:lnTo>
-                  <a:pt x="5359" y="1850"/>
-                </a:lnTo>
-                <a:lnTo>
-                  <a:pt x="5036" y="1906"/>
-                </a:lnTo>
-                <a:lnTo>
-                  <a:pt x="4717" y="1948"/>
-                </a:lnTo>
-                <a:lnTo>
-                  <a:pt x="4396" y="1980"/>
-                </a:lnTo>
-                <a:lnTo>
-                  <a:pt x="4079" y="2013"/>
-                </a:lnTo>
-                <a:lnTo>
-                  <a:pt x="3766" y="2029"/>
-                </a:lnTo>
-                <a:lnTo>
-                  <a:pt x="3454" y="2046"/>
-                </a:lnTo>
-                <a:lnTo>
-                  <a:pt x="3145" y="2053"/>
-                </a:lnTo>
-                <a:lnTo>
-                  <a:pt x="2839" y="2046"/>
-                </a:lnTo>
-                <a:lnTo>
-                  <a:pt x="2537" y="2046"/>
-                </a:lnTo>
-                <a:lnTo>
-                  <a:pt x="2238" y="2029"/>
-                </a:lnTo>
-                <a:lnTo>
-                  <a:pt x="1943" y="2004"/>
-                </a:lnTo>
-                <a:lnTo>
-                  <a:pt x="1653" y="1980"/>
-                </a:lnTo>
-                <a:lnTo>
-                  <a:pt x="1368" y="1955"/>
-                </a:lnTo>
-                <a:lnTo>
-                  <a:pt x="1085" y="1915"/>
-                </a:lnTo>
-                <a:lnTo>
-                  <a:pt x="806" y="1873"/>
-                </a:lnTo>
-                <a:lnTo>
-                  <a:pt x="533" y="1833"/>
-                </a:lnTo>
-                <a:lnTo>
-                  <a:pt x="0" y="1726"/>
-                </a:lnTo>
-                <a:cubicBezTo>
-                  <a:pt x="28" y="1995"/>
-                  <a:pt x="57" y="2263"/>
-                  <a:pt x="85" y="2532"/>
-                </a:cubicBezTo>
-                <a:close/>
-              </a:path>
-            </a:pathLst>
-          </a:custGeom>
-          <a:solidFill>
-            <a:schemeClr val="tx1">
-              <a:alpha val="20000"/>
-            </a:schemeClr>
-          </a:solidFill>
-          <a:ln>
-            <a:noFill/>
-          </a:ln>
-        </p:spPr>
-      </p:sp>
-      <p:sp>
-        <p:nvSpPr>
-          <p:cNvPr id="2" name="Title 1">
-            <a:extLst>
-              <a:ext uri="{FF2B5EF4-FFF2-40B4-BE49-F238E27FC236}">
-                <a16:creationId xmlns:a16="http://schemas.microsoft.com/office/drawing/2014/main" id="{E1DEC3FE-7938-48A6-9A20-42BD6A34234C}"/>
-              </a:ext>
-            </a:extLst>
-          </p:cNvPr>
-          <p:cNvSpPr>
-            <a:spLocks noGrp="1"/>
-          </p:cNvSpPr>
-          <p:nvPr>
-            <p:ph type="title"/>
-          </p:nvPr>
-        </p:nvSpPr>
-        <p:spPr>
-          <a:xfrm>
-            <a:off x="639098" y="629265"/>
-            <a:ext cx="6072776" cy="1622322"/>
-          </a:xfrm>
-        </p:spPr>
-        <p:txBody>
-          <a:bodyPr>
-            <a:normAutofit/>
-          </a:bodyPr>
-          <a:lstStyle/>
-          <a:p>
-            <a:pPr algn="ctr"/>
-            <a:r>
-              <a:rPr lang="en-US" dirty="0">
-                <a:solidFill>
-                  <a:srgbClr val="FFFFFF"/>
-                </a:solidFill>
-              </a:rPr>
-              <a:t>Web Application</a:t>
-            </a:r>
-          </a:p>
-        </p:txBody>
-      </p:sp>
-      <p:pic>
-        <p:nvPicPr>
-          <p:cNvPr id="5" name="Picture 4" descr="Table&#10;&#10;Description automatically generated with low confidence">
-            <a:extLst>
-              <a:ext uri="{FF2B5EF4-FFF2-40B4-BE49-F238E27FC236}">
-                <a16:creationId xmlns:a16="http://schemas.microsoft.com/office/drawing/2014/main" id="{BAC0683C-3CCA-41A2-8C3A-EE31998ADE0B}"/>
-              </a:ext>
-            </a:extLst>
-          </p:cNvPr>
-          <p:cNvPicPr>
-            <a:picLocks noChangeAspect="1"/>
-          </p:cNvPicPr>
-          <p:nvPr/>
-        </p:nvPicPr>
-        <p:blipFill rotWithShape="1">
-          <a:blip r:embed="rId2">
-            <a:extLst>
-              <a:ext uri="{28A0092B-C50C-407E-A947-70E740481C1C}">
-                <a14:useLocalDpi xmlns:a14="http://schemas.microsoft.com/office/drawing/2010/main" val="0"/>
-              </a:ext>
-            </a:extLst>
-          </a:blip>
-          <a:srcRect r="14927" b="2"/>
-          <a:stretch/>
-        </p:blipFill>
-        <p:spPr>
-          <a:xfrm>
-            <a:off x="6774511" y="480060"/>
-            <a:ext cx="4929808" cy="5897880"/>
-          </a:xfrm>
-          <a:custGeom>
-            <a:avLst/>
-            <a:gdLst/>
-            <a:ahLst/>
-            <a:cxnLst/>
-            <a:rect l="l" t="t" r="r" b="b"/>
-            <a:pathLst>
-              <a:path w="4929808" h="5897880">
-                <a:moveTo>
-                  <a:pt x="104535" y="0"/>
-                </a:moveTo>
-                <a:lnTo>
-                  <a:pt x="2751151" y="0"/>
-                </a:lnTo>
-                <a:lnTo>
-                  <a:pt x="4769032" y="0"/>
-                </a:lnTo>
-                <a:lnTo>
-                  <a:pt x="4929808" y="0"/>
-                </a:lnTo>
-                <a:lnTo>
-                  <a:pt x="4929808" y="5897880"/>
-                </a:lnTo>
-                <a:lnTo>
-                  <a:pt x="4769032" y="5897880"/>
-                </a:lnTo>
-                <a:lnTo>
-                  <a:pt x="2751151" y="5897880"/>
-                </a:lnTo>
-                <a:lnTo>
-                  <a:pt x="0" y="5897880"/>
-                </a:lnTo>
-                <a:lnTo>
-                  <a:pt x="0" y="5896985"/>
-                </a:lnTo>
-                <a:lnTo>
-                  <a:pt x="103291" y="5896985"/>
-                </a:lnTo>
-                <a:lnTo>
-                  <a:pt x="112340" y="5838313"/>
-                </a:lnTo>
-                <a:lnTo>
-                  <a:pt x="123631" y="5762037"/>
-                </a:lnTo>
-                <a:lnTo>
-                  <a:pt x="135550" y="5671232"/>
-                </a:lnTo>
-                <a:lnTo>
-                  <a:pt x="149820" y="5563476"/>
-                </a:lnTo>
-                <a:lnTo>
-                  <a:pt x="164875" y="5444219"/>
-                </a:lnTo>
-                <a:lnTo>
-                  <a:pt x="180714" y="5309828"/>
-                </a:lnTo>
-                <a:lnTo>
-                  <a:pt x="197494" y="5163329"/>
-                </a:lnTo>
-                <a:lnTo>
-                  <a:pt x="214273" y="5004117"/>
-                </a:lnTo>
-                <a:lnTo>
-                  <a:pt x="231367" y="4834615"/>
-                </a:lnTo>
-                <a:lnTo>
-                  <a:pt x="247205" y="4651794"/>
-                </a:lnTo>
-                <a:lnTo>
-                  <a:pt x="262417" y="4460498"/>
-                </a:lnTo>
-                <a:lnTo>
-                  <a:pt x="276217" y="4258305"/>
-                </a:lnTo>
-                <a:lnTo>
-                  <a:pt x="289390" y="4047637"/>
-                </a:lnTo>
-                <a:lnTo>
-                  <a:pt x="301779" y="3827889"/>
-                </a:lnTo>
-                <a:lnTo>
-                  <a:pt x="306170" y="3715291"/>
-                </a:lnTo>
-                <a:lnTo>
-                  <a:pt x="311031" y="3600271"/>
-                </a:lnTo>
-                <a:lnTo>
-                  <a:pt x="315579" y="3483435"/>
-                </a:lnTo>
-                <a:lnTo>
-                  <a:pt x="318558" y="3365994"/>
-                </a:lnTo>
-                <a:lnTo>
-                  <a:pt x="321224" y="3246131"/>
-                </a:lnTo>
-                <a:lnTo>
-                  <a:pt x="324047" y="3125058"/>
-                </a:lnTo>
-                <a:lnTo>
-                  <a:pt x="325929" y="3001563"/>
-                </a:lnTo>
-                <a:lnTo>
-                  <a:pt x="325929" y="2876858"/>
-                </a:lnTo>
-                <a:lnTo>
-                  <a:pt x="326870" y="2750941"/>
-                </a:lnTo>
-                <a:lnTo>
-                  <a:pt x="325929" y="2623814"/>
-                </a:lnTo>
-                <a:lnTo>
-                  <a:pt x="324047" y="2494871"/>
-                </a:lnTo>
-                <a:lnTo>
-                  <a:pt x="322322" y="2365928"/>
-                </a:lnTo>
-                <a:lnTo>
-                  <a:pt x="318558" y="2235169"/>
-                </a:lnTo>
-                <a:lnTo>
-                  <a:pt x="314638" y="2103199"/>
-                </a:lnTo>
-                <a:lnTo>
-                  <a:pt x="310090" y="1971229"/>
-                </a:lnTo>
-                <a:lnTo>
-                  <a:pt x="303660" y="1838048"/>
-                </a:lnTo>
-                <a:lnTo>
-                  <a:pt x="295976" y="1703656"/>
-                </a:lnTo>
-                <a:lnTo>
-                  <a:pt x="288606" y="1568660"/>
-                </a:lnTo>
-                <a:lnTo>
-                  <a:pt x="279197" y="1433663"/>
-                </a:lnTo>
-                <a:lnTo>
-                  <a:pt x="267906" y="1296850"/>
-                </a:lnTo>
-                <a:lnTo>
-                  <a:pt x="256615" y="1161853"/>
-                </a:lnTo>
-                <a:lnTo>
-                  <a:pt x="243598" y="1024435"/>
-                </a:lnTo>
-                <a:lnTo>
-                  <a:pt x="229328" y="886411"/>
-                </a:lnTo>
-                <a:lnTo>
-                  <a:pt x="214273" y="750203"/>
-                </a:lnTo>
-                <a:lnTo>
-                  <a:pt x="196709" y="612180"/>
-                </a:lnTo>
-                <a:lnTo>
-                  <a:pt x="177891" y="474761"/>
-                </a:lnTo>
-                <a:lnTo>
-                  <a:pt x="159229" y="336738"/>
-                </a:lnTo>
-                <a:lnTo>
-                  <a:pt x="137432" y="199320"/>
-                </a:lnTo>
-                <a:lnTo>
-                  <a:pt x="115163" y="62507"/>
-                </a:lnTo>
-                <a:close/>
-              </a:path>
-            </a:pathLst>
-          </a:custGeom>
-        </p:spPr>
-      </p:pic>
-      <p:sp>
-        <p:nvSpPr>
-          <p:cNvPr id="33" name="Rectangle 15">
-            <a:extLst>
-              <a:ext uri="{FF2B5EF4-FFF2-40B4-BE49-F238E27FC236}">
-                <a16:creationId xmlns:a16="http://schemas.microsoft.com/office/drawing/2014/main" id="{4A2FAF1F-F462-46AF-A9E6-CC93C4E2C359}"/>
-              </a:ext>
-              <a:ext uri="{C183D7F6-B498-43B3-948B-1728B52AA6E4}">
-                <adec:decorative xmlns:adec="http://schemas.microsoft.com/office/drawing/2017/decorative" val="1"/>
-              </a:ext>
-            </a:extLst>
-          </p:cNvPr>
-          <p:cNvSpPr>
-            <a:spLocks noGrp="1" noRot="1" noChangeAspect="1" noMove="1" noResize="1" noEditPoints="1" noAdjustHandles="1" noChangeArrowheads="1" noChangeShapeType="1" noTextEdit="1"/>
-          </p:cNvSpPr>
-          <p:nvPr>
-            <p:extLst>
-              <p:ext uri="{386F3935-93C4-4BCD-93E2-E3B085C9AB24}">
-                <p16:designElem xmlns:p16="http://schemas.microsoft.com/office/powerpoint/2015/main" val="1"/>
-              </p:ext>
-            </p:extLst>
-          </p:nvPr>
-        </p:nvSpPr>
-        <p:spPr>
-          <a:xfrm>
-            <a:off x="10437812" y="0"/>
-            <a:ext cx="685800" cy="1143000"/>
-          </a:xfrm>
-          <a:prstGeom prst="rect">
-            <a:avLst/>
-          </a:prstGeom>
-          <a:solidFill>
-            <a:schemeClr val="accent1"/>
-          </a:solidFill>
-          <a:ln>
-            <a:noFill/>
-          </a:ln>
-        </p:spPr>
-        <p:style>
-          <a:lnRef idx="1">
-            <a:schemeClr val="accent1"/>
-          </a:lnRef>
-          <a:fillRef idx="3">
-            <a:schemeClr val="accent1"/>
-          </a:fillRef>
-          <a:effectRef idx="2">
-            <a:schemeClr val="accent1"/>
-          </a:effectRef>
-          <a:fontRef idx="minor">
-            <a:schemeClr val="lt1"/>
-          </a:fontRef>
-        </p:style>
-      </p:sp>
-      <p:sp>
-        <p:nvSpPr>
-          <p:cNvPr id="34" name="Oval 17">
-            <a:extLst>
-              <a:ext uri="{FF2B5EF4-FFF2-40B4-BE49-F238E27FC236}">
-                <a16:creationId xmlns:a16="http://schemas.microsoft.com/office/drawing/2014/main" id="{7146BED8-BAE9-42C5-A3DD-7B946445DB8C}"/>
-              </a:ext>
-              <a:ext uri="{C183D7F6-B498-43B3-948B-1728B52AA6E4}">
-                <adec:decorative xmlns:adec="http://schemas.microsoft.com/office/drawing/2017/decorative" val="1"/>
-              </a:ext>
-            </a:extLst>
-          </p:cNvPr>
-          <p:cNvSpPr>
-            <a:spLocks noGrp="1" noRot="1" noChangeAspect="1" noMove="1" noResize="1" noEditPoints="1" noAdjustHandles="1" noChangeArrowheads="1" noChangeShapeType="1" noTextEdit="1"/>
-          </p:cNvSpPr>
-          <p:nvPr>
-            <p:extLst>
-              <p:ext uri="{386F3935-93C4-4BCD-93E2-E3B085C9AB24}">
-                <p16:designElem xmlns:p16="http://schemas.microsoft.com/office/powerpoint/2015/main" val="1"/>
-              </p:ext>
-            </p:extLst>
-          </p:nvPr>
-        </p:nvSpPr>
-        <p:spPr>
-          <a:xfrm>
-            <a:off x="0" y="2667000"/>
-            <a:ext cx="4191000" cy="4191000"/>
-          </a:xfrm>
-          <a:prstGeom prst="ellipse">
-            <a:avLst/>
-          </a:prstGeom>
-          <a:gradFill flip="none" rotWithShape="1">
-            <a:gsLst>
-              <a:gs pos="0">
-                <a:schemeClr val="accent5">
-                  <a:alpha val="11000"/>
-                </a:schemeClr>
-              </a:gs>
-              <a:gs pos="75000">
-                <a:schemeClr val="accent5">
-                  <a:alpha val="0"/>
-                </a:schemeClr>
-              </a:gs>
-              <a:gs pos="36000">
-                <a:schemeClr val="accent5">
-                  <a:alpha val="10000"/>
-                </a:schemeClr>
-              </a:gs>
-            </a:gsLst>
-            <a:path path="circle">
-              <a:fillToRect l="50000" t="50000" r="50000" b="50000"/>
-            </a:path>
-            <a:tileRect/>
-          </a:gradFill>
-          <a:ln>
-            <a:noFill/>
-          </a:ln>
-          <a:effectLst/>
-        </p:spPr>
-        <p:style>
-          <a:lnRef idx="1">
-            <a:schemeClr val="accent1"/>
-          </a:lnRef>
-          <a:fillRef idx="3">
-            <a:schemeClr val="accent1"/>
-          </a:fillRef>
-          <a:effectRef idx="2">
-            <a:schemeClr val="accent1"/>
-          </a:effectRef>
-          <a:fontRef idx="minor">
-            <a:schemeClr val="lt1"/>
-          </a:fontRef>
-        </p:style>
-      </p:sp>
-      <p:sp>
-        <p:nvSpPr>
-          <p:cNvPr id="35" name="Oval 19">
-            <a:extLst>
-              <a:ext uri="{FF2B5EF4-FFF2-40B4-BE49-F238E27FC236}">
-                <a16:creationId xmlns:a16="http://schemas.microsoft.com/office/drawing/2014/main" id="{15765FE8-B62F-41E4-A73C-74C91A8FD945}"/>
-              </a:ext>
-              <a:ext uri="{C183D7F6-B498-43B3-948B-1728B52AA6E4}">
-                <adec:decorative xmlns:adec="http://schemas.microsoft.com/office/drawing/2017/decorative" val="1"/>
-              </a:ext>
-            </a:extLst>
-          </p:cNvPr>
-          <p:cNvSpPr>
-            <a:spLocks noGrp="1" noRot="1" noChangeAspect="1" noMove="1" noResize="1" noEditPoints="1" noAdjustHandles="1" noChangeArrowheads="1" noChangeShapeType="1" noTextEdit="1"/>
-          </p:cNvSpPr>
-          <p:nvPr>
-            <p:extLst>
-              <p:ext uri="{386F3935-93C4-4BCD-93E2-E3B085C9AB24}">
-                <p16:designElem xmlns:p16="http://schemas.microsoft.com/office/powerpoint/2015/main" val="1"/>
-              </p:ext>
-            </p:extLst>
-          </p:nvPr>
-        </p:nvSpPr>
-        <p:spPr>
-          <a:xfrm>
-            <a:off x="0" y="2895600"/>
-            <a:ext cx="2362200" cy="2362200"/>
-          </a:xfrm>
-          <a:prstGeom prst="ellipse">
-            <a:avLst/>
-          </a:prstGeom>
-          <a:gradFill flip="none" rotWithShape="1">
-            <a:gsLst>
-              <a:gs pos="0">
-                <a:schemeClr val="accent5">
-                  <a:alpha val="8000"/>
-                </a:schemeClr>
-              </a:gs>
-              <a:gs pos="72000">
-                <a:schemeClr val="accent5">
-                  <a:alpha val="0"/>
-                </a:schemeClr>
-              </a:gs>
-              <a:gs pos="36000">
-                <a:schemeClr val="accent5">
-                  <a:alpha val="8000"/>
-                </a:schemeClr>
-              </a:gs>
-            </a:gsLst>
-            <a:path path="circle">
-              <a:fillToRect l="50000" t="50000" r="50000" b="50000"/>
-            </a:path>
-            <a:tileRect/>
-          </a:gradFill>
-          <a:ln>
-            <a:noFill/>
-          </a:ln>
-          <a:effectLst/>
-        </p:spPr>
-        <p:style>
-          <a:lnRef idx="1">
-            <a:schemeClr val="accent1"/>
-          </a:lnRef>
-          <a:fillRef idx="3">
-            <a:schemeClr val="accent1"/>
-          </a:fillRef>
-          <a:effectRef idx="2">
-            <a:schemeClr val="accent1"/>
-          </a:effectRef>
-          <a:fontRef idx="minor">
-            <a:schemeClr val="lt1"/>
-          </a:fontRef>
-        </p:style>
-      </p:sp>
-      <p:sp>
-        <p:nvSpPr>
-          <p:cNvPr id="3" name="Content Placeholder 2">
-            <a:extLst>
-              <a:ext uri="{FF2B5EF4-FFF2-40B4-BE49-F238E27FC236}">
-                <a16:creationId xmlns:a16="http://schemas.microsoft.com/office/drawing/2014/main" id="{848E9576-FFCE-4FD1-91E2-CFB9A1B63693}"/>
-              </a:ext>
-            </a:extLst>
-          </p:cNvPr>
-          <p:cNvSpPr>
-            <a:spLocks noGrp="1"/>
-          </p:cNvSpPr>
-          <p:nvPr>
-            <p:ph idx="1"/>
-          </p:nvPr>
-        </p:nvSpPr>
-        <p:spPr>
-          <a:xfrm>
-            <a:off x="639098" y="2418735"/>
-            <a:ext cx="6072776" cy="3811740"/>
-          </a:xfrm>
-        </p:spPr>
-        <p:txBody>
-          <a:bodyPr anchor="ctr">
-            <a:normAutofit/>
-          </a:bodyPr>
-          <a:lstStyle/>
-          <a:p>
-            <a:r>
               <a:rPr lang="en-US" dirty="0">
                 <a:solidFill>
                   <a:srgbClr val="FFFFFF"/>
@@ -16382,25 +14746,6 @@
               </a:rPr>
               <a:t>Flask served as the backbone of the program</a:t>
             </a:r>
-          </a:p>
-          <a:p>
-            <a:pPr lvl="1"/>
-            <a:r>
-              <a:rPr lang="en-US" dirty="0">
-                <a:solidFill>
-                  <a:srgbClr val="FFFFFF"/>
-                </a:solidFill>
-              </a:rPr>
-              <a:t>It analyzed the input from the index page using the model then directs to the results page</a:t>
-            </a:r>
-          </a:p>
-          <a:p>
-            <a:pPr lvl="1"/>
-            <a:endParaRPr lang="en-US" dirty="0">
-              <a:solidFill>
-                <a:srgbClr val="FFFFFF"/>
-              </a:solidFill>
-            </a:endParaRPr>
           </a:p>
           <a:p>
             <a:endParaRPr lang="en-US" dirty="0">
@@ -16424,7 +14769,7 @@
 </p:sld>
 </file>
 
-<file path=ppt/slides/slide9.xml><?xml version="1.0" encoding="utf-8"?>
+<file path=ppt/slides/slide11.xml><?xml version="1.0" encoding="utf-8"?>
 <p:sld xmlns:a="http://schemas.openxmlformats.org/drawingml/2006/main" xmlns:r="http://schemas.openxmlformats.org/officeDocument/2006/relationships" xmlns:p="http://schemas.openxmlformats.org/presentationml/2006/main">
   <p:cSld>
     <p:bg>
@@ -17142,12 +15487,8 @@
           <a:lstStyle/>
           <a:p>
             <a:r>
-              <a:rPr lang="en-US" dirty="0">
-                <a:solidFill>
-                  <a:srgbClr val="FFFFFF"/>
-                </a:solidFill>
-              </a:rPr>
-              <a:t>The user will either take a photo through the webcam option or upload the image</a:t>
+              <a:rPr lang="en-US" dirty="0"/>
+              <a:t>The user will either take a photo through the webcam option or upload the image.</a:t>
             </a:r>
           </a:p>
           <a:p>
@@ -17157,7 +15498,19 @@
                   <a:srgbClr val="FFFFFF"/>
                 </a:solidFill>
               </a:rPr>
-              <a:t>The main page on top, Result page on the bottom</a:t>
+              <a:t>The Home page on </a:t>
+            </a:r>
+            <a:r>
+              <a:rPr lang="en-US" dirty="0"/>
+              <a:t>top</a:t>
+            </a:r>
+            <a:r>
+              <a:rPr lang="en-US" dirty="0">
+                <a:solidFill>
+                  <a:srgbClr val="FFFFFF"/>
+                </a:solidFill>
+              </a:rPr>
+              <a:t>, Result page on the bottom</a:t>
             </a:r>
           </a:p>
         </p:txBody>
@@ -17302,6 +15655,4428 @@
   </p:cSld>
   <p:clrMapOvr>
     <a:overrideClrMapping bg1="dk1" tx1="lt1" bg2="dk2" tx2="lt2" accent1="accent1" accent2="accent2" accent3="accent3" accent4="accent4" accent5="accent5" accent6="accent6" hlink="hlink" folHlink="folHlink"/>
+  </p:clrMapOvr>
+</p:sld>
+</file>
+
+<file path=ppt/slides/slide12.xml><?xml version="1.0" encoding="utf-8"?>
+<p:sld xmlns:a="http://schemas.openxmlformats.org/drawingml/2006/main" xmlns:r="http://schemas.openxmlformats.org/officeDocument/2006/relationships" xmlns:p="http://schemas.openxmlformats.org/presentationml/2006/main">
+  <p:cSld>
+    <p:bg>
+      <p:bgPr>
+        <a:solidFill>
+          <a:schemeClr val="bg1"/>
+        </a:solidFill>
+        <a:effectLst/>
+      </p:bgPr>
+    </p:bg>
+    <p:spTree>
+      <p:nvGrpSpPr>
+        <p:cNvPr id="1" name=""/>
+        <p:cNvGrpSpPr/>
+        <p:nvPr/>
+      </p:nvGrpSpPr>
+      <p:grpSpPr>
+        <a:xfrm>
+          <a:off x="0" y="0"/>
+          <a:ext cx="0" cy="0"/>
+          <a:chOff x="0" y="0"/>
+          <a:chExt cx="0" cy="0"/>
+        </a:xfrm>
+      </p:grpSpPr>
+      <p:sp>
+        <p:nvSpPr>
+          <p:cNvPr id="70" name="Rectangle 72">
+            <a:extLst>
+              <a:ext uri="{FF2B5EF4-FFF2-40B4-BE49-F238E27FC236}">
+                <a16:creationId xmlns:a16="http://schemas.microsoft.com/office/drawing/2014/main" id="{F70C2B8F-6B1B-46D5-86E6-40F36C695FC2}"/>
+              </a:ext>
+              <a:ext uri="{C183D7F6-B498-43B3-948B-1728B52AA6E4}">
+                <adec:decorative xmlns:adec="http://schemas.microsoft.com/office/drawing/2017/decorative" val="1"/>
+              </a:ext>
+            </a:extLst>
+          </p:cNvPr>
+          <p:cNvSpPr>
+            <a:spLocks noGrp="1" noRot="1" noChangeAspect="1" noMove="1" noResize="1" noEditPoints="1" noAdjustHandles="1" noChangeArrowheads="1" noChangeShapeType="1" noTextEdit="1"/>
+          </p:cNvSpPr>
+          <p:nvPr>
+            <p:extLst>
+              <p:ext uri="{386F3935-93C4-4BCD-93E2-E3B085C9AB24}">
+                <p16:designElem xmlns:p16="http://schemas.microsoft.com/office/powerpoint/2015/main" val="1"/>
+              </p:ext>
+            </p:extLst>
+          </p:nvPr>
+        </p:nvSpPr>
+        <p:spPr>
+          <a:xfrm>
+            <a:off x="0" y="0"/>
+            <a:ext cx="12192000" cy="6858000"/>
+          </a:xfrm>
+          <a:prstGeom prst="rect">
+            <a:avLst/>
+          </a:prstGeom>
+          <a:ln>
+            <a:noFill/>
+          </a:ln>
+        </p:spPr>
+        <p:style>
+          <a:lnRef idx="2">
+            <a:schemeClr val="accent1">
+              <a:shade val="50000"/>
+            </a:schemeClr>
+          </a:lnRef>
+          <a:fillRef idx="1003">
+            <a:schemeClr val="dk2"/>
+          </a:fillRef>
+          <a:effectRef idx="0">
+            <a:schemeClr val="accent1"/>
+          </a:effectRef>
+          <a:fontRef idx="minor">
+            <a:schemeClr val="lt1"/>
+          </a:fontRef>
+        </p:style>
+      </p:sp>
+      <p:sp>
+        <p:nvSpPr>
+          <p:cNvPr id="71" name="Freeform 5">
+            <a:extLst>
+              <a:ext uri="{FF2B5EF4-FFF2-40B4-BE49-F238E27FC236}">
+                <a16:creationId xmlns:a16="http://schemas.microsoft.com/office/drawing/2014/main" id="{DB521824-592C-476A-AB0A-CA0C6D1F3407}"/>
+              </a:ext>
+              <a:ext uri="{C183D7F6-B498-43B3-948B-1728B52AA6E4}">
+                <adec:decorative xmlns:adec="http://schemas.microsoft.com/office/drawing/2017/decorative" val="1"/>
+              </a:ext>
+            </a:extLst>
+          </p:cNvPr>
+          <p:cNvSpPr>
+            <a:spLocks noGrp="1" noRot="1" noChangeAspect="1" noMove="1" noResize="1" noEditPoints="1" noAdjustHandles="1" noChangeArrowheads="1" noChangeShapeType="1" noTextEdit="1"/>
+          </p:cNvSpPr>
+          <p:nvPr>
+            <p:extLst>
+              <p:ext uri="{386F3935-93C4-4BCD-93E2-E3B085C9AB24}">
+                <p16:designElem xmlns:p16="http://schemas.microsoft.com/office/powerpoint/2015/main" val="1"/>
+              </p:ext>
+            </p:extLst>
+          </p:nvPr>
+        </p:nvSpPr>
+        <p:spPr bwMode="gray">
+          <a:xfrm rot="15922489">
+            <a:off x="4698352" y="1826078"/>
+            <a:ext cx="3299407" cy="440924"/>
+          </a:xfrm>
+          <a:custGeom>
+            <a:avLst/>
+            <a:gdLst/>
+            <a:ahLst/>
+            <a:cxnLst/>
+            <a:rect l="l" t="t" r="r" b="b"/>
+            <a:pathLst>
+              <a:path w="10000" h="5291">
+                <a:moveTo>
+                  <a:pt x="85" y="2532"/>
+                </a:moveTo>
+                <a:cubicBezTo>
+                  <a:pt x="1736" y="3911"/>
+                  <a:pt x="7524" y="5298"/>
+                  <a:pt x="9958" y="5291"/>
+                </a:cubicBezTo>
+                <a:cubicBezTo>
+                  <a:pt x="9989" y="1958"/>
+                  <a:pt x="9969" y="3333"/>
+                  <a:pt x="10000" y="0"/>
+                </a:cubicBezTo>
+                <a:lnTo>
+                  <a:pt x="10000" y="0"/>
+                </a:lnTo>
+                <a:lnTo>
+                  <a:pt x="9667" y="204"/>
+                </a:lnTo>
+                <a:lnTo>
+                  <a:pt x="9334" y="400"/>
+                </a:lnTo>
+                <a:lnTo>
+                  <a:pt x="9001" y="590"/>
+                </a:lnTo>
+                <a:lnTo>
+                  <a:pt x="8667" y="753"/>
+                </a:lnTo>
+                <a:lnTo>
+                  <a:pt x="8333" y="917"/>
+                </a:lnTo>
+                <a:lnTo>
+                  <a:pt x="7999" y="1071"/>
+                </a:lnTo>
+                <a:lnTo>
+                  <a:pt x="7669" y="1202"/>
+                </a:lnTo>
+                <a:lnTo>
+                  <a:pt x="7333" y="1325"/>
+                </a:lnTo>
+                <a:lnTo>
+                  <a:pt x="7000" y="1440"/>
+                </a:lnTo>
+                <a:lnTo>
+                  <a:pt x="6673" y="1538"/>
+                </a:lnTo>
+                <a:lnTo>
+                  <a:pt x="6340" y="1636"/>
+                </a:lnTo>
+                <a:lnTo>
+                  <a:pt x="6013" y="1719"/>
+                </a:lnTo>
+                <a:lnTo>
+                  <a:pt x="5686" y="1784"/>
+                </a:lnTo>
+                <a:lnTo>
+                  <a:pt x="5359" y="1850"/>
+                </a:lnTo>
+                <a:lnTo>
+                  <a:pt x="5036" y="1906"/>
+                </a:lnTo>
+                <a:lnTo>
+                  <a:pt x="4717" y="1948"/>
+                </a:lnTo>
+                <a:lnTo>
+                  <a:pt x="4396" y="1980"/>
+                </a:lnTo>
+                <a:lnTo>
+                  <a:pt x="4079" y="2013"/>
+                </a:lnTo>
+                <a:lnTo>
+                  <a:pt x="3766" y="2029"/>
+                </a:lnTo>
+                <a:lnTo>
+                  <a:pt x="3454" y="2046"/>
+                </a:lnTo>
+                <a:lnTo>
+                  <a:pt x="3145" y="2053"/>
+                </a:lnTo>
+                <a:lnTo>
+                  <a:pt x="2839" y="2046"/>
+                </a:lnTo>
+                <a:lnTo>
+                  <a:pt x="2537" y="2046"/>
+                </a:lnTo>
+                <a:lnTo>
+                  <a:pt x="2238" y="2029"/>
+                </a:lnTo>
+                <a:lnTo>
+                  <a:pt x="1943" y="2004"/>
+                </a:lnTo>
+                <a:lnTo>
+                  <a:pt x="1653" y="1980"/>
+                </a:lnTo>
+                <a:lnTo>
+                  <a:pt x="1368" y="1955"/>
+                </a:lnTo>
+                <a:lnTo>
+                  <a:pt x="1085" y="1915"/>
+                </a:lnTo>
+                <a:lnTo>
+                  <a:pt x="806" y="1873"/>
+                </a:lnTo>
+                <a:lnTo>
+                  <a:pt x="533" y="1833"/>
+                </a:lnTo>
+                <a:lnTo>
+                  <a:pt x="0" y="1726"/>
+                </a:lnTo>
+                <a:cubicBezTo>
+                  <a:pt x="28" y="1995"/>
+                  <a:pt x="57" y="2263"/>
+                  <a:pt x="85" y="2532"/>
+                </a:cubicBezTo>
+                <a:close/>
+              </a:path>
+            </a:pathLst>
+          </a:custGeom>
+          <a:solidFill>
+            <a:schemeClr val="tx1">
+              <a:alpha val="20000"/>
+            </a:schemeClr>
+          </a:solidFill>
+          <a:ln>
+            <a:noFill/>
+          </a:ln>
+        </p:spPr>
+      </p:sp>
+      <p:sp>
+        <p:nvSpPr>
+          <p:cNvPr id="72" name="Freeform: Shape 76">
+            <a:extLst>
+              <a:ext uri="{FF2B5EF4-FFF2-40B4-BE49-F238E27FC236}">
+                <a16:creationId xmlns:a16="http://schemas.microsoft.com/office/drawing/2014/main" id="{A2749EFA-8EE4-4EB8-9424-8E593B9320AD}"/>
+              </a:ext>
+              <a:ext uri="{C183D7F6-B498-43B3-948B-1728B52AA6E4}">
+                <adec:decorative xmlns:adec="http://schemas.microsoft.com/office/drawing/2017/decorative" val="1"/>
+              </a:ext>
+            </a:extLst>
+          </p:cNvPr>
+          <p:cNvSpPr>
+            <a:spLocks noGrp="1" noRot="1" noChangeAspect="1" noMove="1" noResize="1" noEditPoints="1" noAdjustHandles="1" noChangeArrowheads="1" noChangeShapeType="1" noTextEdit="1"/>
+          </p:cNvSpPr>
+          <p:nvPr>
+            <p:extLst>
+              <p:ext uri="{386F3935-93C4-4BCD-93E2-E3B085C9AB24}">
+                <p16:designElem xmlns:p16="http://schemas.microsoft.com/office/powerpoint/2015/main" val="1"/>
+              </p:ext>
+            </p:extLst>
+          </p:nvPr>
+        </p:nvSpPr>
+        <p:spPr bwMode="gray">
+          <a:xfrm rot="16200000">
+            <a:off x="5950898" y="638067"/>
+            <a:ext cx="6053670" cy="5581866"/>
+          </a:xfrm>
+          <a:custGeom>
+            <a:avLst/>
+            <a:gdLst>
+              <a:gd name="connsiteX0" fmla="*/ 6053670 w 6053670"/>
+              <a:gd name="connsiteY0" fmla="*/ 1098 h 5581866"/>
+              <a:gd name="connsiteX1" fmla="*/ 6053670 w 6053670"/>
+              <a:gd name="connsiteY1" fmla="*/ 514028 h 5581866"/>
+              <a:gd name="connsiteX2" fmla="*/ 6053670 w 6053670"/>
+              <a:gd name="connsiteY2" fmla="*/ 1254558 h 5581866"/>
+              <a:gd name="connsiteX3" fmla="*/ 6053670 w 6053670"/>
+              <a:gd name="connsiteY3" fmla="*/ 5581866 h 5581866"/>
+              <a:gd name="connsiteX4" fmla="*/ 0 w 6053670"/>
+              <a:gd name="connsiteY4" fmla="*/ 5581866 h 5581866"/>
+              <a:gd name="connsiteX5" fmla="*/ 0 w 6053670"/>
+              <a:gd name="connsiteY5" fmla="*/ 1249853 h 5581866"/>
+              <a:gd name="connsiteX6" fmla="*/ 0 w 6053670"/>
+              <a:gd name="connsiteY6" fmla="*/ 514028 h 5581866"/>
+              <a:gd name="connsiteX7" fmla="*/ 0 w 6053670"/>
+              <a:gd name="connsiteY7" fmla="*/ 0 h 5581866"/>
+              <a:gd name="connsiteX8" fmla="*/ 35717 w 6053670"/>
+              <a:gd name="connsiteY8" fmla="*/ 5488 h 5581866"/>
+              <a:gd name="connsiteX9" fmla="*/ 140445 w 6053670"/>
+              <a:gd name="connsiteY9" fmla="*/ 21641 h 5581866"/>
+              <a:gd name="connsiteX10" fmla="*/ 216722 w 6053670"/>
+              <a:gd name="connsiteY10" fmla="*/ 32932 h 5581866"/>
+              <a:gd name="connsiteX11" fmla="*/ 307527 w 6053670"/>
+              <a:gd name="connsiteY11" fmla="*/ 44850 h 5581866"/>
+              <a:gd name="connsiteX12" fmla="*/ 415282 w 6053670"/>
+              <a:gd name="connsiteY12" fmla="*/ 59121 h 5581866"/>
+              <a:gd name="connsiteX13" fmla="*/ 534539 w 6053670"/>
+              <a:gd name="connsiteY13" fmla="*/ 74175 h 5581866"/>
+              <a:gd name="connsiteX14" fmla="*/ 668931 w 6053670"/>
+              <a:gd name="connsiteY14" fmla="*/ 90014 h 5581866"/>
+              <a:gd name="connsiteX15" fmla="*/ 815430 w 6053670"/>
+              <a:gd name="connsiteY15" fmla="*/ 106794 h 5581866"/>
+              <a:gd name="connsiteX16" fmla="*/ 974641 w 6053670"/>
+              <a:gd name="connsiteY16" fmla="*/ 123574 h 5581866"/>
+              <a:gd name="connsiteX17" fmla="*/ 1144144 w 6053670"/>
+              <a:gd name="connsiteY17" fmla="*/ 140667 h 5581866"/>
+              <a:gd name="connsiteX18" fmla="*/ 1326965 w 6053670"/>
+              <a:gd name="connsiteY18" fmla="*/ 156506 h 5581866"/>
+              <a:gd name="connsiteX19" fmla="*/ 1518261 w 6053670"/>
+              <a:gd name="connsiteY19" fmla="*/ 171717 h 5581866"/>
+              <a:gd name="connsiteX20" fmla="*/ 1720453 w 6053670"/>
+              <a:gd name="connsiteY20" fmla="*/ 185518 h 5581866"/>
+              <a:gd name="connsiteX21" fmla="*/ 1931121 w 6053670"/>
+              <a:gd name="connsiteY21" fmla="*/ 198690 h 5581866"/>
+              <a:gd name="connsiteX22" fmla="*/ 2150869 w 6053670"/>
+              <a:gd name="connsiteY22" fmla="*/ 211079 h 5581866"/>
+              <a:gd name="connsiteX23" fmla="*/ 2263467 w 6053670"/>
+              <a:gd name="connsiteY23" fmla="*/ 215470 h 5581866"/>
+              <a:gd name="connsiteX24" fmla="*/ 2378487 w 6053670"/>
+              <a:gd name="connsiteY24" fmla="*/ 220332 h 5581866"/>
+              <a:gd name="connsiteX25" fmla="*/ 2495323 w 6053670"/>
+              <a:gd name="connsiteY25" fmla="*/ 224879 h 5581866"/>
+              <a:gd name="connsiteX26" fmla="*/ 2612764 w 6053670"/>
+              <a:gd name="connsiteY26" fmla="*/ 227859 h 5581866"/>
+              <a:gd name="connsiteX27" fmla="*/ 2732627 w 6053670"/>
+              <a:gd name="connsiteY27" fmla="*/ 230525 h 5581866"/>
+              <a:gd name="connsiteX28" fmla="*/ 2853700 w 6053670"/>
+              <a:gd name="connsiteY28" fmla="*/ 233348 h 5581866"/>
+              <a:gd name="connsiteX29" fmla="*/ 2977195 w 6053670"/>
+              <a:gd name="connsiteY29" fmla="*/ 235229 h 5581866"/>
+              <a:gd name="connsiteX30" fmla="*/ 3101900 w 6053670"/>
+              <a:gd name="connsiteY30" fmla="*/ 235229 h 5581866"/>
+              <a:gd name="connsiteX31" fmla="*/ 3227817 w 6053670"/>
+              <a:gd name="connsiteY31" fmla="*/ 236170 h 5581866"/>
+              <a:gd name="connsiteX32" fmla="*/ 3354944 w 6053670"/>
+              <a:gd name="connsiteY32" fmla="*/ 235229 h 5581866"/>
+              <a:gd name="connsiteX33" fmla="*/ 3483887 w 6053670"/>
+              <a:gd name="connsiteY33" fmla="*/ 233348 h 5581866"/>
+              <a:gd name="connsiteX34" fmla="*/ 3612830 w 6053670"/>
+              <a:gd name="connsiteY34" fmla="*/ 231623 h 5581866"/>
+              <a:gd name="connsiteX35" fmla="*/ 3743589 w 6053670"/>
+              <a:gd name="connsiteY35" fmla="*/ 227859 h 5581866"/>
+              <a:gd name="connsiteX36" fmla="*/ 3875559 w 6053670"/>
+              <a:gd name="connsiteY36" fmla="*/ 223938 h 5581866"/>
+              <a:gd name="connsiteX37" fmla="*/ 4007529 w 6053670"/>
+              <a:gd name="connsiteY37" fmla="*/ 219391 h 5581866"/>
+              <a:gd name="connsiteX38" fmla="*/ 4140710 w 6053670"/>
+              <a:gd name="connsiteY38" fmla="*/ 212961 h 5581866"/>
+              <a:gd name="connsiteX39" fmla="*/ 4275102 w 6053670"/>
+              <a:gd name="connsiteY39" fmla="*/ 205277 h 5581866"/>
+              <a:gd name="connsiteX40" fmla="*/ 4410098 w 6053670"/>
+              <a:gd name="connsiteY40" fmla="*/ 197907 h 5581866"/>
+              <a:gd name="connsiteX41" fmla="*/ 4545096 w 6053670"/>
+              <a:gd name="connsiteY41" fmla="*/ 188498 h 5581866"/>
+              <a:gd name="connsiteX42" fmla="*/ 4681909 w 6053670"/>
+              <a:gd name="connsiteY42" fmla="*/ 177207 h 5581866"/>
+              <a:gd name="connsiteX43" fmla="*/ 4816905 w 6053670"/>
+              <a:gd name="connsiteY43" fmla="*/ 165916 h 5581866"/>
+              <a:gd name="connsiteX44" fmla="*/ 4954323 w 6053670"/>
+              <a:gd name="connsiteY44" fmla="*/ 152899 h 5581866"/>
+              <a:gd name="connsiteX45" fmla="*/ 5092347 w 6053670"/>
+              <a:gd name="connsiteY45" fmla="*/ 138629 h 5581866"/>
+              <a:gd name="connsiteX46" fmla="*/ 5228555 w 6053670"/>
+              <a:gd name="connsiteY46" fmla="*/ 123574 h 5581866"/>
+              <a:gd name="connsiteX47" fmla="*/ 5366578 w 6053670"/>
+              <a:gd name="connsiteY47" fmla="*/ 106010 h 5581866"/>
+              <a:gd name="connsiteX48" fmla="*/ 5503997 w 6053670"/>
+              <a:gd name="connsiteY48" fmla="*/ 87192 h 5581866"/>
+              <a:gd name="connsiteX49" fmla="*/ 5642020 w 6053670"/>
+              <a:gd name="connsiteY49" fmla="*/ 68530 h 5581866"/>
+              <a:gd name="connsiteX50" fmla="*/ 5779438 w 6053670"/>
+              <a:gd name="connsiteY50" fmla="*/ 46733 h 5581866"/>
+              <a:gd name="connsiteX51" fmla="*/ 5916251 w 6053670"/>
+              <a:gd name="connsiteY51" fmla="*/ 24464 h 5581866"/>
+            </a:gdLst>
+            <a:ahLst/>
+            <a:cxnLst>
+              <a:cxn ang="0">
+                <a:pos x="connsiteX0" y="connsiteY0"/>
+              </a:cxn>
+              <a:cxn ang="0">
+                <a:pos x="connsiteX1" y="connsiteY1"/>
+              </a:cxn>
+              <a:cxn ang="0">
+                <a:pos x="connsiteX2" y="connsiteY2"/>
+              </a:cxn>
+              <a:cxn ang="0">
+                <a:pos x="connsiteX3" y="connsiteY3"/>
+              </a:cxn>
+              <a:cxn ang="0">
+                <a:pos x="connsiteX4" y="connsiteY4"/>
+              </a:cxn>
+              <a:cxn ang="0">
+                <a:pos x="connsiteX5" y="connsiteY5"/>
+              </a:cxn>
+              <a:cxn ang="0">
+                <a:pos x="connsiteX6" y="connsiteY6"/>
+              </a:cxn>
+              <a:cxn ang="0">
+                <a:pos x="connsiteX7" y="connsiteY7"/>
+              </a:cxn>
+              <a:cxn ang="0">
+                <a:pos x="connsiteX8" y="connsiteY8"/>
+              </a:cxn>
+              <a:cxn ang="0">
+                <a:pos x="connsiteX9" y="connsiteY9"/>
+              </a:cxn>
+              <a:cxn ang="0">
+                <a:pos x="connsiteX10" y="connsiteY10"/>
+              </a:cxn>
+              <a:cxn ang="0">
+                <a:pos x="connsiteX11" y="connsiteY11"/>
+              </a:cxn>
+              <a:cxn ang="0">
+                <a:pos x="connsiteX12" y="connsiteY12"/>
+              </a:cxn>
+              <a:cxn ang="0">
+                <a:pos x="connsiteX13" y="connsiteY13"/>
+              </a:cxn>
+              <a:cxn ang="0">
+                <a:pos x="connsiteX14" y="connsiteY14"/>
+              </a:cxn>
+              <a:cxn ang="0">
+                <a:pos x="connsiteX15" y="connsiteY15"/>
+              </a:cxn>
+              <a:cxn ang="0">
+                <a:pos x="connsiteX16" y="connsiteY16"/>
+              </a:cxn>
+              <a:cxn ang="0">
+                <a:pos x="connsiteX17" y="connsiteY17"/>
+              </a:cxn>
+              <a:cxn ang="0">
+                <a:pos x="connsiteX18" y="connsiteY18"/>
+              </a:cxn>
+              <a:cxn ang="0">
+                <a:pos x="connsiteX19" y="connsiteY19"/>
+              </a:cxn>
+              <a:cxn ang="0">
+                <a:pos x="connsiteX20" y="connsiteY20"/>
+              </a:cxn>
+              <a:cxn ang="0">
+                <a:pos x="connsiteX21" y="connsiteY21"/>
+              </a:cxn>
+              <a:cxn ang="0">
+                <a:pos x="connsiteX22" y="connsiteY22"/>
+              </a:cxn>
+              <a:cxn ang="0">
+                <a:pos x="connsiteX23" y="connsiteY23"/>
+              </a:cxn>
+              <a:cxn ang="0">
+                <a:pos x="connsiteX24" y="connsiteY24"/>
+              </a:cxn>
+              <a:cxn ang="0">
+                <a:pos x="connsiteX25" y="connsiteY25"/>
+              </a:cxn>
+              <a:cxn ang="0">
+                <a:pos x="connsiteX26" y="connsiteY26"/>
+              </a:cxn>
+              <a:cxn ang="0">
+                <a:pos x="connsiteX27" y="connsiteY27"/>
+              </a:cxn>
+              <a:cxn ang="0">
+                <a:pos x="connsiteX28" y="connsiteY28"/>
+              </a:cxn>
+              <a:cxn ang="0">
+                <a:pos x="connsiteX29" y="connsiteY29"/>
+              </a:cxn>
+              <a:cxn ang="0">
+                <a:pos x="connsiteX30" y="connsiteY30"/>
+              </a:cxn>
+              <a:cxn ang="0">
+                <a:pos x="connsiteX31" y="connsiteY31"/>
+              </a:cxn>
+              <a:cxn ang="0">
+                <a:pos x="connsiteX32" y="connsiteY32"/>
+              </a:cxn>
+              <a:cxn ang="0">
+                <a:pos x="connsiteX33" y="connsiteY33"/>
+              </a:cxn>
+              <a:cxn ang="0">
+                <a:pos x="connsiteX34" y="connsiteY34"/>
+              </a:cxn>
+              <a:cxn ang="0">
+                <a:pos x="connsiteX35" y="connsiteY35"/>
+              </a:cxn>
+              <a:cxn ang="0">
+                <a:pos x="connsiteX36" y="connsiteY36"/>
+              </a:cxn>
+              <a:cxn ang="0">
+                <a:pos x="connsiteX37" y="connsiteY37"/>
+              </a:cxn>
+              <a:cxn ang="0">
+                <a:pos x="connsiteX38" y="connsiteY38"/>
+              </a:cxn>
+              <a:cxn ang="0">
+                <a:pos x="connsiteX39" y="connsiteY39"/>
+              </a:cxn>
+              <a:cxn ang="0">
+                <a:pos x="connsiteX40" y="connsiteY40"/>
+              </a:cxn>
+              <a:cxn ang="0">
+                <a:pos x="connsiteX41" y="connsiteY41"/>
+              </a:cxn>
+              <a:cxn ang="0">
+                <a:pos x="connsiteX42" y="connsiteY42"/>
+              </a:cxn>
+              <a:cxn ang="0">
+                <a:pos x="connsiteX43" y="connsiteY43"/>
+              </a:cxn>
+              <a:cxn ang="0">
+                <a:pos x="connsiteX44" y="connsiteY44"/>
+              </a:cxn>
+              <a:cxn ang="0">
+                <a:pos x="connsiteX45" y="connsiteY45"/>
+              </a:cxn>
+              <a:cxn ang="0">
+                <a:pos x="connsiteX46" y="connsiteY46"/>
+              </a:cxn>
+              <a:cxn ang="0">
+                <a:pos x="connsiteX47" y="connsiteY47"/>
+              </a:cxn>
+              <a:cxn ang="0">
+                <a:pos x="connsiteX48" y="connsiteY48"/>
+              </a:cxn>
+              <a:cxn ang="0">
+                <a:pos x="connsiteX49" y="connsiteY49"/>
+              </a:cxn>
+              <a:cxn ang="0">
+                <a:pos x="connsiteX50" y="connsiteY50"/>
+              </a:cxn>
+              <a:cxn ang="0">
+                <a:pos x="connsiteX51" y="connsiteY51"/>
+              </a:cxn>
+            </a:cxnLst>
+            <a:rect l="l" t="t" r="r" b="b"/>
+            <a:pathLst>
+              <a:path w="6053670" h="5581866">
+                <a:moveTo>
+                  <a:pt x="6053670" y="1098"/>
+                </a:moveTo>
+                <a:lnTo>
+                  <a:pt x="6053670" y="514028"/>
+                </a:lnTo>
+                <a:lnTo>
+                  <a:pt x="6053670" y="1254558"/>
+                </a:lnTo>
+                <a:lnTo>
+                  <a:pt x="6053670" y="5581866"/>
+                </a:lnTo>
+                <a:lnTo>
+                  <a:pt x="0" y="5581866"/>
+                </a:lnTo>
+                <a:lnTo>
+                  <a:pt x="0" y="1249853"/>
+                </a:lnTo>
+                <a:lnTo>
+                  <a:pt x="0" y="514028"/>
+                </a:lnTo>
+                <a:lnTo>
+                  <a:pt x="0" y="0"/>
+                </a:lnTo>
+                <a:lnTo>
+                  <a:pt x="35717" y="5488"/>
+                </a:lnTo>
+                <a:lnTo>
+                  <a:pt x="140445" y="21641"/>
+                </a:lnTo>
+                <a:lnTo>
+                  <a:pt x="216722" y="32932"/>
+                </a:lnTo>
+                <a:lnTo>
+                  <a:pt x="307527" y="44850"/>
+                </a:lnTo>
+                <a:lnTo>
+                  <a:pt x="415282" y="59121"/>
+                </a:lnTo>
+                <a:lnTo>
+                  <a:pt x="534539" y="74175"/>
+                </a:lnTo>
+                <a:lnTo>
+                  <a:pt x="668931" y="90014"/>
+                </a:lnTo>
+                <a:lnTo>
+                  <a:pt x="815430" y="106794"/>
+                </a:lnTo>
+                <a:lnTo>
+                  <a:pt x="974641" y="123574"/>
+                </a:lnTo>
+                <a:lnTo>
+                  <a:pt x="1144144" y="140667"/>
+                </a:lnTo>
+                <a:lnTo>
+                  <a:pt x="1326965" y="156506"/>
+                </a:lnTo>
+                <a:lnTo>
+                  <a:pt x="1518261" y="171717"/>
+                </a:lnTo>
+                <a:lnTo>
+                  <a:pt x="1720453" y="185518"/>
+                </a:lnTo>
+                <a:lnTo>
+                  <a:pt x="1931121" y="198690"/>
+                </a:lnTo>
+                <a:lnTo>
+                  <a:pt x="2150869" y="211079"/>
+                </a:lnTo>
+                <a:lnTo>
+                  <a:pt x="2263467" y="215470"/>
+                </a:lnTo>
+                <a:lnTo>
+                  <a:pt x="2378487" y="220332"/>
+                </a:lnTo>
+                <a:lnTo>
+                  <a:pt x="2495323" y="224879"/>
+                </a:lnTo>
+                <a:lnTo>
+                  <a:pt x="2612764" y="227859"/>
+                </a:lnTo>
+                <a:lnTo>
+                  <a:pt x="2732627" y="230525"/>
+                </a:lnTo>
+                <a:lnTo>
+                  <a:pt x="2853700" y="233348"/>
+                </a:lnTo>
+                <a:lnTo>
+                  <a:pt x="2977195" y="235229"/>
+                </a:lnTo>
+                <a:lnTo>
+                  <a:pt x="3101900" y="235229"/>
+                </a:lnTo>
+                <a:lnTo>
+                  <a:pt x="3227817" y="236170"/>
+                </a:lnTo>
+                <a:lnTo>
+                  <a:pt x="3354944" y="235229"/>
+                </a:lnTo>
+                <a:lnTo>
+                  <a:pt x="3483887" y="233348"/>
+                </a:lnTo>
+                <a:lnTo>
+                  <a:pt x="3612830" y="231623"/>
+                </a:lnTo>
+                <a:lnTo>
+                  <a:pt x="3743589" y="227859"/>
+                </a:lnTo>
+                <a:lnTo>
+                  <a:pt x="3875559" y="223938"/>
+                </a:lnTo>
+                <a:lnTo>
+                  <a:pt x="4007529" y="219391"/>
+                </a:lnTo>
+                <a:lnTo>
+                  <a:pt x="4140710" y="212961"/>
+                </a:lnTo>
+                <a:lnTo>
+                  <a:pt x="4275102" y="205277"/>
+                </a:lnTo>
+                <a:lnTo>
+                  <a:pt x="4410098" y="197907"/>
+                </a:lnTo>
+                <a:lnTo>
+                  <a:pt x="4545096" y="188498"/>
+                </a:lnTo>
+                <a:lnTo>
+                  <a:pt x="4681909" y="177207"/>
+                </a:lnTo>
+                <a:lnTo>
+                  <a:pt x="4816905" y="165916"/>
+                </a:lnTo>
+                <a:lnTo>
+                  <a:pt x="4954323" y="152899"/>
+                </a:lnTo>
+                <a:lnTo>
+                  <a:pt x="5092347" y="138629"/>
+                </a:lnTo>
+                <a:lnTo>
+                  <a:pt x="5228555" y="123574"/>
+                </a:lnTo>
+                <a:lnTo>
+                  <a:pt x="5366578" y="106010"/>
+                </a:lnTo>
+                <a:lnTo>
+                  <a:pt x="5503997" y="87192"/>
+                </a:lnTo>
+                <a:lnTo>
+                  <a:pt x="5642020" y="68530"/>
+                </a:lnTo>
+                <a:lnTo>
+                  <a:pt x="5779438" y="46733"/>
+                </a:lnTo>
+                <a:lnTo>
+                  <a:pt x="5916251" y="24464"/>
+                </a:lnTo>
+                <a:close/>
+              </a:path>
+            </a:pathLst>
+          </a:custGeom>
+          <a:solidFill>
+            <a:schemeClr val="tx1"/>
+          </a:solidFill>
+          <a:ln>
+            <a:noFill/>
+          </a:ln>
+        </p:spPr>
+      </p:sp>
+      <p:sp>
+        <p:nvSpPr>
+          <p:cNvPr id="74" name="Freeform 5">
+            <a:extLst>
+              <a:ext uri="{FF2B5EF4-FFF2-40B4-BE49-F238E27FC236}">
+                <a16:creationId xmlns:a16="http://schemas.microsoft.com/office/drawing/2014/main" id="{B5C860C9-D4F9-4350-80DA-0D1CD36C7741}"/>
+              </a:ext>
+              <a:ext uri="{C183D7F6-B498-43B3-948B-1728B52AA6E4}">
+                <adec:decorative xmlns:adec="http://schemas.microsoft.com/office/drawing/2017/decorative" val="1"/>
+              </a:ext>
+            </a:extLst>
+          </p:cNvPr>
+          <p:cNvSpPr>
+            <a:spLocks noGrp="1" noRot="1" noChangeAspect="1" noMove="1" noResize="1" noEditPoints="1" noAdjustHandles="1" noChangeArrowheads="1" noChangeShapeType="1" noTextEdit="1"/>
+          </p:cNvSpPr>
+          <p:nvPr>
+            <p:extLst>
+              <p:ext uri="{386F3935-93C4-4BCD-93E2-E3B085C9AB24}">
+                <p16:designElem xmlns:p16="http://schemas.microsoft.com/office/powerpoint/2015/main" val="1"/>
+              </p:ext>
+            </p:extLst>
+          </p:nvPr>
+        </p:nvSpPr>
+        <p:spPr bwMode="gray">
+          <a:xfrm>
+            <a:off x="0" y="1587"/>
+            <a:ext cx="12192000" cy="6856413"/>
+          </a:xfrm>
+          <a:custGeom>
+            <a:avLst/>
+            <a:gdLst/>
+            <a:ahLst/>
+            <a:cxnLst/>
+            <a:rect l="0" t="0" r="r" b="b"/>
+            <a:pathLst>
+              <a:path w="15356" h="8638">
+                <a:moveTo>
+                  <a:pt x="0" y="0"/>
+                </a:moveTo>
+                <a:lnTo>
+                  <a:pt x="0" y="8638"/>
+                </a:lnTo>
+                <a:lnTo>
+                  <a:pt x="15356" y="8638"/>
+                </a:lnTo>
+                <a:lnTo>
+                  <a:pt x="15356" y="0"/>
+                </a:lnTo>
+                <a:lnTo>
+                  <a:pt x="0" y="0"/>
+                </a:lnTo>
+                <a:close/>
+                <a:moveTo>
+                  <a:pt x="14748" y="8038"/>
+                </a:moveTo>
+                <a:lnTo>
+                  <a:pt x="600" y="8038"/>
+                </a:lnTo>
+                <a:lnTo>
+                  <a:pt x="600" y="592"/>
+                </a:lnTo>
+                <a:lnTo>
+                  <a:pt x="14748" y="592"/>
+                </a:lnTo>
+                <a:lnTo>
+                  <a:pt x="14748" y="8038"/>
+                </a:lnTo>
+                <a:close/>
+              </a:path>
+            </a:pathLst>
+          </a:custGeom>
+          <a:solidFill>
+            <a:schemeClr val="tx1"/>
+          </a:solidFill>
+          <a:ln>
+            <a:noFill/>
+          </a:ln>
+        </p:spPr>
+      </p:sp>
+      <p:sp>
+        <p:nvSpPr>
+          <p:cNvPr id="2" name="Title 1">
+            <a:extLst>
+              <a:ext uri="{FF2B5EF4-FFF2-40B4-BE49-F238E27FC236}">
+                <a16:creationId xmlns:a16="http://schemas.microsoft.com/office/drawing/2014/main" id="{E1DEC3FE-7938-48A6-9A20-42BD6A34234C}"/>
+              </a:ext>
+            </a:extLst>
+          </p:cNvPr>
+          <p:cNvSpPr>
+            <a:spLocks noGrp="1"/>
+          </p:cNvSpPr>
+          <p:nvPr>
+            <p:ph type="title"/>
+          </p:nvPr>
+        </p:nvSpPr>
+        <p:spPr>
+          <a:xfrm>
+            <a:off x="639098" y="629265"/>
+            <a:ext cx="5132438" cy="1622322"/>
+          </a:xfrm>
+        </p:spPr>
+        <p:txBody>
+          <a:bodyPr>
+            <a:normAutofit/>
+          </a:bodyPr>
+          <a:lstStyle/>
+          <a:p>
+            <a:r>
+              <a:rPr lang="en-US">
+                <a:solidFill>
+                  <a:srgbClr val="EBEBEB"/>
+                </a:solidFill>
+              </a:rPr>
+              <a:t>Web Application</a:t>
+            </a:r>
+          </a:p>
+        </p:txBody>
+      </p:sp>
+      <p:pic>
+        <p:nvPicPr>
+          <p:cNvPr id="5" name="Picture 4" descr="Table&#10;&#10;Description automatically generated with low confidence">
+            <a:extLst>
+              <a:ext uri="{FF2B5EF4-FFF2-40B4-BE49-F238E27FC236}">
+                <a16:creationId xmlns:a16="http://schemas.microsoft.com/office/drawing/2014/main" id="{BAC0683C-3CCA-41A2-8C3A-EE31998ADE0B}"/>
+              </a:ext>
+            </a:extLst>
+          </p:cNvPr>
+          <p:cNvPicPr>
+            <a:picLocks noChangeAspect="1"/>
+          </p:cNvPicPr>
+          <p:nvPr/>
+        </p:nvPicPr>
+        <p:blipFill rotWithShape="1">
+          <a:blip r:embed="rId2">
+            <a:extLst>
+              <a:ext uri="{28A0092B-C50C-407E-A947-70E740481C1C}">
+                <a14:useLocalDpi xmlns:a14="http://schemas.microsoft.com/office/drawing/2010/main" val="0"/>
+              </a:ext>
+            </a:extLst>
+          </a:blip>
+          <a:srcRect r="14927" b="2"/>
+          <a:stretch/>
+        </p:blipFill>
+        <p:spPr>
+          <a:xfrm>
+            <a:off x="6519128" y="630592"/>
+            <a:ext cx="5205608" cy="5701483"/>
+          </a:xfrm>
+          <a:prstGeom prst="rect">
+            <a:avLst/>
+          </a:prstGeom>
+        </p:spPr>
+      </p:pic>
+      <p:sp>
+        <p:nvSpPr>
+          <p:cNvPr id="76" name="Rectangle 80">
+            <a:extLst>
+              <a:ext uri="{FF2B5EF4-FFF2-40B4-BE49-F238E27FC236}">
+                <a16:creationId xmlns:a16="http://schemas.microsoft.com/office/drawing/2014/main" id="{538A90C8-AE0E-4EBA-9AF8-EEDB206020E0}"/>
+              </a:ext>
+              <a:ext uri="{C183D7F6-B498-43B3-948B-1728B52AA6E4}">
+                <adec:decorative xmlns:adec="http://schemas.microsoft.com/office/drawing/2017/decorative" val="1"/>
+              </a:ext>
+            </a:extLst>
+          </p:cNvPr>
+          <p:cNvSpPr>
+            <a:spLocks noGrp="1" noRot="1" noChangeAspect="1" noMove="1" noResize="1" noEditPoints="1" noAdjustHandles="1" noChangeArrowheads="1" noChangeShapeType="1" noTextEdit="1"/>
+          </p:cNvSpPr>
+          <p:nvPr>
+            <p:extLst>
+              <p:ext uri="{386F3935-93C4-4BCD-93E2-E3B085C9AB24}">
+                <p16:designElem xmlns:p16="http://schemas.microsoft.com/office/powerpoint/2015/main" val="1"/>
+              </p:ext>
+            </p:extLst>
+          </p:nvPr>
+        </p:nvSpPr>
+        <p:spPr>
+          <a:xfrm>
+            <a:off x="10437812" y="0"/>
+            <a:ext cx="685800" cy="1143000"/>
+          </a:xfrm>
+          <a:prstGeom prst="rect">
+            <a:avLst/>
+          </a:prstGeom>
+          <a:solidFill>
+            <a:schemeClr val="accent1"/>
+          </a:solidFill>
+          <a:ln>
+            <a:noFill/>
+          </a:ln>
+        </p:spPr>
+        <p:style>
+          <a:lnRef idx="1">
+            <a:schemeClr val="accent1"/>
+          </a:lnRef>
+          <a:fillRef idx="3">
+            <a:schemeClr val="accent1"/>
+          </a:fillRef>
+          <a:effectRef idx="2">
+            <a:schemeClr val="accent1"/>
+          </a:effectRef>
+          <a:fontRef idx="minor">
+            <a:schemeClr val="lt1"/>
+          </a:fontRef>
+        </p:style>
+      </p:sp>
+      <p:sp>
+        <p:nvSpPr>
+          <p:cNvPr id="3" name="Content Placeholder 2">
+            <a:extLst>
+              <a:ext uri="{FF2B5EF4-FFF2-40B4-BE49-F238E27FC236}">
+                <a16:creationId xmlns:a16="http://schemas.microsoft.com/office/drawing/2014/main" id="{848E9576-FFCE-4FD1-91E2-CFB9A1B63693}"/>
+              </a:ext>
+            </a:extLst>
+          </p:cNvPr>
+          <p:cNvSpPr>
+            <a:spLocks noGrp="1"/>
+          </p:cNvSpPr>
+          <p:nvPr>
+            <p:ph idx="1"/>
+          </p:nvPr>
+        </p:nvSpPr>
+        <p:spPr>
+          <a:xfrm>
+            <a:off x="639098" y="2418735"/>
+            <a:ext cx="5132439" cy="3811742"/>
+          </a:xfrm>
+        </p:spPr>
+        <p:txBody>
+          <a:bodyPr anchor="ctr">
+            <a:normAutofit/>
+          </a:bodyPr>
+          <a:lstStyle/>
+          <a:p>
+            <a:r>
+              <a:rPr lang="en-US" dirty="0">
+                <a:solidFill>
+                  <a:srgbClr val="FFFFFF"/>
+                </a:solidFill>
+                <a:ea typeface="+mn-lt"/>
+                <a:cs typeface="+mn-lt"/>
+              </a:rPr>
+              <a:t>At the server-side, for the given image the facial emotion is identified.</a:t>
+            </a:r>
+          </a:p>
+          <a:p>
+            <a:r>
+              <a:rPr lang="en-US" dirty="0">
+                <a:solidFill>
+                  <a:srgbClr val="FFFFFF"/>
+                </a:solidFill>
+                <a:ea typeface="+mn-lt"/>
+                <a:cs typeface="+mn-lt"/>
+              </a:rPr>
+              <a:t> A boundary box is drawn around the person face along with emotion label and</a:t>
+            </a:r>
+            <a:r>
+              <a:rPr lang="en-US" dirty="0">
+                <a:solidFill>
+                  <a:srgbClr val="FFFFFF"/>
+                </a:solidFill>
+              </a:rPr>
+              <a:t> routed to the results page.</a:t>
+            </a:r>
+          </a:p>
+        </p:txBody>
+      </p:sp>
+    </p:spTree>
+    <p:extLst>
+      <p:ext uri="{BB962C8B-B14F-4D97-AF65-F5344CB8AC3E}">
+        <p14:creationId xmlns:p14="http://schemas.microsoft.com/office/powerpoint/2010/main" val="4074150051"/>
+      </p:ext>
+    </p:extLst>
+  </p:cSld>
+  <p:clrMapOvr>
+    <a:overrideClrMapping bg1="dk1" tx1="lt1" bg2="dk2" tx2="lt2" accent1="accent1" accent2="accent2" accent3="accent3" accent4="accent4" accent5="accent5" accent6="accent6" hlink="hlink" folHlink="folHlink"/>
+  </p:clrMapOvr>
+</p:sld>
+</file>
+
+<file path=ppt/slides/slide13.xml><?xml version="1.0" encoding="utf-8"?>
+<p:sld xmlns:a="http://schemas.openxmlformats.org/drawingml/2006/main" xmlns:r="http://schemas.openxmlformats.org/officeDocument/2006/relationships" xmlns:p="http://schemas.openxmlformats.org/presentationml/2006/main">
+  <p:cSld>
+    <p:spTree>
+      <p:nvGrpSpPr>
+        <p:cNvPr id="1" name=""/>
+        <p:cNvGrpSpPr/>
+        <p:nvPr/>
+      </p:nvGrpSpPr>
+      <p:grpSpPr>
+        <a:xfrm>
+          <a:off x="0" y="0"/>
+          <a:ext cx="0" cy="0"/>
+          <a:chOff x="0" y="0"/>
+          <a:chExt cx="0" cy="0"/>
+        </a:xfrm>
+      </p:grpSpPr>
+      <p:sp>
+        <p:nvSpPr>
+          <p:cNvPr id="2" name="Title 1">
+            <a:extLst>
+              <a:ext uri="{FF2B5EF4-FFF2-40B4-BE49-F238E27FC236}">
+                <a16:creationId xmlns:a16="http://schemas.microsoft.com/office/drawing/2014/main" id="{EB7F1745-77B9-480B-BFB6-5BF4CFEF2A32}"/>
+              </a:ext>
+            </a:extLst>
+          </p:cNvPr>
+          <p:cNvSpPr>
+            <a:spLocks noGrp="1"/>
+          </p:cNvSpPr>
+          <p:nvPr>
+            <p:ph type="title"/>
+          </p:nvPr>
+        </p:nvSpPr>
+        <p:spPr/>
+        <p:txBody>
+          <a:bodyPr/>
+          <a:lstStyle/>
+          <a:p>
+            <a:pPr algn="ctr"/>
+            <a:r>
+              <a:rPr lang="en-US" dirty="0"/>
+              <a:t>Web Application</a:t>
+            </a:r>
+          </a:p>
+        </p:txBody>
+      </p:sp>
+      <p:pic>
+        <p:nvPicPr>
+          <p:cNvPr id="5" name="Content Placeholder 4" descr="Graphical user interface, diagram&#10;&#10;Description automatically generated">
+            <a:extLst>
+              <a:ext uri="{FF2B5EF4-FFF2-40B4-BE49-F238E27FC236}">
+                <a16:creationId xmlns:a16="http://schemas.microsoft.com/office/drawing/2014/main" id="{C7DDC70A-CFFB-4352-BC1C-0D2B4B78D7D2}"/>
+              </a:ext>
+            </a:extLst>
+          </p:cNvPr>
+          <p:cNvPicPr>
+            <a:picLocks noGrp="1" noChangeAspect="1"/>
+          </p:cNvPicPr>
+          <p:nvPr>
+            <p:ph idx="1"/>
+          </p:nvPr>
+        </p:nvPicPr>
+        <p:blipFill>
+          <a:blip r:embed="rId2">
+            <a:extLst>
+              <a:ext uri="{28A0092B-C50C-407E-A947-70E740481C1C}">
+                <a14:useLocalDpi xmlns:a14="http://schemas.microsoft.com/office/drawing/2010/main" val="0"/>
+              </a:ext>
+            </a:extLst>
+          </a:blip>
+          <a:stretch>
+            <a:fillRect/>
+          </a:stretch>
+        </p:blipFill>
+        <p:spPr>
+          <a:xfrm>
+            <a:off x="687729" y="3019549"/>
+            <a:ext cx="5479140" cy="3606798"/>
+          </a:xfrm>
+        </p:spPr>
+      </p:pic>
+      <p:pic>
+        <p:nvPicPr>
+          <p:cNvPr id="7" name="Picture 6" descr="Graphical user interface, website&#10;&#10;Description automatically generated">
+            <a:extLst>
+              <a:ext uri="{FF2B5EF4-FFF2-40B4-BE49-F238E27FC236}">
+                <a16:creationId xmlns:a16="http://schemas.microsoft.com/office/drawing/2014/main" id="{1CEE13B1-585E-4FAC-B9D7-9FD8A186B0E2}"/>
+              </a:ext>
+            </a:extLst>
+          </p:cNvPr>
+          <p:cNvPicPr>
+            <a:picLocks noChangeAspect="1"/>
+          </p:cNvPicPr>
+          <p:nvPr/>
+        </p:nvPicPr>
+        <p:blipFill>
+          <a:blip r:embed="rId3">
+            <a:extLst>
+              <a:ext uri="{28A0092B-C50C-407E-A947-70E740481C1C}">
+                <a14:useLocalDpi xmlns:a14="http://schemas.microsoft.com/office/drawing/2010/main" val="0"/>
+              </a:ext>
+            </a:extLst>
+          </a:blip>
+          <a:stretch>
+            <a:fillRect/>
+          </a:stretch>
+        </p:blipFill>
+        <p:spPr>
+          <a:xfrm>
+            <a:off x="6341723" y="3016242"/>
+            <a:ext cx="5471884" cy="3616482"/>
+          </a:xfrm>
+          <a:prstGeom prst="rect">
+            <a:avLst/>
+          </a:prstGeom>
+        </p:spPr>
+      </p:pic>
+      <p:sp>
+        <p:nvSpPr>
+          <p:cNvPr id="21" name="Content Placeholder 10">
+            <a:extLst>
+              <a:ext uri="{FF2B5EF4-FFF2-40B4-BE49-F238E27FC236}">
+                <a16:creationId xmlns:a16="http://schemas.microsoft.com/office/drawing/2014/main" id="{114A84C7-A4DD-464F-9424-E17F1A6F371F}"/>
+              </a:ext>
+            </a:extLst>
+          </p:cNvPr>
+          <p:cNvSpPr>
+            <a:spLocks noGrp="1"/>
+          </p:cNvSpPr>
+          <p:nvPr/>
+        </p:nvSpPr>
+        <p:spPr>
+          <a:xfrm>
+            <a:off x="689898" y="2498564"/>
+            <a:ext cx="5325290" cy="516998"/>
+          </a:xfrm>
+          <a:prstGeom prst="rect">
+            <a:avLst/>
+          </a:prstGeom>
+        </p:spPr>
+        <p:txBody>
+          <a:bodyPr vert="horz" lIns="91440" tIns="45720" rIns="91440" bIns="45720" rtlCol="0" anchor="ctr">
+            <a:normAutofit/>
+          </a:bodyPr>
+          <a:lstStyle>
+            <a:lvl1pPr marL="342900" indent="-342900" algn="l" defTabSz="457200" rtl="0" eaLnBrk="1" latinLnBrk="0" hangingPunct="1">
+              <a:spcBef>
+                <a:spcPts val="1000"/>
+              </a:spcBef>
+              <a:spcAft>
+                <a:spcPts val="0"/>
+              </a:spcAft>
+              <a:buClr>
+                <a:schemeClr val="accent1"/>
+              </a:buClr>
+              <a:buSzPct val="80000"/>
+              <a:buFont typeface="Wingdings 3" charset="2"/>
+              <a:buChar char=""/>
+              <a:defRPr sz="1800" b="0" i="0" kern="1200">
+                <a:solidFill>
+                  <a:schemeClr val="tx1">
+                    <a:lumMod val="75000"/>
+                    <a:lumOff val="25000"/>
+                  </a:schemeClr>
+                </a:solidFill>
+                <a:latin typeface="+mn-lt"/>
+                <a:ea typeface="+mn-ea"/>
+                <a:cs typeface="+mn-cs"/>
+              </a:defRPr>
+            </a:lvl1pPr>
+            <a:lvl2pPr marL="742950" indent="-285750" algn="l" defTabSz="457200" rtl="0" eaLnBrk="1" latinLnBrk="0" hangingPunct="1">
+              <a:spcBef>
+                <a:spcPts val="1000"/>
+              </a:spcBef>
+              <a:spcAft>
+                <a:spcPts val="0"/>
+              </a:spcAft>
+              <a:buClr>
+                <a:schemeClr val="accent1"/>
+              </a:buClr>
+              <a:buSzPct val="80000"/>
+              <a:buFont typeface="Wingdings 3" charset="2"/>
+              <a:buChar char=""/>
+              <a:defRPr sz="1600" b="0" i="0" kern="1200">
+                <a:solidFill>
+                  <a:schemeClr val="tx1">
+                    <a:lumMod val="75000"/>
+                    <a:lumOff val="25000"/>
+                  </a:schemeClr>
+                </a:solidFill>
+                <a:latin typeface="+mn-lt"/>
+                <a:ea typeface="+mn-ea"/>
+                <a:cs typeface="+mn-cs"/>
+              </a:defRPr>
+            </a:lvl2pPr>
+            <a:lvl3pPr marL="1143000" indent="-228600" algn="l" defTabSz="457200" rtl="0" eaLnBrk="1" latinLnBrk="0" hangingPunct="1">
+              <a:spcBef>
+                <a:spcPts val="1000"/>
+              </a:spcBef>
+              <a:spcAft>
+                <a:spcPts val="0"/>
+              </a:spcAft>
+              <a:buClr>
+                <a:schemeClr val="accent1"/>
+              </a:buClr>
+              <a:buSzPct val="80000"/>
+              <a:buFont typeface="Wingdings 3" charset="2"/>
+              <a:buChar char=""/>
+              <a:defRPr sz="1400" b="0" i="0" kern="1200">
+                <a:solidFill>
+                  <a:schemeClr val="tx1">
+                    <a:lumMod val="75000"/>
+                    <a:lumOff val="25000"/>
+                  </a:schemeClr>
+                </a:solidFill>
+                <a:latin typeface="+mn-lt"/>
+                <a:ea typeface="+mn-ea"/>
+                <a:cs typeface="+mn-cs"/>
+              </a:defRPr>
+            </a:lvl3pPr>
+            <a:lvl4pPr marL="1600200" indent="-228600" algn="l" defTabSz="457200" rtl="0" eaLnBrk="1" latinLnBrk="0" hangingPunct="1">
+              <a:spcBef>
+                <a:spcPts val="1000"/>
+              </a:spcBef>
+              <a:spcAft>
+                <a:spcPts val="0"/>
+              </a:spcAft>
+              <a:buClr>
+                <a:schemeClr val="accent1"/>
+              </a:buClr>
+              <a:buSzPct val="80000"/>
+              <a:buFont typeface="Wingdings 3" charset="2"/>
+              <a:buChar char=""/>
+              <a:defRPr sz="1200" b="0" i="0" kern="1200">
+                <a:solidFill>
+                  <a:schemeClr val="tx1">
+                    <a:lumMod val="75000"/>
+                    <a:lumOff val="25000"/>
+                  </a:schemeClr>
+                </a:solidFill>
+                <a:latin typeface="+mn-lt"/>
+                <a:ea typeface="+mn-ea"/>
+                <a:cs typeface="+mn-cs"/>
+              </a:defRPr>
+            </a:lvl4pPr>
+            <a:lvl5pPr marL="2057400" indent="-228600" algn="l" defTabSz="457200" rtl="0" eaLnBrk="1" latinLnBrk="0" hangingPunct="1">
+              <a:spcBef>
+                <a:spcPts val="1000"/>
+              </a:spcBef>
+              <a:spcAft>
+                <a:spcPts val="0"/>
+              </a:spcAft>
+              <a:buClr>
+                <a:schemeClr val="accent1"/>
+              </a:buClr>
+              <a:buSzPct val="80000"/>
+              <a:buFont typeface="Wingdings 3" charset="2"/>
+              <a:buChar char=""/>
+              <a:defRPr sz="1200" b="0" i="0" kern="1200">
+                <a:solidFill>
+                  <a:schemeClr val="tx1">
+                    <a:lumMod val="75000"/>
+                    <a:lumOff val="25000"/>
+                  </a:schemeClr>
+                </a:solidFill>
+                <a:latin typeface="+mn-lt"/>
+                <a:ea typeface="+mn-ea"/>
+                <a:cs typeface="+mn-cs"/>
+              </a:defRPr>
+            </a:lvl5pPr>
+            <a:lvl6pPr marL="2514600" indent="-228600" algn="l" defTabSz="457200" rtl="0" eaLnBrk="1" latinLnBrk="0" hangingPunct="1">
+              <a:spcBef>
+                <a:spcPts val="1000"/>
+              </a:spcBef>
+              <a:spcAft>
+                <a:spcPts val="0"/>
+              </a:spcAft>
+              <a:buClr>
+                <a:schemeClr val="accent1"/>
+              </a:buClr>
+              <a:buSzPct val="80000"/>
+              <a:buFont typeface="Wingdings 3" charset="2"/>
+              <a:buChar char=""/>
+              <a:defRPr sz="1200" b="0" i="0" kern="1200">
+                <a:solidFill>
+                  <a:schemeClr val="tx1">
+                    <a:lumMod val="75000"/>
+                    <a:lumOff val="25000"/>
+                  </a:schemeClr>
+                </a:solidFill>
+                <a:latin typeface="+mn-lt"/>
+                <a:ea typeface="+mn-ea"/>
+                <a:cs typeface="+mn-cs"/>
+              </a:defRPr>
+            </a:lvl6pPr>
+            <a:lvl7pPr marL="2971800" indent="-228600" algn="l" defTabSz="457200" rtl="0" eaLnBrk="1" latinLnBrk="0" hangingPunct="1">
+              <a:spcBef>
+                <a:spcPts val="1000"/>
+              </a:spcBef>
+              <a:spcAft>
+                <a:spcPts val="0"/>
+              </a:spcAft>
+              <a:buClr>
+                <a:schemeClr val="accent1"/>
+              </a:buClr>
+              <a:buSzPct val="80000"/>
+              <a:buFont typeface="Wingdings 3" charset="2"/>
+              <a:buChar char=""/>
+              <a:defRPr sz="1200" b="0" i="0" kern="1200">
+                <a:solidFill>
+                  <a:schemeClr val="tx1">
+                    <a:lumMod val="75000"/>
+                    <a:lumOff val="25000"/>
+                  </a:schemeClr>
+                </a:solidFill>
+                <a:latin typeface="+mn-lt"/>
+                <a:ea typeface="+mn-ea"/>
+                <a:cs typeface="+mn-cs"/>
+              </a:defRPr>
+            </a:lvl7pPr>
+            <a:lvl8pPr marL="3429000" indent="-228600" algn="l" defTabSz="457200" rtl="0" eaLnBrk="1" latinLnBrk="0" hangingPunct="1">
+              <a:spcBef>
+                <a:spcPts val="1000"/>
+              </a:spcBef>
+              <a:spcAft>
+                <a:spcPts val="0"/>
+              </a:spcAft>
+              <a:buClr>
+                <a:schemeClr val="accent1"/>
+              </a:buClr>
+              <a:buSzPct val="80000"/>
+              <a:buFont typeface="Wingdings 3" charset="2"/>
+              <a:buChar char=""/>
+              <a:defRPr sz="1200" b="0" i="0" kern="1200">
+                <a:solidFill>
+                  <a:schemeClr val="tx1">
+                    <a:lumMod val="75000"/>
+                    <a:lumOff val="25000"/>
+                  </a:schemeClr>
+                </a:solidFill>
+                <a:latin typeface="+mn-lt"/>
+                <a:ea typeface="+mn-ea"/>
+                <a:cs typeface="+mn-cs"/>
+              </a:defRPr>
+            </a:lvl8pPr>
+            <a:lvl9pPr marL="3886200" indent="-228600" algn="l" defTabSz="457200" rtl="0" eaLnBrk="1" latinLnBrk="0" hangingPunct="1">
+              <a:spcBef>
+                <a:spcPts val="1000"/>
+              </a:spcBef>
+              <a:spcAft>
+                <a:spcPts val="0"/>
+              </a:spcAft>
+              <a:buClr>
+                <a:schemeClr val="accent1"/>
+              </a:buClr>
+              <a:buSzPct val="80000"/>
+              <a:buFont typeface="Wingdings 3" charset="2"/>
+              <a:buChar char=""/>
+              <a:defRPr sz="1200" b="0" i="0" kern="1200">
+                <a:solidFill>
+                  <a:schemeClr val="tx1">
+                    <a:lumMod val="75000"/>
+                    <a:lumOff val="25000"/>
+                  </a:schemeClr>
+                </a:solidFill>
+                <a:latin typeface="+mn-lt"/>
+                <a:ea typeface="+mn-ea"/>
+                <a:cs typeface="+mn-cs"/>
+              </a:defRPr>
+            </a:lvl9pPr>
+          </a:lstStyle>
+          <a:p>
+            <a:pPr marL="0" indent="0" algn="ctr">
+              <a:buNone/>
+            </a:pPr>
+            <a:r>
+              <a:rPr lang="en-US" dirty="0">
+                <a:solidFill>
+                  <a:schemeClr val="tx1"/>
+                </a:solidFill>
+              </a:rPr>
+              <a:t>Home Page</a:t>
+            </a:r>
+          </a:p>
+        </p:txBody>
+      </p:sp>
+      <p:sp>
+        <p:nvSpPr>
+          <p:cNvPr id="23" name="Content Placeholder 10">
+            <a:extLst>
+              <a:ext uri="{FF2B5EF4-FFF2-40B4-BE49-F238E27FC236}">
+                <a16:creationId xmlns:a16="http://schemas.microsoft.com/office/drawing/2014/main" id="{4E621E24-D8C8-41A6-AA57-4C24D5980ACA}"/>
+              </a:ext>
+            </a:extLst>
+          </p:cNvPr>
+          <p:cNvSpPr>
+            <a:spLocks noGrp="1"/>
+          </p:cNvSpPr>
+          <p:nvPr/>
+        </p:nvSpPr>
+        <p:spPr>
+          <a:xfrm>
+            <a:off x="6343211" y="2498563"/>
+            <a:ext cx="5426890" cy="509741"/>
+          </a:xfrm>
+          <a:prstGeom prst="rect">
+            <a:avLst/>
+          </a:prstGeom>
+        </p:spPr>
+        <p:txBody>
+          <a:bodyPr vert="horz" lIns="91440" tIns="45720" rIns="91440" bIns="45720" rtlCol="0" anchor="ctr">
+            <a:normAutofit/>
+          </a:bodyPr>
+          <a:lstStyle>
+            <a:lvl1pPr marL="342900" indent="-342900" algn="l" defTabSz="457200" rtl="0" eaLnBrk="1" latinLnBrk="0" hangingPunct="1">
+              <a:spcBef>
+                <a:spcPts val="1000"/>
+              </a:spcBef>
+              <a:spcAft>
+                <a:spcPts val="0"/>
+              </a:spcAft>
+              <a:buClr>
+                <a:schemeClr val="accent1"/>
+              </a:buClr>
+              <a:buSzPct val="80000"/>
+              <a:buFont typeface="Wingdings 3" charset="2"/>
+              <a:buChar char=""/>
+              <a:defRPr sz="1800" b="0" i="0" kern="1200">
+                <a:solidFill>
+                  <a:schemeClr val="tx1">
+                    <a:lumMod val="75000"/>
+                    <a:lumOff val="25000"/>
+                  </a:schemeClr>
+                </a:solidFill>
+                <a:latin typeface="+mn-lt"/>
+                <a:ea typeface="+mn-ea"/>
+                <a:cs typeface="+mn-cs"/>
+              </a:defRPr>
+            </a:lvl1pPr>
+            <a:lvl2pPr marL="742950" indent="-285750" algn="l" defTabSz="457200" rtl="0" eaLnBrk="1" latinLnBrk="0" hangingPunct="1">
+              <a:spcBef>
+                <a:spcPts val="1000"/>
+              </a:spcBef>
+              <a:spcAft>
+                <a:spcPts val="0"/>
+              </a:spcAft>
+              <a:buClr>
+                <a:schemeClr val="accent1"/>
+              </a:buClr>
+              <a:buSzPct val="80000"/>
+              <a:buFont typeface="Wingdings 3" charset="2"/>
+              <a:buChar char=""/>
+              <a:defRPr sz="1600" b="0" i="0" kern="1200">
+                <a:solidFill>
+                  <a:schemeClr val="tx1">
+                    <a:lumMod val="75000"/>
+                    <a:lumOff val="25000"/>
+                  </a:schemeClr>
+                </a:solidFill>
+                <a:latin typeface="+mn-lt"/>
+                <a:ea typeface="+mn-ea"/>
+                <a:cs typeface="+mn-cs"/>
+              </a:defRPr>
+            </a:lvl2pPr>
+            <a:lvl3pPr marL="1143000" indent="-228600" algn="l" defTabSz="457200" rtl="0" eaLnBrk="1" latinLnBrk="0" hangingPunct="1">
+              <a:spcBef>
+                <a:spcPts val="1000"/>
+              </a:spcBef>
+              <a:spcAft>
+                <a:spcPts val="0"/>
+              </a:spcAft>
+              <a:buClr>
+                <a:schemeClr val="accent1"/>
+              </a:buClr>
+              <a:buSzPct val="80000"/>
+              <a:buFont typeface="Wingdings 3" charset="2"/>
+              <a:buChar char=""/>
+              <a:defRPr sz="1400" b="0" i="0" kern="1200">
+                <a:solidFill>
+                  <a:schemeClr val="tx1">
+                    <a:lumMod val="75000"/>
+                    <a:lumOff val="25000"/>
+                  </a:schemeClr>
+                </a:solidFill>
+                <a:latin typeface="+mn-lt"/>
+                <a:ea typeface="+mn-ea"/>
+                <a:cs typeface="+mn-cs"/>
+              </a:defRPr>
+            </a:lvl3pPr>
+            <a:lvl4pPr marL="1600200" indent="-228600" algn="l" defTabSz="457200" rtl="0" eaLnBrk="1" latinLnBrk="0" hangingPunct="1">
+              <a:spcBef>
+                <a:spcPts val="1000"/>
+              </a:spcBef>
+              <a:spcAft>
+                <a:spcPts val="0"/>
+              </a:spcAft>
+              <a:buClr>
+                <a:schemeClr val="accent1"/>
+              </a:buClr>
+              <a:buSzPct val="80000"/>
+              <a:buFont typeface="Wingdings 3" charset="2"/>
+              <a:buChar char=""/>
+              <a:defRPr sz="1200" b="0" i="0" kern="1200">
+                <a:solidFill>
+                  <a:schemeClr val="tx1">
+                    <a:lumMod val="75000"/>
+                    <a:lumOff val="25000"/>
+                  </a:schemeClr>
+                </a:solidFill>
+                <a:latin typeface="+mn-lt"/>
+                <a:ea typeface="+mn-ea"/>
+                <a:cs typeface="+mn-cs"/>
+              </a:defRPr>
+            </a:lvl4pPr>
+            <a:lvl5pPr marL="2057400" indent="-228600" algn="l" defTabSz="457200" rtl="0" eaLnBrk="1" latinLnBrk="0" hangingPunct="1">
+              <a:spcBef>
+                <a:spcPts val="1000"/>
+              </a:spcBef>
+              <a:spcAft>
+                <a:spcPts val="0"/>
+              </a:spcAft>
+              <a:buClr>
+                <a:schemeClr val="accent1"/>
+              </a:buClr>
+              <a:buSzPct val="80000"/>
+              <a:buFont typeface="Wingdings 3" charset="2"/>
+              <a:buChar char=""/>
+              <a:defRPr sz="1200" b="0" i="0" kern="1200">
+                <a:solidFill>
+                  <a:schemeClr val="tx1">
+                    <a:lumMod val="75000"/>
+                    <a:lumOff val="25000"/>
+                  </a:schemeClr>
+                </a:solidFill>
+                <a:latin typeface="+mn-lt"/>
+                <a:ea typeface="+mn-ea"/>
+                <a:cs typeface="+mn-cs"/>
+              </a:defRPr>
+            </a:lvl5pPr>
+            <a:lvl6pPr marL="2514600" indent="-228600" algn="l" defTabSz="457200" rtl="0" eaLnBrk="1" latinLnBrk="0" hangingPunct="1">
+              <a:spcBef>
+                <a:spcPts val="1000"/>
+              </a:spcBef>
+              <a:spcAft>
+                <a:spcPts val="0"/>
+              </a:spcAft>
+              <a:buClr>
+                <a:schemeClr val="accent1"/>
+              </a:buClr>
+              <a:buSzPct val="80000"/>
+              <a:buFont typeface="Wingdings 3" charset="2"/>
+              <a:buChar char=""/>
+              <a:defRPr sz="1200" b="0" i="0" kern="1200">
+                <a:solidFill>
+                  <a:schemeClr val="tx1">
+                    <a:lumMod val="75000"/>
+                    <a:lumOff val="25000"/>
+                  </a:schemeClr>
+                </a:solidFill>
+                <a:latin typeface="+mn-lt"/>
+                <a:ea typeface="+mn-ea"/>
+                <a:cs typeface="+mn-cs"/>
+              </a:defRPr>
+            </a:lvl6pPr>
+            <a:lvl7pPr marL="2971800" indent="-228600" algn="l" defTabSz="457200" rtl="0" eaLnBrk="1" latinLnBrk="0" hangingPunct="1">
+              <a:spcBef>
+                <a:spcPts val="1000"/>
+              </a:spcBef>
+              <a:spcAft>
+                <a:spcPts val="0"/>
+              </a:spcAft>
+              <a:buClr>
+                <a:schemeClr val="accent1"/>
+              </a:buClr>
+              <a:buSzPct val="80000"/>
+              <a:buFont typeface="Wingdings 3" charset="2"/>
+              <a:buChar char=""/>
+              <a:defRPr sz="1200" b="0" i="0" kern="1200">
+                <a:solidFill>
+                  <a:schemeClr val="tx1">
+                    <a:lumMod val="75000"/>
+                    <a:lumOff val="25000"/>
+                  </a:schemeClr>
+                </a:solidFill>
+                <a:latin typeface="+mn-lt"/>
+                <a:ea typeface="+mn-ea"/>
+                <a:cs typeface="+mn-cs"/>
+              </a:defRPr>
+            </a:lvl7pPr>
+            <a:lvl8pPr marL="3429000" indent="-228600" algn="l" defTabSz="457200" rtl="0" eaLnBrk="1" latinLnBrk="0" hangingPunct="1">
+              <a:spcBef>
+                <a:spcPts val="1000"/>
+              </a:spcBef>
+              <a:spcAft>
+                <a:spcPts val="0"/>
+              </a:spcAft>
+              <a:buClr>
+                <a:schemeClr val="accent1"/>
+              </a:buClr>
+              <a:buSzPct val="80000"/>
+              <a:buFont typeface="Wingdings 3" charset="2"/>
+              <a:buChar char=""/>
+              <a:defRPr sz="1200" b="0" i="0" kern="1200">
+                <a:solidFill>
+                  <a:schemeClr val="tx1">
+                    <a:lumMod val="75000"/>
+                    <a:lumOff val="25000"/>
+                  </a:schemeClr>
+                </a:solidFill>
+                <a:latin typeface="+mn-lt"/>
+                <a:ea typeface="+mn-ea"/>
+                <a:cs typeface="+mn-cs"/>
+              </a:defRPr>
+            </a:lvl8pPr>
+            <a:lvl9pPr marL="3886200" indent="-228600" algn="l" defTabSz="457200" rtl="0" eaLnBrk="1" latinLnBrk="0" hangingPunct="1">
+              <a:spcBef>
+                <a:spcPts val="1000"/>
+              </a:spcBef>
+              <a:spcAft>
+                <a:spcPts val="0"/>
+              </a:spcAft>
+              <a:buClr>
+                <a:schemeClr val="accent1"/>
+              </a:buClr>
+              <a:buSzPct val="80000"/>
+              <a:buFont typeface="Wingdings 3" charset="2"/>
+              <a:buChar char=""/>
+              <a:defRPr sz="1200" b="0" i="0" kern="1200">
+                <a:solidFill>
+                  <a:schemeClr val="tx1">
+                    <a:lumMod val="75000"/>
+                    <a:lumOff val="25000"/>
+                  </a:schemeClr>
+                </a:solidFill>
+                <a:latin typeface="+mn-lt"/>
+                <a:ea typeface="+mn-ea"/>
+                <a:cs typeface="+mn-cs"/>
+              </a:defRPr>
+            </a:lvl9pPr>
+          </a:lstStyle>
+          <a:p>
+            <a:pPr marL="0" indent="0" algn="ctr">
+              <a:buNone/>
+            </a:pPr>
+            <a:r>
+              <a:rPr lang="en-US" dirty="0">
+                <a:solidFill>
+                  <a:schemeClr val="tx1"/>
+                </a:solidFill>
+              </a:rPr>
+              <a:t>Result Page</a:t>
+            </a:r>
+          </a:p>
+        </p:txBody>
+      </p:sp>
+    </p:spTree>
+    <p:extLst>
+      <p:ext uri="{BB962C8B-B14F-4D97-AF65-F5344CB8AC3E}">
+        <p14:creationId xmlns:p14="http://schemas.microsoft.com/office/powerpoint/2010/main" val="2775394788"/>
+      </p:ext>
+    </p:extLst>
+  </p:cSld>
+  <p:clrMapOvr>
+    <a:masterClrMapping/>
+  </p:clrMapOvr>
+</p:sld>
+</file>
+
+<file path=ppt/slides/slide14.xml><?xml version="1.0" encoding="utf-8"?>
+<p:sld xmlns:a="http://schemas.openxmlformats.org/drawingml/2006/main" xmlns:r="http://schemas.openxmlformats.org/officeDocument/2006/relationships" xmlns:p="http://schemas.openxmlformats.org/presentationml/2006/main">
+  <p:cSld>
+    <p:spTree>
+      <p:nvGrpSpPr>
+        <p:cNvPr id="1" name=""/>
+        <p:cNvGrpSpPr/>
+        <p:nvPr/>
+      </p:nvGrpSpPr>
+      <p:grpSpPr>
+        <a:xfrm>
+          <a:off x="0" y="0"/>
+          <a:ext cx="0" cy="0"/>
+          <a:chOff x="0" y="0"/>
+          <a:chExt cx="0" cy="0"/>
+        </a:xfrm>
+      </p:grpSpPr>
+      <p:sp>
+        <p:nvSpPr>
+          <p:cNvPr id="2" name="Title 1">
+            <a:extLst>
+              <a:ext uri="{FF2B5EF4-FFF2-40B4-BE49-F238E27FC236}">
+                <a16:creationId xmlns:a16="http://schemas.microsoft.com/office/drawing/2014/main" id="{849FF414-5F63-4FA4-A892-053C8947B7AF}"/>
+              </a:ext>
+            </a:extLst>
+          </p:cNvPr>
+          <p:cNvSpPr>
+            <a:spLocks noGrp="1"/>
+          </p:cNvSpPr>
+          <p:nvPr>
+            <p:ph type="title"/>
+          </p:nvPr>
+        </p:nvSpPr>
+        <p:spPr/>
+        <p:txBody>
+          <a:bodyPr/>
+          <a:lstStyle/>
+          <a:p>
+            <a:pPr algn="ctr"/>
+            <a:r>
+              <a:rPr lang="en-US" dirty="0"/>
+              <a:t>Deployment</a:t>
+            </a:r>
+          </a:p>
+        </p:txBody>
+      </p:sp>
+      <p:sp>
+        <p:nvSpPr>
+          <p:cNvPr id="3" name="Content Placeholder 2">
+            <a:extLst>
+              <a:ext uri="{FF2B5EF4-FFF2-40B4-BE49-F238E27FC236}">
+                <a16:creationId xmlns:a16="http://schemas.microsoft.com/office/drawing/2014/main" id="{4A76A8C4-03C0-4D18-9DAD-3465A4D27564}"/>
+              </a:ext>
+            </a:extLst>
+          </p:cNvPr>
+          <p:cNvSpPr>
+            <a:spLocks noGrp="1"/>
+          </p:cNvSpPr>
+          <p:nvPr>
+            <p:ph idx="1"/>
+          </p:nvPr>
+        </p:nvSpPr>
+        <p:spPr/>
+        <p:txBody>
+          <a:bodyPr/>
+          <a:lstStyle/>
+          <a:p>
+            <a:r>
+              <a:rPr lang="en-US" dirty="0"/>
+              <a:t>We deployed a project through Heroku</a:t>
+            </a:r>
+          </a:p>
+          <a:p>
+            <a:r>
+              <a:rPr lang="en-US" dirty="0"/>
+              <a:t>Heroku uses requirement.txt to install Dependencies  needed to run the web app and specify </a:t>
+            </a:r>
+            <a:r>
+              <a:rPr lang="en-US" dirty="0" err="1"/>
+              <a:t>gunicron</a:t>
+            </a:r>
+            <a:r>
+              <a:rPr lang="en-US" dirty="0"/>
+              <a:t> as the gateway interface.</a:t>
+            </a:r>
+          </a:p>
+          <a:p>
+            <a:r>
+              <a:rPr lang="en-US" dirty="0"/>
+              <a:t>Due to the size of the project the web app is slow but functional</a:t>
+            </a:r>
+          </a:p>
+          <a:p>
+            <a:r>
+              <a:rPr lang="en-US" dirty="0"/>
+              <a:t>url: </a:t>
+            </a:r>
+            <a:r>
+              <a:rPr lang="en-US" dirty="0">
+                <a:hlinkClick r:id="rId2"/>
+              </a:rPr>
+              <a:t>https://emotion-based-music-system.herokuapp.com</a:t>
+            </a:r>
+            <a:endParaRPr lang="en-US" dirty="0"/>
+          </a:p>
+          <a:p>
+            <a:endParaRPr lang="en-US" dirty="0"/>
+          </a:p>
+          <a:p>
+            <a:endParaRPr lang="en-US" dirty="0"/>
+          </a:p>
+          <a:p>
+            <a:pPr marL="0" indent="0">
+              <a:buNone/>
+            </a:pPr>
+            <a:endParaRPr lang="en-US" dirty="0"/>
+          </a:p>
+        </p:txBody>
+      </p:sp>
+    </p:spTree>
+    <p:extLst>
+      <p:ext uri="{BB962C8B-B14F-4D97-AF65-F5344CB8AC3E}">
+        <p14:creationId xmlns:p14="http://schemas.microsoft.com/office/powerpoint/2010/main" val="843036683"/>
+      </p:ext>
+    </p:extLst>
+  </p:cSld>
+  <p:clrMapOvr>
+    <a:masterClrMapping/>
+  </p:clrMapOvr>
+</p:sld>
+</file>
+
+<file path=ppt/slides/slide2.xml><?xml version="1.0" encoding="utf-8"?>
+<p:sld xmlns:a="http://schemas.openxmlformats.org/drawingml/2006/main" xmlns:r="http://schemas.openxmlformats.org/officeDocument/2006/relationships" xmlns:p="http://schemas.openxmlformats.org/presentationml/2006/main">
+  <p:cSld>
+    <p:spTree>
+      <p:nvGrpSpPr>
+        <p:cNvPr id="1" name=""/>
+        <p:cNvGrpSpPr/>
+        <p:nvPr/>
+      </p:nvGrpSpPr>
+      <p:grpSpPr>
+        <a:xfrm>
+          <a:off x="0" y="0"/>
+          <a:ext cx="0" cy="0"/>
+          <a:chOff x="0" y="0"/>
+          <a:chExt cx="0" cy="0"/>
+        </a:xfrm>
+      </p:grpSpPr>
+      <p:sp>
+        <p:nvSpPr>
+          <p:cNvPr id="2" name="Title 1">
+            <a:extLst>
+              <a:ext uri="{FF2B5EF4-FFF2-40B4-BE49-F238E27FC236}">
+                <a16:creationId xmlns:a16="http://schemas.microsoft.com/office/drawing/2014/main" id="{DAE3D65D-AB47-4A62-BFA0-E8D687E05008}"/>
+              </a:ext>
+            </a:extLst>
+          </p:cNvPr>
+          <p:cNvSpPr>
+            <a:spLocks noGrp="1"/>
+          </p:cNvSpPr>
+          <p:nvPr>
+            <p:ph type="title"/>
+          </p:nvPr>
+        </p:nvSpPr>
+        <p:spPr/>
+        <p:txBody>
+          <a:bodyPr/>
+          <a:lstStyle/>
+          <a:p>
+            <a:pPr algn="ctr"/>
+            <a:r>
+              <a:rPr lang="en-US" dirty="0"/>
+              <a:t>Goals</a:t>
+            </a:r>
+          </a:p>
+        </p:txBody>
+      </p:sp>
+      <p:sp>
+        <p:nvSpPr>
+          <p:cNvPr id="3" name="Content Placeholder 2">
+            <a:extLst>
+              <a:ext uri="{FF2B5EF4-FFF2-40B4-BE49-F238E27FC236}">
+                <a16:creationId xmlns:a16="http://schemas.microsoft.com/office/drawing/2014/main" id="{9816DCFA-C870-408E-90CA-545F0244841E}"/>
+              </a:ext>
+            </a:extLst>
+          </p:cNvPr>
+          <p:cNvSpPr>
+            <a:spLocks noGrp="1"/>
+          </p:cNvSpPr>
+          <p:nvPr>
+            <p:ph idx="1"/>
+          </p:nvPr>
+        </p:nvSpPr>
+        <p:spPr/>
+        <p:txBody>
+          <a:bodyPr/>
+          <a:lstStyle/>
+          <a:p>
+            <a:r>
+              <a:rPr lang="en-US" dirty="0"/>
+              <a:t>To classify the expression a user makes</a:t>
+            </a:r>
+          </a:p>
+          <a:p>
+            <a:r>
+              <a:rPr lang="en-US" dirty="0"/>
+              <a:t>Play a music with respect to the expression made by the user</a:t>
+            </a:r>
+          </a:p>
+          <a:p>
+            <a:r>
+              <a:rPr lang="en-US" dirty="0"/>
+              <a:t>Create a web application </a:t>
+            </a:r>
+          </a:p>
+          <a:p>
+            <a:r>
+              <a:rPr lang="en-US" dirty="0"/>
+              <a:t>Deploy the model so anyone can use the web application</a:t>
+            </a:r>
+          </a:p>
+          <a:p>
+            <a:endParaRPr lang="en-US" dirty="0"/>
+          </a:p>
+        </p:txBody>
+      </p:sp>
+    </p:spTree>
+    <p:extLst>
+      <p:ext uri="{BB962C8B-B14F-4D97-AF65-F5344CB8AC3E}">
+        <p14:creationId xmlns:p14="http://schemas.microsoft.com/office/powerpoint/2010/main" val="1768389598"/>
+      </p:ext>
+    </p:extLst>
+  </p:cSld>
+  <p:clrMapOvr>
+    <a:masterClrMapping/>
+  </p:clrMapOvr>
+</p:sld>
+</file>
+
+<file path=ppt/slides/slide3.xml><?xml version="1.0" encoding="utf-8"?>
+<p:sld xmlns:a="http://schemas.openxmlformats.org/drawingml/2006/main" xmlns:r="http://schemas.openxmlformats.org/officeDocument/2006/relationships" xmlns:p="http://schemas.openxmlformats.org/presentationml/2006/main">
+  <p:cSld>
+    <p:spTree>
+      <p:nvGrpSpPr>
+        <p:cNvPr id="1" name=""/>
+        <p:cNvGrpSpPr/>
+        <p:nvPr/>
+      </p:nvGrpSpPr>
+      <p:grpSpPr>
+        <a:xfrm>
+          <a:off x="0" y="0"/>
+          <a:ext cx="0" cy="0"/>
+          <a:chOff x="0" y="0"/>
+          <a:chExt cx="0" cy="0"/>
+        </a:xfrm>
+      </p:grpSpPr>
+      <p:sp>
+        <p:nvSpPr>
+          <p:cNvPr id="2" name="Title 1">
+            <a:extLst>
+              <a:ext uri="{FF2B5EF4-FFF2-40B4-BE49-F238E27FC236}">
+                <a16:creationId xmlns:a16="http://schemas.microsoft.com/office/drawing/2014/main" id="{0F282401-4EC9-4E2E-BA47-273DC23676FA}"/>
+              </a:ext>
+            </a:extLst>
+          </p:cNvPr>
+          <p:cNvSpPr>
+            <a:spLocks noGrp="1"/>
+          </p:cNvSpPr>
+          <p:nvPr>
+            <p:ph type="title"/>
+          </p:nvPr>
+        </p:nvSpPr>
+        <p:spPr/>
+        <p:txBody>
+          <a:bodyPr/>
+          <a:lstStyle/>
+          <a:p>
+            <a:pPr algn="ctr"/>
+            <a:r>
+              <a:rPr lang="en-US" dirty="0"/>
+              <a:t>Work Flow Diagram</a:t>
+            </a:r>
+            <a:endParaRPr lang="en-US"/>
+          </a:p>
+        </p:txBody>
+      </p:sp>
+      <p:pic>
+        <p:nvPicPr>
+          <p:cNvPr id="4" name="Picture 4" descr="Graphical user interface, text, application&#10;&#10;Description automatically generated">
+            <a:extLst>
+              <a:ext uri="{FF2B5EF4-FFF2-40B4-BE49-F238E27FC236}">
+                <a16:creationId xmlns:a16="http://schemas.microsoft.com/office/drawing/2014/main" id="{A5ED7DD7-C254-41F3-8B9E-83FDF83D38AB}"/>
+              </a:ext>
+            </a:extLst>
+          </p:cNvPr>
+          <p:cNvPicPr>
+            <a:picLocks noGrp="1" noChangeAspect="1"/>
+          </p:cNvPicPr>
+          <p:nvPr>
+            <p:ph idx="1"/>
+          </p:nvPr>
+        </p:nvPicPr>
+        <p:blipFill>
+          <a:blip r:embed="rId2"/>
+          <a:stretch>
+            <a:fillRect/>
+          </a:stretch>
+        </p:blipFill>
+        <p:spPr>
+          <a:xfrm>
+            <a:off x="1403393" y="2603500"/>
+            <a:ext cx="8648095" cy="6652983"/>
+          </a:xfrm>
+        </p:spPr>
+      </p:pic>
+    </p:spTree>
+    <p:extLst>
+      <p:ext uri="{BB962C8B-B14F-4D97-AF65-F5344CB8AC3E}">
+        <p14:creationId xmlns:p14="http://schemas.microsoft.com/office/powerpoint/2010/main" val="2285018554"/>
+      </p:ext>
+    </p:extLst>
+  </p:cSld>
+  <p:clrMapOvr>
+    <a:masterClrMapping/>
+  </p:clrMapOvr>
+</p:sld>
+</file>
+
+<file path=ppt/slides/slide4.xml><?xml version="1.0" encoding="utf-8"?>
+<p:sld xmlns:a="http://schemas.openxmlformats.org/drawingml/2006/main" xmlns:r="http://schemas.openxmlformats.org/officeDocument/2006/relationships" xmlns:p="http://schemas.openxmlformats.org/presentationml/2006/main">
+  <p:cSld>
+    <p:spTree>
+      <p:nvGrpSpPr>
+        <p:cNvPr id="1" name=""/>
+        <p:cNvGrpSpPr/>
+        <p:nvPr/>
+      </p:nvGrpSpPr>
+      <p:grpSpPr>
+        <a:xfrm>
+          <a:off x="0" y="0"/>
+          <a:ext cx="0" cy="0"/>
+          <a:chOff x="0" y="0"/>
+          <a:chExt cx="0" cy="0"/>
+        </a:xfrm>
+      </p:grpSpPr>
+      <p:sp>
+        <p:nvSpPr>
+          <p:cNvPr id="2" name="Title 1">
+            <a:extLst>
+              <a:ext uri="{FF2B5EF4-FFF2-40B4-BE49-F238E27FC236}">
+                <a16:creationId xmlns:a16="http://schemas.microsoft.com/office/drawing/2014/main" id="{9464BFCE-6BA8-47D1-8791-6069ABCFA7CD}"/>
+              </a:ext>
+            </a:extLst>
+          </p:cNvPr>
+          <p:cNvSpPr>
+            <a:spLocks noGrp="1"/>
+          </p:cNvSpPr>
+          <p:nvPr>
+            <p:ph type="title"/>
+          </p:nvPr>
+        </p:nvSpPr>
+        <p:spPr/>
+        <p:txBody>
+          <a:bodyPr/>
+          <a:lstStyle/>
+          <a:p>
+            <a:pPr algn="ctr"/>
+            <a:r>
+              <a:rPr lang="en-US" dirty="0"/>
+              <a:t>Face Detection</a:t>
+            </a:r>
+          </a:p>
+        </p:txBody>
+      </p:sp>
+      <p:sp>
+        <p:nvSpPr>
+          <p:cNvPr id="3" name="Content Placeholder 2">
+            <a:extLst>
+              <a:ext uri="{FF2B5EF4-FFF2-40B4-BE49-F238E27FC236}">
+                <a16:creationId xmlns:a16="http://schemas.microsoft.com/office/drawing/2014/main" id="{8DE19CF2-2D8F-4ED2-85BF-EC90DE2DC248}"/>
+              </a:ext>
+            </a:extLst>
+          </p:cNvPr>
+          <p:cNvSpPr>
+            <a:spLocks noGrp="1"/>
+          </p:cNvSpPr>
+          <p:nvPr>
+            <p:ph idx="1"/>
+          </p:nvPr>
+        </p:nvSpPr>
+        <p:spPr/>
+        <p:txBody>
+          <a:bodyPr vert="horz" lIns="91440" tIns="45720" rIns="91440" bIns="45720" rtlCol="0" anchor="t">
+            <a:normAutofit/>
+          </a:bodyPr>
+          <a:lstStyle/>
+          <a:p>
+            <a:r>
+              <a:rPr lang="en-US" dirty="0"/>
+              <a:t>We used MTCNN(Multi-task Cascaded Convolutional Neural Networks) to detect the human faces in the image.</a:t>
+            </a:r>
+          </a:p>
+          <a:p>
+            <a:r>
+              <a:rPr lang="en-US" dirty="0"/>
+              <a:t>Passing the identified face to the emotion detection module for detecting the emotion. </a:t>
+            </a:r>
+          </a:p>
+          <a:p>
+            <a:r>
+              <a:rPr lang="en-US" dirty="0"/>
+              <a:t>Drawing a box around the face of a person and displaying the person's emotion.</a:t>
+            </a:r>
+            <a:endParaRPr lang="en-US"/>
+          </a:p>
+        </p:txBody>
+      </p:sp>
+    </p:spTree>
+    <p:extLst>
+      <p:ext uri="{BB962C8B-B14F-4D97-AF65-F5344CB8AC3E}">
+        <p14:creationId xmlns:p14="http://schemas.microsoft.com/office/powerpoint/2010/main" val="3223894262"/>
+      </p:ext>
+    </p:extLst>
+  </p:cSld>
+  <p:clrMapOvr>
+    <a:masterClrMapping/>
+  </p:clrMapOvr>
+</p:sld>
+</file>
+
+<file path=ppt/slides/slide5.xml><?xml version="1.0" encoding="utf-8"?>
+<p:sld xmlns:a="http://schemas.openxmlformats.org/drawingml/2006/main" xmlns:r="http://schemas.openxmlformats.org/officeDocument/2006/relationships" xmlns:p="http://schemas.openxmlformats.org/presentationml/2006/main">
+  <p:cSld>
+    <p:spTree>
+      <p:nvGrpSpPr>
+        <p:cNvPr id="1" name=""/>
+        <p:cNvGrpSpPr/>
+        <p:nvPr/>
+      </p:nvGrpSpPr>
+      <p:grpSpPr>
+        <a:xfrm>
+          <a:off x="0" y="0"/>
+          <a:ext cx="0" cy="0"/>
+          <a:chOff x="0" y="0"/>
+          <a:chExt cx="0" cy="0"/>
+        </a:xfrm>
+      </p:grpSpPr>
+      <p:sp>
+        <p:nvSpPr>
+          <p:cNvPr id="2" name="Title 1">
+            <a:extLst>
+              <a:ext uri="{FF2B5EF4-FFF2-40B4-BE49-F238E27FC236}">
+                <a16:creationId xmlns:a16="http://schemas.microsoft.com/office/drawing/2014/main" id="{E3248AC3-2C04-4D00-9F32-FEE4B821F8E8}"/>
+              </a:ext>
+            </a:extLst>
+          </p:cNvPr>
+          <p:cNvSpPr>
+            <a:spLocks noGrp="1"/>
+          </p:cNvSpPr>
+          <p:nvPr>
+            <p:ph type="title"/>
+          </p:nvPr>
+        </p:nvSpPr>
+        <p:spPr/>
+        <p:txBody>
+          <a:bodyPr/>
+          <a:lstStyle/>
+          <a:p>
+            <a:pPr algn="ctr"/>
+            <a:r>
+              <a:rPr lang="en-US" dirty="0"/>
+              <a:t>Emotion Detection</a:t>
+            </a:r>
+          </a:p>
+        </p:txBody>
+      </p:sp>
+      <p:sp>
+        <p:nvSpPr>
+          <p:cNvPr id="3" name="Content Placeholder 2">
+            <a:extLst>
+              <a:ext uri="{FF2B5EF4-FFF2-40B4-BE49-F238E27FC236}">
+                <a16:creationId xmlns:a16="http://schemas.microsoft.com/office/drawing/2014/main" id="{FB9D89A4-E95C-494A-9474-A285B804FE7C}"/>
+              </a:ext>
+            </a:extLst>
+          </p:cNvPr>
+          <p:cNvSpPr>
+            <a:spLocks noGrp="1"/>
+          </p:cNvSpPr>
+          <p:nvPr>
+            <p:ph idx="1"/>
+          </p:nvPr>
+        </p:nvSpPr>
+        <p:spPr/>
+        <p:txBody>
+          <a:bodyPr vert="horz" lIns="91440" tIns="45720" rIns="91440" bIns="45720" rtlCol="0" anchor="t">
+            <a:normAutofit/>
+          </a:bodyPr>
+          <a:lstStyle/>
+          <a:p>
+            <a:r>
+              <a:rPr lang="en-US" dirty="0">
+                <a:ea typeface="+mn-lt"/>
+                <a:cs typeface="+mn-lt"/>
+              </a:rPr>
+              <a:t>For the emotion model, we came up with two different approaches. </a:t>
+            </a:r>
+          </a:p>
+          <a:p>
+            <a:r>
+              <a:rPr lang="en-US" dirty="0">
+                <a:ea typeface="+mn-lt"/>
+                <a:cs typeface="+mn-lt"/>
+              </a:rPr>
+              <a:t>One approach is building our own custom  model</a:t>
+            </a:r>
+          </a:p>
+          <a:p>
+            <a:r>
+              <a:rPr lang="en-US" dirty="0">
+                <a:ea typeface="+mn-lt"/>
+                <a:cs typeface="+mn-lt"/>
+              </a:rPr>
+              <a:t>Another approach is by transfer learning on a pre-trained MobileNetV2 model.</a:t>
+            </a:r>
+            <a:endParaRPr lang="en-US"/>
+          </a:p>
+        </p:txBody>
+      </p:sp>
+    </p:spTree>
+    <p:extLst>
+      <p:ext uri="{BB962C8B-B14F-4D97-AF65-F5344CB8AC3E}">
+        <p14:creationId xmlns:p14="http://schemas.microsoft.com/office/powerpoint/2010/main" val="90592512"/>
+      </p:ext>
+    </p:extLst>
+  </p:cSld>
+  <p:clrMapOvr>
+    <a:masterClrMapping/>
+  </p:clrMapOvr>
+</p:sld>
+</file>
+
+<file path=ppt/slides/slide6.xml><?xml version="1.0" encoding="utf-8"?>
+<p:sld xmlns:a="http://schemas.openxmlformats.org/drawingml/2006/main" xmlns:r="http://schemas.openxmlformats.org/officeDocument/2006/relationships" xmlns:p="http://schemas.openxmlformats.org/presentationml/2006/main">
+  <p:cSld>
+    <p:bg>
+      <p:bgPr>
+        <a:solidFill>
+          <a:schemeClr val="bg1"/>
+        </a:solidFill>
+        <a:effectLst/>
+      </p:bgPr>
+    </p:bg>
+    <p:spTree>
+      <p:nvGrpSpPr>
+        <p:cNvPr id="1" name=""/>
+        <p:cNvGrpSpPr/>
+        <p:nvPr/>
+      </p:nvGrpSpPr>
+      <p:grpSpPr>
+        <a:xfrm>
+          <a:off x="0" y="0"/>
+          <a:ext cx="0" cy="0"/>
+          <a:chOff x="0" y="0"/>
+          <a:chExt cx="0" cy="0"/>
+        </a:xfrm>
+      </p:grpSpPr>
+      <p:sp>
+        <p:nvSpPr>
+          <p:cNvPr id="26" name="Rectangle 25">
+            <a:extLst>
+              <a:ext uri="{FF2B5EF4-FFF2-40B4-BE49-F238E27FC236}">
+                <a16:creationId xmlns:a16="http://schemas.microsoft.com/office/drawing/2014/main" id="{F70C2B8F-6B1B-46D5-86E6-40F36C695FC2}"/>
+              </a:ext>
+              <a:ext uri="{C183D7F6-B498-43B3-948B-1728B52AA6E4}">
+                <adec:decorative xmlns:adec="http://schemas.microsoft.com/office/drawing/2017/decorative" val="1"/>
+              </a:ext>
+            </a:extLst>
+          </p:cNvPr>
+          <p:cNvSpPr>
+            <a:spLocks noGrp="1" noRot="1" noChangeAspect="1" noMove="1" noResize="1" noEditPoints="1" noAdjustHandles="1" noChangeArrowheads="1" noChangeShapeType="1" noTextEdit="1"/>
+          </p:cNvSpPr>
+          <p:nvPr>
+            <p:extLst>
+              <p:ext uri="{386F3935-93C4-4BCD-93E2-E3B085C9AB24}">
+                <p16:designElem xmlns:p16="http://schemas.microsoft.com/office/powerpoint/2015/main" val="1"/>
+              </p:ext>
+            </p:extLst>
+          </p:nvPr>
+        </p:nvSpPr>
+        <p:spPr>
+          <a:xfrm>
+            <a:off x="0" y="0"/>
+            <a:ext cx="12192000" cy="6858000"/>
+          </a:xfrm>
+          <a:prstGeom prst="rect">
+            <a:avLst/>
+          </a:prstGeom>
+          <a:ln>
+            <a:noFill/>
+          </a:ln>
+        </p:spPr>
+        <p:style>
+          <a:lnRef idx="2">
+            <a:schemeClr val="accent1">
+              <a:shade val="50000"/>
+            </a:schemeClr>
+          </a:lnRef>
+          <a:fillRef idx="1003">
+            <a:schemeClr val="dk2"/>
+          </a:fillRef>
+          <a:effectRef idx="0">
+            <a:schemeClr val="accent1"/>
+          </a:effectRef>
+          <a:fontRef idx="minor">
+            <a:schemeClr val="lt1"/>
+          </a:fontRef>
+        </p:style>
+      </p:sp>
+      <p:sp>
+        <p:nvSpPr>
+          <p:cNvPr id="28" name="Freeform 5">
+            <a:extLst>
+              <a:ext uri="{FF2B5EF4-FFF2-40B4-BE49-F238E27FC236}">
+                <a16:creationId xmlns:a16="http://schemas.microsoft.com/office/drawing/2014/main" id="{DB521824-592C-476A-AB0A-CA0C6D1F3407}"/>
+              </a:ext>
+              <a:ext uri="{C183D7F6-B498-43B3-948B-1728B52AA6E4}">
+                <adec:decorative xmlns:adec="http://schemas.microsoft.com/office/drawing/2017/decorative" val="1"/>
+              </a:ext>
+            </a:extLst>
+          </p:cNvPr>
+          <p:cNvSpPr>
+            <a:spLocks noGrp="1" noRot="1" noChangeAspect="1" noMove="1" noResize="1" noEditPoints="1" noAdjustHandles="1" noChangeArrowheads="1" noChangeShapeType="1" noTextEdit="1"/>
+          </p:cNvSpPr>
+          <p:nvPr>
+            <p:extLst>
+              <p:ext uri="{386F3935-93C4-4BCD-93E2-E3B085C9AB24}">
+                <p16:designElem xmlns:p16="http://schemas.microsoft.com/office/powerpoint/2015/main" val="1"/>
+              </p:ext>
+            </p:extLst>
+          </p:nvPr>
+        </p:nvSpPr>
+        <p:spPr bwMode="gray">
+          <a:xfrm rot="15922489">
+            <a:off x="4698352" y="1826078"/>
+            <a:ext cx="3299407" cy="440924"/>
+          </a:xfrm>
+          <a:custGeom>
+            <a:avLst/>
+            <a:gdLst/>
+            <a:ahLst/>
+            <a:cxnLst/>
+            <a:rect l="l" t="t" r="r" b="b"/>
+            <a:pathLst>
+              <a:path w="10000" h="5291">
+                <a:moveTo>
+                  <a:pt x="85" y="2532"/>
+                </a:moveTo>
+                <a:cubicBezTo>
+                  <a:pt x="1736" y="3911"/>
+                  <a:pt x="7524" y="5298"/>
+                  <a:pt x="9958" y="5291"/>
+                </a:cubicBezTo>
+                <a:cubicBezTo>
+                  <a:pt x="9989" y="1958"/>
+                  <a:pt x="9969" y="3333"/>
+                  <a:pt x="10000" y="0"/>
+                </a:cubicBezTo>
+                <a:lnTo>
+                  <a:pt x="10000" y="0"/>
+                </a:lnTo>
+                <a:lnTo>
+                  <a:pt x="9667" y="204"/>
+                </a:lnTo>
+                <a:lnTo>
+                  <a:pt x="9334" y="400"/>
+                </a:lnTo>
+                <a:lnTo>
+                  <a:pt x="9001" y="590"/>
+                </a:lnTo>
+                <a:lnTo>
+                  <a:pt x="8667" y="753"/>
+                </a:lnTo>
+                <a:lnTo>
+                  <a:pt x="8333" y="917"/>
+                </a:lnTo>
+                <a:lnTo>
+                  <a:pt x="7999" y="1071"/>
+                </a:lnTo>
+                <a:lnTo>
+                  <a:pt x="7669" y="1202"/>
+                </a:lnTo>
+                <a:lnTo>
+                  <a:pt x="7333" y="1325"/>
+                </a:lnTo>
+                <a:lnTo>
+                  <a:pt x="7000" y="1440"/>
+                </a:lnTo>
+                <a:lnTo>
+                  <a:pt x="6673" y="1538"/>
+                </a:lnTo>
+                <a:lnTo>
+                  <a:pt x="6340" y="1636"/>
+                </a:lnTo>
+                <a:lnTo>
+                  <a:pt x="6013" y="1719"/>
+                </a:lnTo>
+                <a:lnTo>
+                  <a:pt x="5686" y="1784"/>
+                </a:lnTo>
+                <a:lnTo>
+                  <a:pt x="5359" y="1850"/>
+                </a:lnTo>
+                <a:lnTo>
+                  <a:pt x="5036" y="1906"/>
+                </a:lnTo>
+                <a:lnTo>
+                  <a:pt x="4717" y="1948"/>
+                </a:lnTo>
+                <a:lnTo>
+                  <a:pt x="4396" y="1980"/>
+                </a:lnTo>
+                <a:lnTo>
+                  <a:pt x="4079" y="2013"/>
+                </a:lnTo>
+                <a:lnTo>
+                  <a:pt x="3766" y="2029"/>
+                </a:lnTo>
+                <a:lnTo>
+                  <a:pt x="3454" y="2046"/>
+                </a:lnTo>
+                <a:lnTo>
+                  <a:pt x="3145" y="2053"/>
+                </a:lnTo>
+                <a:lnTo>
+                  <a:pt x="2839" y="2046"/>
+                </a:lnTo>
+                <a:lnTo>
+                  <a:pt x="2537" y="2046"/>
+                </a:lnTo>
+                <a:lnTo>
+                  <a:pt x="2238" y="2029"/>
+                </a:lnTo>
+                <a:lnTo>
+                  <a:pt x="1943" y="2004"/>
+                </a:lnTo>
+                <a:lnTo>
+                  <a:pt x="1653" y="1980"/>
+                </a:lnTo>
+                <a:lnTo>
+                  <a:pt x="1368" y="1955"/>
+                </a:lnTo>
+                <a:lnTo>
+                  <a:pt x="1085" y="1915"/>
+                </a:lnTo>
+                <a:lnTo>
+                  <a:pt x="806" y="1873"/>
+                </a:lnTo>
+                <a:lnTo>
+                  <a:pt x="533" y="1833"/>
+                </a:lnTo>
+                <a:lnTo>
+                  <a:pt x="0" y="1726"/>
+                </a:lnTo>
+                <a:cubicBezTo>
+                  <a:pt x="28" y="1995"/>
+                  <a:pt x="57" y="2263"/>
+                  <a:pt x="85" y="2532"/>
+                </a:cubicBezTo>
+                <a:close/>
+              </a:path>
+            </a:pathLst>
+          </a:custGeom>
+          <a:solidFill>
+            <a:schemeClr val="tx1">
+              <a:alpha val="20000"/>
+            </a:schemeClr>
+          </a:solidFill>
+          <a:ln>
+            <a:noFill/>
+          </a:ln>
+        </p:spPr>
+      </p:sp>
+      <p:sp>
+        <p:nvSpPr>
+          <p:cNvPr id="30" name="Freeform: Shape 29">
+            <a:extLst>
+              <a:ext uri="{FF2B5EF4-FFF2-40B4-BE49-F238E27FC236}">
+                <a16:creationId xmlns:a16="http://schemas.microsoft.com/office/drawing/2014/main" id="{A2749EFA-8EE4-4EB8-9424-8E593B9320AD}"/>
+              </a:ext>
+              <a:ext uri="{C183D7F6-B498-43B3-948B-1728B52AA6E4}">
+                <adec:decorative xmlns:adec="http://schemas.microsoft.com/office/drawing/2017/decorative" val="1"/>
+              </a:ext>
+            </a:extLst>
+          </p:cNvPr>
+          <p:cNvSpPr>
+            <a:spLocks noGrp="1" noRot="1" noChangeAspect="1" noMove="1" noResize="1" noEditPoints="1" noAdjustHandles="1" noChangeArrowheads="1" noChangeShapeType="1" noTextEdit="1"/>
+          </p:cNvSpPr>
+          <p:nvPr>
+            <p:extLst>
+              <p:ext uri="{386F3935-93C4-4BCD-93E2-E3B085C9AB24}">
+                <p16:designElem xmlns:p16="http://schemas.microsoft.com/office/powerpoint/2015/main" val="1"/>
+              </p:ext>
+            </p:extLst>
+          </p:nvPr>
+        </p:nvSpPr>
+        <p:spPr bwMode="gray">
+          <a:xfrm rot="16200000">
+            <a:off x="5950898" y="638067"/>
+            <a:ext cx="6053670" cy="5581866"/>
+          </a:xfrm>
+          <a:custGeom>
+            <a:avLst/>
+            <a:gdLst>
+              <a:gd name="connsiteX0" fmla="*/ 6053670 w 6053670"/>
+              <a:gd name="connsiteY0" fmla="*/ 1098 h 5581866"/>
+              <a:gd name="connsiteX1" fmla="*/ 6053670 w 6053670"/>
+              <a:gd name="connsiteY1" fmla="*/ 514028 h 5581866"/>
+              <a:gd name="connsiteX2" fmla="*/ 6053670 w 6053670"/>
+              <a:gd name="connsiteY2" fmla="*/ 1254558 h 5581866"/>
+              <a:gd name="connsiteX3" fmla="*/ 6053670 w 6053670"/>
+              <a:gd name="connsiteY3" fmla="*/ 5581866 h 5581866"/>
+              <a:gd name="connsiteX4" fmla="*/ 0 w 6053670"/>
+              <a:gd name="connsiteY4" fmla="*/ 5581866 h 5581866"/>
+              <a:gd name="connsiteX5" fmla="*/ 0 w 6053670"/>
+              <a:gd name="connsiteY5" fmla="*/ 1249853 h 5581866"/>
+              <a:gd name="connsiteX6" fmla="*/ 0 w 6053670"/>
+              <a:gd name="connsiteY6" fmla="*/ 514028 h 5581866"/>
+              <a:gd name="connsiteX7" fmla="*/ 0 w 6053670"/>
+              <a:gd name="connsiteY7" fmla="*/ 0 h 5581866"/>
+              <a:gd name="connsiteX8" fmla="*/ 35717 w 6053670"/>
+              <a:gd name="connsiteY8" fmla="*/ 5488 h 5581866"/>
+              <a:gd name="connsiteX9" fmla="*/ 140445 w 6053670"/>
+              <a:gd name="connsiteY9" fmla="*/ 21641 h 5581866"/>
+              <a:gd name="connsiteX10" fmla="*/ 216722 w 6053670"/>
+              <a:gd name="connsiteY10" fmla="*/ 32932 h 5581866"/>
+              <a:gd name="connsiteX11" fmla="*/ 307527 w 6053670"/>
+              <a:gd name="connsiteY11" fmla="*/ 44850 h 5581866"/>
+              <a:gd name="connsiteX12" fmla="*/ 415282 w 6053670"/>
+              <a:gd name="connsiteY12" fmla="*/ 59121 h 5581866"/>
+              <a:gd name="connsiteX13" fmla="*/ 534539 w 6053670"/>
+              <a:gd name="connsiteY13" fmla="*/ 74175 h 5581866"/>
+              <a:gd name="connsiteX14" fmla="*/ 668931 w 6053670"/>
+              <a:gd name="connsiteY14" fmla="*/ 90014 h 5581866"/>
+              <a:gd name="connsiteX15" fmla="*/ 815430 w 6053670"/>
+              <a:gd name="connsiteY15" fmla="*/ 106794 h 5581866"/>
+              <a:gd name="connsiteX16" fmla="*/ 974641 w 6053670"/>
+              <a:gd name="connsiteY16" fmla="*/ 123574 h 5581866"/>
+              <a:gd name="connsiteX17" fmla="*/ 1144144 w 6053670"/>
+              <a:gd name="connsiteY17" fmla="*/ 140667 h 5581866"/>
+              <a:gd name="connsiteX18" fmla="*/ 1326965 w 6053670"/>
+              <a:gd name="connsiteY18" fmla="*/ 156506 h 5581866"/>
+              <a:gd name="connsiteX19" fmla="*/ 1518261 w 6053670"/>
+              <a:gd name="connsiteY19" fmla="*/ 171717 h 5581866"/>
+              <a:gd name="connsiteX20" fmla="*/ 1720453 w 6053670"/>
+              <a:gd name="connsiteY20" fmla="*/ 185518 h 5581866"/>
+              <a:gd name="connsiteX21" fmla="*/ 1931121 w 6053670"/>
+              <a:gd name="connsiteY21" fmla="*/ 198690 h 5581866"/>
+              <a:gd name="connsiteX22" fmla="*/ 2150869 w 6053670"/>
+              <a:gd name="connsiteY22" fmla="*/ 211079 h 5581866"/>
+              <a:gd name="connsiteX23" fmla="*/ 2263467 w 6053670"/>
+              <a:gd name="connsiteY23" fmla="*/ 215470 h 5581866"/>
+              <a:gd name="connsiteX24" fmla="*/ 2378487 w 6053670"/>
+              <a:gd name="connsiteY24" fmla="*/ 220332 h 5581866"/>
+              <a:gd name="connsiteX25" fmla="*/ 2495323 w 6053670"/>
+              <a:gd name="connsiteY25" fmla="*/ 224879 h 5581866"/>
+              <a:gd name="connsiteX26" fmla="*/ 2612764 w 6053670"/>
+              <a:gd name="connsiteY26" fmla="*/ 227859 h 5581866"/>
+              <a:gd name="connsiteX27" fmla="*/ 2732627 w 6053670"/>
+              <a:gd name="connsiteY27" fmla="*/ 230525 h 5581866"/>
+              <a:gd name="connsiteX28" fmla="*/ 2853700 w 6053670"/>
+              <a:gd name="connsiteY28" fmla="*/ 233348 h 5581866"/>
+              <a:gd name="connsiteX29" fmla="*/ 2977195 w 6053670"/>
+              <a:gd name="connsiteY29" fmla="*/ 235229 h 5581866"/>
+              <a:gd name="connsiteX30" fmla="*/ 3101900 w 6053670"/>
+              <a:gd name="connsiteY30" fmla="*/ 235229 h 5581866"/>
+              <a:gd name="connsiteX31" fmla="*/ 3227817 w 6053670"/>
+              <a:gd name="connsiteY31" fmla="*/ 236170 h 5581866"/>
+              <a:gd name="connsiteX32" fmla="*/ 3354944 w 6053670"/>
+              <a:gd name="connsiteY32" fmla="*/ 235229 h 5581866"/>
+              <a:gd name="connsiteX33" fmla="*/ 3483887 w 6053670"/>
+              <a:gd name="connsiteY33" fmla="*/ 233348 h 5581866"/>
+              <a:gd name="connsiteX34" fmla="*/ 3612830 w 6053670"/>
+              <a:gd name="connsiteY34" fmla="*/ 231623 h 5581866"/>
+              <a:gd name="connsiteX35" fmla="*/ 3743589 w 6053670"/>
+              <a:gd name="connsiteY35" fmla="*/ 227859 h 5581866"/>
+              <a:gd name="connsiteX36" fmla="*/ 3875559 w 6053670"/>
+              <a:gd name="connsiteY36" fmla="*/ 223938 h 5581866"/>
+              <a:gd name="connsiteX37" fmla="*/ 4007529 w 6053670"/>
+              <a:gd name="connsiteY37" fmla="*/ 219391 h 5581866"/>
+              <a:gd name="connsiteX38" fmla="*/ 4140710 w 6053670"/>
+              <a:gd name="connsiteY38" fmla="*/ 212961 h 5581866"/>
+              <a:gd name="connsiteX39" fmla="*/ 4275102 w 6053670"/>
+              <a:gd name="connsiteY39" fmla="*/ 205277 h 5581866"/>
+              <a:gd name="connsiteX40" fmla="*/ 4410098 w 6053670"/>
+              <a:gd name="connsiteY40" fmla="*/ 197907 h 5581866"/>
+              <a:gd name="connsiteX41" fmla="*/ 4545096 w 6053670"/>
+              <a:gd name="connsiteY41" fmla="*/ 188498 h 5581866"/>
+              <a:gd name="connsiteX42" fmla="*/ 4681909 w 6053670"/>
+              <a:gd name="connsiteY42" fmla="*/ 177207 h 5581866"/>
+              <a:gd name="connsiteX43" fmla="*/ 4816905 w 6053670"/>
+              <a:gd name="connsiteY43" fmla="*/ 165916 h 5581866"/>
+              <a:gd name="connsiteX44" fmla="*/ 4954323 w 6053670"/>
+              <a:gd name="connsiteY44" fmla="*/ 152899 h 5581866"/>
+              <a:gd name="connsiteX45" fmla="*/ 5092347 w 6053670"/>
+              <a:gd name="connsiteY45" fmla="*/ 138629 h 5581866"/>
+              <a:gd name="connsiteX46" fmla="*/ 5228555 w 6053670"/>
+              <a:gd name="connsiteY46" fmla="*/ 123574 h 5581866"/>
+              <a:gd name="connsiteX47" fmla="*/ 5366578 w 6053670"/>
+              <a:gd name="connsiteY47" fmla="*/ 106010 h 5581866"/>
+              <a:gd name="connsiteX48" fmla="*/ 5503997 w 6053670"/>
+              <a:gd name="connsiteY48" fmla="*/ 87192 h 5581866"/>
+              <a:gd name="connsiteX49" fmla="*/ 5642020 w 6053670"/>
+              <a:gd name="connsiteY49" fmla="*/ 68530 h 5581866"/>
+              <a:gd name="connsiteX50" fmla="*/ 5779438 w 6053670"/>
+              <a:gd name="connsiteY50" fmla="*/ 46733 h 5581866"/>
+              <a:gd name="connsiteX51" fmla="*/ 5916251 w 6053670"/>
+              <a:gd name="connsiteY51" fmla="*/ 24464 h 5581866"/>
+            </a:gdLst>
+            <a:ahLst/>
+            <a:cxnLst>
+              <a:cxn ang="0">
+                <a:pos x="connsiteX0" y="connsiteY0"/>
+              </a:cxn>
+              <a:cxn ang="0">
+                <a:pos x="connsiteX1" y="connsiteY1"/>
+              </a:cxn>
+              <a:cxn ang="0">
+                <a:pos x="connsiteX2" y="connsiteY2"/>
+              </a:cxn>
+              <a:cxn ang="0">
+                <a:pos x="connsiteX3" y="connsiteY3"/>
+              </a:cxn>
+              <a:cxn ang="0">
+                <a:pos x="connsiteX4" y="connsiteY4"/>
+              </a:cxn>
+              <a:cxn ang="0">
+                <a:pos x="connsiteX5" y="connsiteY5"/>
+              </a:cxn>
+              <a:cxn ang="0">
+                <a:pos x="connsiteX6" y="connsiteY6"/>
+              </a:cxn>
+              <a:cxn ang="0">
+                <a:pos x="connsiteX7" y="connsiteY7"/>
+              </a:cxn>
+              <a:cxn ang="0">
+                <a:pos x="connsiteX8" y="connsiteY8"/>
+              </a:cxn>
+              <a:cxn ang="0">
+                <a:pos x="connsiteX9" y="connsiteY9"/>
+              </a:cxn>
+              <a:cxn ang="0">
+                <a:pos x="connsiteX10" y="connsiteY10"/>
+              </a:cxn>
+              <a:cxn ang="0">
+                <a:pos x="connsiteX11" y="connsiteY11"/>
+              </a:cxn>
+              <a:cxn ang="0">
+                <a:pos x="connsiteX12" y="connsiteY12"/>
+              </a:cxn>
+              <a:cxn ang="0">
+                <a:pos x="connsiteX13" y="connsiteY13"/>
+              </a:cxn>
+              <a:cxn ang="0">
+                <a:pos x="connsiteX14" y="connsiteY14"/>
+              </a:cxn>
+              <a:cxn ang="0">
+                <a:pos x="connsiteX15" y="connsiteY15"/>
+              </a:cxn>
+              <a:cxn ang="0">
+                <a:pos x="connsiteX16" y="connsiteY16"/>
+              </a:cxn>
+              <a:cxn ang="0">
+                <a:pos x="connsiteX17" y="connsiteY17"/>
+              </a:cxn>
+              <a:cxn ang="0">
+                <a:pos x="connsiteX18" y="connsiteY18"/>
+              </a:cxn>
+              <a:cxn ang="0">
+                <a:pos x="connsiteX19" y="connsiteY19"/>
+              </a:cxn>
+              <a:cxn ang="0">
+                <a:pos x="connsiteX20" y="connsiteY20"/>
+              </a:cxn>
+              <a:cxn ang="0">
+                <a:pos x="connsiteX21" y="connsiteY21"/>
+              </a:cxn>
+              <a:cxn ang="0">
+                <a:pos x="connsiteX22" y="connsiteY22"/>
+              </a:cxn>
+              <a:cxn ang="0">
+                <a:pos x="connsiteX23" y="connsiteY23"/>
+              </a:cxn>
+              <a:cxn ang="0">
+                <a:pos x="connsiteX24" y="connsiteY24"/>
+              </a:cxn>
+              <a:cxn ang="0">
+                <a:pos x="connsiteX25" y="connsiteY25"/>
+              </a:cxn>
+              <a:cxn ang="0">
+                <a:pos x="connsiteX26" y="connsiteY26"/>
+              </a:cxn>
+              <a:cxn ang="0">
+                <a:pos x="connsiteX27" y="connsiteY27"/>
+              </a:cxn>
+              <a:cxn ang="0">
+                <a:pos x="connsiteX28" y="connsiteY28"/>
+              </a:cxn>
+              <a:cxn ang="0">
+                <a:pos x="connsiteX29" y="connsiteY29"/>
+              </a:cxn>
+              <a:cxn ang="0">
+                <a:pos x="connsiteX30" y="connsiteY30"/>
+              </a:cxn>
+              <a:cxn ang="0">
+                <a:pos x="connsiteX31" y="connsiteY31"/>
+              </a:cxn>
+              <a:cxn ang="0">
+                <a:pos x="connsiteX32" y="connsiteY32"/>
+              </a:cxn>
+              <a:cxn ang="0">
+                <a:pos x="connsiteX33" y="connsiteY33"/>
+              </a:cxn>
+              <a:cxn ang="0">
+                <a:pos x="connsiteX34" y="connsiteY34"/>
+              </a:cxn>
+              <a:cxn ang="0">
+                <a:pos x="connsiteX35" y="connsiteY35"/>
+              </a:cxn>
+              <a:cxn ang="0">
+                <a:pos x="connsiteX36" y="connsiteY36"/>
+              </a:cxn>
+              <a:cxn ang="0">
+                <a:pos x="connsiteX37" y="connsiteY37"/>
+              </a:cxn>
+              <a:cxn ang="0">
+                <a:pos x="connsiteX38" y="connsiteY38"/>
+              </a:cxn>
+              <a:cxn ang="0">
+                <a:pos x="connsiteX39" y="connsiteY39"/>
+              </a:cxn>
+              <a:cxn ang="0">
+                <a:pos x="connsiteX40" y="connsiteY40"/>
+              </a:cxn>
+              <a:cxn ang="0">
+                <a:pos x="connsiteX41" y="connsiteY41"/>
+              </a:cxn>
+              <a:cxn ang="0">
+                <a:pos x="connsiteX42" y="connsiteY42"/>
+              </a:cxn>
+              <a:cxn ang="0">
+                <a:pos x="connsiteX43" y="connsiteY43"/>
+              </a:cxn>
+              <a:cxn ang="0">
+                <a:pos x="connsiteX44" y="connsiteY44"/>
+              </a:cxn>
+              <a:cxn ang="0">
+                <a:pos x="connsiteX45" y="connsiteY45"/>
+              </a:cxn>
+              <a:cxn ang="0">
+                <a:pos x="connsiteX46" y="connsiteY46"/>
+              </a:cxn>
+              <a:cxn ang="0">
+                <a:pos x="connsiteX47" y="connsiteY47"/>
+              </a:cxn>
+              <a:cxn ang="0">
+                <a:pos x="connsiteX48" y="connsiteY48"/>
+              </a:cxn>
+              <a:cxn ang="0">
+                <a:pos x="connsiteX49" y="connsiteY49"/>
+              </a:cxn>
+              <a:cxn ang="0">
+                <a:pos x="connsiteX50" y="connsiteY50"/>
+              </a:cxn>
+              <a:cxn ang="0">
+                <a:pos x="connsiteX51" y="connsiteY51"/>
+              </a:cxn>
+            </a:cxnLst>
+            <a:rect l="l" t="t" r="r" b="b"/>
+            <a:pathLst>
+              <a:path w="6053670" h="5581866">
+                <a:moveTo>
+                  <a:pt x="6053670" y="1098"/>
+                </a:moveTo>
+                <a:lnTo>
+                  <a:pt x="6053670" y="514028"/>
+                </a:lnTo>
+                <a:lnTo>
+                  <a:pt x="6053670" y="1254558"/>
+                </a:lnTo>
+                <a:lnTo>
+                  <a:pt x="6053670" y="5581866"/>
+                </a:lnTo>
+                <a:lnTo>
+                  <a:pt x="0" y="5581866"/>
+                </a:lnTo>
+                <a:lnTo>
+                  <a:pt x="0" y="1249853"/>
+                </a:lnTo>
+                <a:lnTo>
+                  <a:pt x="0" y="514028"/>
+                </a:lnTo>
+                <a:lnTo>
+                  <a:pt x="0" y="0"/>
+                </a:lnTo>
+                <a:lnTo>
+                  <a:pt x="35717" y="5488"/>
+                </a:lnTo>
+                <a:lnTo>
+                  <a:pt x="140445" y="21641"/>
+                </a:lnTo>
+                <a:lnTo>
+                  <a:pt x="216722" y="32932"/>
+                </a:lnTo>
+                <a:lnTo>
+                  <a:pt x="307527" y="44850"/>
+                </a:lnTo>
+                <a:lnTo>
+                  <a:pt x="415282" y="59121"/>
+                </a:lnTo>
+                <a:lnTo>
+                  <a:pt x="534539" y="74175"/>
+                </a:lnTo>
+                <a:lnTo>
+                  <a:pt x="668931" y="90014"/>
+                </a:lnTo>
+                <a:lnTo>
+                  <a:pt x="815430" y="106794"/>
+                </a:lnTo>
+                <a:lnTo>
+                  <a:pt x="974641" y="123574"/>
+                </a:lnTo>
+                <a:lnTo>
+                  <a:pt x="1144144" y="140667"/>
+                </a:lnTo>
+                <a:lnTo>
+                  <a:pt x="1326965" y="156506"/>
+                </a:lnTo>
+                <a:lnTo>
+                  <a:pt x="1518261" y="171717"/>
+                </a:lnTo>
+                <a:lnTo>
+                  <a:pt x="1720453" y="185518"/>
+                </a:lnTo>
+                <a:lnTo>
+                  <a:pt x="1931121" y="198690"/>
+                </a:lnTo>
+                <a:lnTo>
+                  <a:pt x="2150869" y="211079"/>
+                </a:lnTo>
+                <a:lnTo>
+                  <a:pt x="2263467" y="215470"/>
+                </a:lnTo>
+                <a:lnTo>
+                  <a:pt x="2378487" y="220332"/>
+                </a:lnTo>
+                <a:lnTo>
+                  <a:pt x="2495323" y="224879"/>
+                </a:lnTo>
+                <a:lnTo>
+                  <a:pt x="2612764" y="227859"/>
+                </a:lnTo>
+                <a:lnTo>
+                  <a:pt x="2732627" y="230525"/>
+                </a:lnTo>
+                <a:lnTo>
+                  <a:pt x="2853700" y="233348"/>
+                </a:lnTo>
+                <a:lnTo>
+                  <a:pt x="2977195" y="235229"/>
+                </a:lnTo>
+                <a:lnTo>
+                  <a:pt x="3101900" y="235229"/>
+                </a:lnTo>
+                <a:lnTo>
+                  <a:pt x="3227817" y="236170"/>
+                </a:lnTo>
+                <a:lnTo>
+                  <a:pt x="3354944" y="235229"/>
+                </a:lnTo>
+                <a:lnTo>
+                  <a:pt x="3483887" y="233348"/>
+                </a:lnTo>
+                <a:lnTo>
+                  <a:pt x="3612830" y="231623"/>
+                </a:lnTo>
+                <a:lnTo>
+                  <a:pt x="3743589" y="227859"/>
+                </a:lnTo>
+                <a:lnTo>
+                  <a:pt x="3875559" y="223938"/>
+                </a:lnTo>
+                <a:lnTo>
+                  <a:pt x="4007529" y="219391"/>
+                </a:lnTo>
+                <a:lnTo>
+                  <a:pt x="4140710" y="212961"/>
+                </a:lnTo>
+                <a:lnTo>
+                  <a:pt x="4275102" y="205277"/>
+                </a:lnTo>
+                <a:lnTo>
+                  <a:pt x="4410098" y="197907"/>
+                </a:lnTo>
+                <a:lnTo>
+                  <a:pt x="4545096" y="188498"/>
+                </a:lnTo>
+                <a:lnTo>
+                  <a:pt x="4681909" y="177207"/>
+                </a:lnTo>
+                <a:lnTo>
+                  <a:pt x="4816905" y="165916"/>
+                </a:lnTo>
+                <a:lnTo>
+                  <a:pt x="4954323" y="152899"/>
+                </a:lnTo>
+                <a:lnTo>
+                  <a:pt x="5092347" y="138629"/>
+                </a:lnTo>
+                <a:lnTo>
+                  <a:pt x="5228555" y="123574"/>
+                </a:lnTo>
+                <a:lnTo>
+                  <a:pt x="5366578" y="106010"/>
+                </a:lnTo>
+                <a:lnTo>
+                  <a:pt x="5503997" y="87192"/>
+                </a:lnTo>
+                <a:lnTo>
+                  <a:pt x="5642020" y="68530"/>
+                </a:lnTo>
+                <a:lnTo>
+                  <a:pt x="5779438" y="46733"/>
+                </a:lnTo>
+                <a:lnTo>
+                  <a:pt x="5916251" y="24464"/>
+                </a:lnTo>
+                <a:close/>
+              </a:path>
+            </a:pathLst>
+          </a:custGeom>
+          <a:solidFill>
+            <a:schemeClr val="tx1"/>
+          </a:solidFill>
+          <a:ln>
+            <a:noFill/>
+          </a:ln>
+        </p:spPr>
+      </p:sp>
+      <p:sp>
+        <p:nvSpPr>
+          <p:cNvPr id="32" name="Freeform 5">
+            <a:extLst>
+              <a:ext uri="{FF2B5EF4-FFF2-40B4-BE49-F238E27FC236}">
+                <a16:creationId xmlns:a16="http://schemas.microsoft.com/office/drawing/2014/main" id="{B5C860C9-D4F9-4350-80DA-0D1CD36C7741}"/>
+              </a:ext>
+              <a:ext uri="{C183D7F6-B498-43B3-948B-1728B52AA6E4}">
+                <adec:decorative xmlns:adec="http://schemas.microsoft.com/office/drawing/2017/decorative" val="1"/>
+              </a:ext>
+            </a:extLst>
+          </p:cNvPr>
+          <p:cNvSpPr>
+            <a:spLocks noGrp="1" noRot="1" noChangeAspect="1" noMove="1" noResize="1" noEditPoints="1" noAdjustHandles="1" noChangeArrowheads="1" noChangeShapeType="1" noTextEdit="1"/>
+          </p:cNvSpPr>
+          <p:nvPr>
+            <p:extLst>
+              <p:ext uri="{386F3935-93C4-4BCD-93E2-E3B085C9AB24}">
+                <p16:designElem xmlns:p16="http://schemas.microsoft.com/office/powerpoint/2015/main" val="1"/>
+              </p:ext>
+            </p:extLst>
+          </p:nvPr>
+        </p:nvSpPr>
+        <p:spPr bwMode="gray">
+          <a:xfrm>
+            <a:off x="0" y="1587"/>
+            <a:ext cx="12192000" cy="6856413"/>
+          </a:xfrm>
+          <a:custGeom>
+            <a:avLst/>
+            <a:gdLst/>
+            <a:ahLst/>
+            <a:cxnLst/>
+            <a:rect l="0" t="0" r="r" b="b"/>
+            <a:pathLst>
+              <a:path w="15356" h="8638">
+                <a:moveTo>
+                  <a:pt x="0" y="0"/>
+                </a:moveTo>
+                <a:lnTo>
+                  <a:pt x="0" y="8638"/>
+                </a:lnTo>
+                <a:lnTo>
+                  <a:pt x="15356" y="8638"/>
+                </a:lnTo>
+                <a:lnTo>
+                  <a:pt x="15356" y="0"/>
+                </a:lnTo>
+                <a:lnTo>
+                  <a:pt x="0" y="0"/>
+                </a:lnTo>
+                <a:close/>
+                <a:moveTo>
+                  <a:pt x="14748" y="8038"/>
+                </a:moveTo>
+                <a:lnTo>
+                  <a:pt x="600" y="8038"/>
+                </a:lnTo>
+                <a:lnTo>
+                  <a:pt x="600" y="592"/>
+                </a:lnTo>
+                <a:lnTo>
+                  <a:pt x="14748" y="592"/>
+                </a:lnTo>
+                <a:lnTo>
+                  <a:pt x="14748" y="8038"/>
+                </a:lnTo>
+                <a:close/>
+              </a:path>
+            </a:pathLst>
+          </a:custGeom>
+          <a:solidFill>
+            <a:schemeClr val="tx1"/>
+          </a:solidFill>
+          <a:ln>
+            <a:noFill/>
+          </a:ln>
+        </p:spPr>
+      </p:sp>
+      <p:sp>
+        <p:nvSpPr>
+          <p:cNvPr id="2" name="Title 1">
+            <a:extLst>
+              <a:ext uri="{FF2B5EF4-FFF2-40B4-BE49-F238E27FC236}">
+                <a16:creationId xmlns:a16="http://schemas.microsoft.com/office/drawing/2014/main" id="{88E7F90C-823D-405B-8211-193E3AF5618B}"/>
+              </a:ext>
+            </a:extLst>
+          </p:cNvPr>
+          <p:cNvSpPr>
+            <a:spLocks noGrp="1"/>
+          </p:cNvSpPr>
+          <p:nvPr>
+            <p:ph type="title"/>
+          </p:nvPr>
+        </p:nvSpPr>
+        <p:spPr>
+          <a:xfrm>
+            <a:off x="639098" y="629265"/>
+            <a:ext cx="5132438" cy="1622322"/>
+          </a:xfrm>
+        </p:spPr>
+        <p:txBody>
+          <a:bodyPr>
+            <a:normAutofit/>
+          </a:bodyPr>
+          <a:lstStyle/>
+          <a:p>
+            <a:r>
+              <a:rPr lang="en-US" dirty="0">
+                <a:solidFill>
+                  <a:srgbClr val="EBEBEB"/>
+                </a:solidFill>
+              </a:rPr>
+              <a:t>Transfer Learning</a:t>
+            </a:r>
+          </a:p>
+        </p:txBody>
+      </p:sp>
+      <p:pic>
+        <p:nvPicPr>
+          <p:cNvPr id="4" name="Picture 4" descr="Graphical user interface, text, application, email&#10;&#10;Description automatically generated">
+            <a:extLst>
+              <a:ext uri="{FF2B5EF4-FFF2-40B4-BE49-F238E27FC236}">
+                <a16:creationId xmlns:a16="http://schemas.microsoft.com/office/drawing/2014/main" id="{4E412636-FBA0-47CF-A1DA-32E01BAB9CD5}"/>
+              </a:ext>
+            </a:extLst>
+          </p:cNvPr>
+          <p:cNvPicPr>
+            <a:picLocks noChangeAspect="1"/>
+          </p:cNvPicPr>
+          <p:nvPr/>
+        </p:nvPicPr>
+        <p:blipFill>
+          <a:blip r:embed="rId2"/>
+          <a:stretch>
+            <a:fillRect/>
+          </a:stretch>
+        </p:blipFill>
+        <p:spPr>
+          <a:xfrm>
+            <a:off x="6431808" y="1254564"/>
+            <a:ext cx="5547163" cy="5106681"/>
+          </a:xfrm>
+          <a:prstGeom prst="rect">
+            <a:avLst/>
+          </a:prstGeom>
+        </p:spPr>
+      </p:pic>
+      <p:sp>
+        <p:nvSpPr>
+          <p:cNvPr id="34" name="Rectangle 33">
+            <a:extLst>
+              <a:ext uri="{FF2B5EF4-FFF2-40B4-BE49-F238E27FC236}">
+                <a16:creationId xmlns:a16="http://schemas.microsoft.com/office/drawing/2014/main" id="{538A90C8-AE0E-4EBA-9AF8-EEDB206020E0}"/>
+              </a:ext>
+              <a:ext uri="{C183D7F6-B498-43B3-948B-1728B52AA6E4}">
+                <adec:decorative xmlns:adec="http://schemas.microsoft.com/office/drawing/2017/decorative" val="1"/>
+              </a:ext>
+            </a:extLst>
+          </p:cNvPr>
+          <p:cNvSpPr>
+            <a:spLocks noGrp="1" noRot="1" noChangeAspect="1" noMove="1" noResize="1" noEditPoints="1" noAdjustHandles="1" noChangeArrowheads="1" noChangeShapeType="1" noTextEdit="1"/>
+          </p:cNvSpPr>
+          <p:nvPr>
+            <p:extLst>
+              <p:ext uri="{386F3935-93C4-4BCD-93E2-E3B085C9AB24}">
+                <p16:designElem xmlns:p16="http://schemas.microsoft.com/office/powerpoint/2015/main" val="1"/>
+              </p:ext>
+            </p:extLst>
+          </p:nvPr>
+        </p:nvSpPr>
+        <p:spPr>
+          <a:xfrm>
+            <a:off x="10437812" y="0"/>
+            <a:ext cx="685800" cy="1143000"/>
+          </a:xfrm>
+          <a:prstGeom prst="rect">
+            <a:avLst/>
+          </a:prstGeom>
+          <a:solidFill>
+            <a:schemeClr val="accent1"/>
+          </a:solidFill>
+          <a:ln>
+            <a:noFill/>
+          </a:ln>
+        </p:spPr>
+        <p:style>
+          <a:lnRef idx="1">
+            <a:schemeClr val="accent1"/>
+          </a:lnRef>
+          <a:fillRef idx="3">
+            <a:schemeClr val="accent1"/>
+          </a:fillRef>
+          <a:effectRef idx="2">
+            <a:schemeClr val="accent1"/>
+          </a:effectRef>
+          <a:fontRef idx="minor">
+            <a:schemeClr val="lt1"/>
+          </a:fontRef>
+        </p:style>
+      </p:sp>
+      <p:sp>
+        <p:nvSpPr>
+          <p:cNvPr id="3" name="Content Placeholder 2">
+            <a:extLst>
+              <a:ext uri="{FF2B5EF4-FFF2-40B4-BE49-F238E27FC236}">
+                <a16:creationId xmlns:a16="http://schemas.microsoft.com/office/drawing/2014/main" id="{9190949C-A19F-4031-A5FE-54CA18656B61}"/>
+              </a:ext>
+            </a:extLst>
+          </p:cNvPr>
+          <p:cNvSpPr>
+            <a:spLocks noGrp="1"/>
+          </p:cNvSpPr>
+          <p:nvPr>
+            <p:ph idx="1"/>
+          </p:nvPr>
+        </p:nvSpPr>
+        <p:spPr>
+          <a:xfrm>
+            <a:off x="639098" y="2418735"/>
+            <a:ext cx="5132439" cy="3811742"/>
+          </a:xfrm>
+        </p:spPr>
+        <p:txBody>
+          <a:bodyPr anchor="ctr">
+            <a:normAutofit/>
+          </a:bodyPr>
+          <a:lstStyle/>
+          <a:p>
+            <a:r>
+              <a:rPr lang="en-US">
+                <a:solidFill>
+                  <a:srgbClr val="FFFFFF"/>
+                </a:solidFill>
+              </a:rPr>
+              <a:t>Using a pre-trained MobileNetV2 model for transfer learning with FER2013. </a:t>
+            </a:r>
+          </a:p>
+          <a:p>
+            <a:r>
+              <a:rPr lang="en-US">
+                <a:solidFill>
+                  <a:srgbClr val="FFFFFF"/>
+                </a:solidFill>
+              </a:rPr>
+              <a:t>The model contains 3,538,984 parameters out of which 3,504,872 trainable parameters. Trained the model for 50 epochs with learning rate as 0.001, Adam optimizer and loss function as categorical cross entropy</a:t>
+            </a:r>
+          </a:p>
+          <a:p>
+            <a:r>
+              <a:rPr lang="en-US">
+                <a:solidFill>
+                  <a:srgbClr val="FFFFFF"/>
+                </a:solidFill>
+              </a:rPr>
+              <a:t>the training accuracy of the model is 95%, validation accuracy is 90.2% and testing accuracy is 66.4%. </a:t>
+            </a:r>
+          </a:p>
+        </p:txBody>
+      </p:sp>
+    </p:spTree>
+    <p:extLst>
+      <p:ext uri="{BB962C8B-B14F-4D97-AF65-F5344CB8AC3E}">
+        <p14:creationId xmlns:p14="http://schemas.microsoft.com/office/powerpoint/2010/main" val="2836447898"/>
+      </p:ext>
+    </p:extLst>
+  </p:cSld>
+  <p:clrMapOvr>
+    <a:overrideClrMapping bg1="dk1" tx1="lt1" bg2="dk2" tx2="lt2" accent1="accent1" accent2="accent2" accent3="accent3" accent4="accent4" accent5="accent5" accent6="accent6" hlink="hlink" folHlink="folHlink"/>
+  </p:clrMapOvr>
+</p:sld>
+</file>
+
+<file path=ppt/slides/slide7.xml><?xml version="1.0" encoding="utf-8"?>
+<p:sld xmlns:a="http://schemas.openxmlformats.org/drawingml/2006/main" xmlns:r="http://schemas.openxmlformats.org/officeDocument/2006/relationships" xmlns:p="http://schemas.openxmlformats.org/presentationml/2006/main">
+  <p:cSld>
+    <p:bg>
+      <p:bgPr>
+        <a:solidFill>
+          <a:schemeClr val="bg1"/>
+        </a:solidFill>
+        <a:effectLst/>
+      </p:bgPr>
+    </p:bg>
+    <p:spTree>
+      <p:nvGrpSpPr>
+        <p:cNvPr id="1" name=""/>
+        <p:cNvGrpSpPr/>
+        <p:nvPr/>
+      </p:nvGrpSpPr>
+      <p:grpSpPr>
+        <a:xfrm>
+          <a:off x="0" y="0"/>
+          <a:ext cx="0" cy="0"/>
+          <a:chOff x="0" y="0"/>
+          <a:chExt cx="0" cy="0"/>
+        </a:xfrm>
+      </p:grpSpPr>
+      <p:sp>
+        <p:nvSpPr>
+          <p:cNvPr id="10" name="Rectangle 9">
+            <a:extLst>
+              <a:ext uri="{FF2B5EF4-FFF2-40B4-BE49-F238E27FC236}">
+                <a16:creationId xmlns:a16="http://schemas.microsoft.com/office/drawing/2014/main" id="{F70C2B8F-6B1B-46D5-86E6-40F36C695FC2}"/>
+              </a:ext>
+              <a:ext uri="{C183D7F6-B498-43B3-948B-1728B52AA6E4}">
+                <adec:decorative xmlns:adec="http://schemas.microsoft.com/office/drawing/2017/decorative" val="1"/>
+              </a:ext>
+            </a:extLst>
+          </p:cNvPr>
+          <p:cNvSpPr>
+            <a:spLocks noGrp="1" noRot="1" noChangeAspect="1" noMove="1" noResize="1" noEditPoints="1" noAdjustHandles="1" noChangeArrowheads="1" noChangeShapeType="1" noTextEdit="1"/>
+          </p:cNvSpPr>
+          <p:nvPr>
+            <p:extLst>
+              <p:ext uri="{386F3935-93C4-4BCD-93E2-E3B085C9AB24}">
+                <p16:designElem xmlns:p16="http://schemas.microsoft.com/office/powerpoint/2015/main" val="1"/>
+              </p:ext>
+            </p:extLst>
+          </p:nvPr>
+        </p:nvSpPr>
+        <p:spPr>
+          <a:xfrm>
+            <a:off x="0" y="0"/>
+            <a:ext cx="12192000" cy="6858000"/>
+          </a:xfrm>
+          <a:prstGeom prst="rect">
+            <a:avLst/>
+          </a:prstGeom>
+          <a:ln>
+            <a:noFill/>
+          </a:ln>
+        </p:spPr>
+        <p:style>
+          <a:lnRef idx="2">
+            <a:schemeClr val="accent1">
+              <a:shade val="50000"/>
+            </a:schemeClr>
+          </a:lnRef>
+          <a:fillRef idx="1003">
+            <a:schemeClr val="dk2"/>
+          </a:fillRef>
+          <a:effectRef idx="0">
+            <a:schemeClr val="accent1"/>
+          </a:effectRef>
+          <a:fontRef idx="minor">
+            <a:schemeClr val="lt1"/>
+          </a:fontRef>
+        </p:style>
+      </p:sp>
+      <p:sp>
+        <p:nvSpPr>
+          <p:cNvPr id="12" name="Freeform 5">
+            <a:extLst>
+              <a:ext uri="{FF2B5EF4-FFF2-40B4-BE49-F238E27FC236}">
+                <a16:creationId xmlns:a16="http://schemas.microsoft.com/office/drawing/2014/main" id="{DB521824-592C-476A-AB0A-CA0C6D1F3407}"/>
+              </a:ext>
+              <a:ext uri="{C183D7F6-B498-43B3-948B-1728B52AA6E4}">
+                <adec:decorative xmlns:adec="http://schemas.microsoft.com/office/drawing/2017/decorative" val="1"/>
+              </a:ext>
+            </a:extLst>
+          </p:cNvPr>
+          <p:cNvSpPr>
+            <a:spLocks noGrp="1" noRot="1" noChangeAspect="1" noMove="1" noResize="1" noEditPoints="1" noAdjustHandles="1" noChangeArrowheads="1" noChangeShapeType="1" noTextEdit="1"/>
+          </p:cNvSpPr>
+          <p:nvPr>
+            <p:extLst>
+              <p:ext uri="{386F3935-93C4-4BCD-93E2-E3B085C9AB24}">
+                <p16:designElem xmlns:p16="http://schemas.microsoft.com/office/powerpoint/2015/main" val="1"/>
+              </p:ext>
+            </p:extLst>
+          </p:nvPr>
+        </p:nvSpPr>
+        <p:spPr bwMode="gray">
+          <a:xfrm rot="15922489">
+            <a:off x="4698352" y="1826078"/>
+            <a:ext cx="3299407" cy="440924"/>
+          </a:xfrm>
+          <a:custGeom>
+            <a:avLst/>
+            <a:gdLst/>
+            <a:ahLst/>
+            <a:cxnLst/>
+            <a:rect l="l" t="t" r="r" b="b"/>
+            <a:pathLst>
+              <a:path w="10000" h="5291">
+                <a:moveTo>
+                  <a:pt x="85" y="2532"/>
+                </a:moveTo>
+                <a:cubicBezTo>
+                  <a:pt x="1736" y="3911"/>
+                  <a:pt x="7524" y="5298"/>
+                  <a:pt x="9958" y="5291"/>
+                </a:cubicBezTo>
+                <a:cubicBezTo>
+                  <a:pt x="9989" y="1958"/>
+                  <a:pt x="9969" y="3333"/>
+                  <a:pt x="10000" y="0"/>
+                </a:cubicBezTo>
+                <a:lnTo>
+                  <a:pt x="10000" y="0"/>
+                </a:lnTo>
+                <a:lnTo>
+                  <a:pt x="9667" y="204"/>
+                </a:lnTo>
+                <a:lnTo>
+                  <a:pt x="9334" y="400"/>
+                </a:lnTo>
+                <a:lnTo>
+                  <a:pt x="9001" y="590"/>
+                </a:lnTo>
+                <a:lnTo>
+                  <a:pt x="8667" y="753"/>
+                </a:lnTo>
+                <a:lnTo>
+                  <a:pt x="8333" y="917"/>
+                </a:lnTo>
+                <a:lnTo>
+                  <a:pt x="7999" y="1071"/>
+                </a:lnTo>
+                <a:lnTo>
+                  <a:pt x="7669" y="1202"/>
+                </a:lnTo>
+                <a:lnTo>
+                  <a:pt x="7333" y="1325"/>
+                </a:lnTo>
+                <a:lnTo>
+                  <a:pt x="7000" y="1440"/>
+                </a:lnTo>
+                <a:lnTo>
+                  <a:pt x="6673" y="1538"/>
+                </a:lnTo>
+                <a:lnTo>
+                  <a:pt x="6340" y="1636"/>
+                </a:lnTo>
+                <a:lnTo>
+                  <a:pt x="6013" y="1719"/>
+                </a:lnTo>
+                <a:lnTo>
+                  <a:pt x="5686" y="1784"/>
+                </a:lnTo>
+                <a:lnTo>
+                  <a:pt x="5359" y="1850"/>
+                </a:lnTo>
+                <a:lnTo>
+                  <a:pt x="5036" y="1906"/>
+                </a:lnTo>
+                <a:lnTo>
+                  <a:pt x="4717" y="1948"/>
+                </a:lnTo>
+                <a:lnTo>
+                  <a:pt x="4396" y="1980"/>
+                </a:lnTo>
+                <a:lnTo>
+                  <a:pt x="4079" y="2013"/>
+                </a:lnTo>
+                <a:lnTo>
+                  <a:pt x="3766" y="2029"/>
+                </a:lnTo>
+                <a:lnTo>
+                  <a:pt x="3454" y="2046"/>
+                </a:lnTo>
+                <a:lnTo>
+                  <a:pt x="3145" y="2053"/>
+                </a:lnTo>
+                <a:lnTo>
+                  <a:pt x="2839" y="2046"/>
+                </a:lnTo>
+                <a:lnTo>
+                  <a:pt x="2537" y="2046"/>
+                </a:lnTo>
+                <a:lnTo>
+                  <a:pt x="2238" y="2029"/>
+                </a:lnTo>
+                <a:lnTo>
+                  <a:pt x="1943" y="2004"/>
+                </a:lnTo>
+                <a:lnTo>
+                  <a:pt x="1653" y="1980"/>
+                </a:lnTo>
+                <a:lnTo>
+                  <a:pt x="1368" y="1955"/>
+                </a:lnTo>
+                <a:lnTo>
+                  <a:pt x="1085" y="1915"/>
+                </a:lnTo>
+                <a:lnTo>
+                  <a:pt x="806" y="1873"/>
+                </a:lnTo>
+                <a:lnTo>
+                  <a:pt x="533" y="1833"/>
+                </a:lnTo>
+                <a:lnTo>
+                  <a:pt x="0" y="1726"/>
+                </a:lnTo>
+                <a:cubicBezTo>
+                  <a:pt x="28" y="1995"/>
+                  <a:pt x="57" y="2263"/>
+                  <a:pt x="85" y="2532"/>
+                </a:cubicBezTo>
+                <a:close/>
+              </a:path>
+            </a:pathLst>
+          </a:custGeom>
+          <a:solidFill>
+            <a:schemeClr val="tx1">
+              <a:alpha val="20000"/>
+            </a:schemeClr>
+          </a:solidFill>
+          <a:ln>
+            <a:noFill/>
+          </a:ln>
+        </p:spPr>
+      </p:sp>
+      <p:sp>
+        <p:nvSpPr>
+          <p:cNvPr id="14" name="Freeform: Shape 13">
+            <a:extLst>
+              <a:ext uri="{FF2B5EF4-FFF2-40B4-BE49-F238E27FC236}">
+                <a16:creationId xmlns:a16="http://schemas.microsoft.com/office/drawing/2014/main" id="{A2749EFA-8EE4-4EB8-9424-8E593B9320AD}"/>
+              </a:ext>
+              <a:ext uri="{C183D7F6-B498-43B3-948B-1728B52AA6E4}">
+                <adec:decorative xmlns:adec="http://schemas.microsoft.com/office/drawing/2017/decorative" val="1"/>
+              </a:ext>
+            </a:extLst>
+          </p:cNvPr>
+          <p:cNvSpPr>
+            <a:spLocks noGrp="1" noRot="1" noChangeAspect="1" noMove="1" noResize="1" noEditPoints="1" noAdjustHandles="1" noChangeArrowheads="1" noChangeShapeType="1" noTextEdit="1"/>
+          </p:cNvSpPr>
+          <p:nvPr>
+            <p:extLst>
+              <p:ext uri="{386F3935-93C4-4BCD-93E2-E3B085C9AB24}">
+                <p16:designElem xmlns:p16="http://schemas.microsoft.com/office/powerpoint/2015/main" val="1"/>
+              </p:ext>
+            </p:extLst>
+          </p:nvPr>
+        </p:nvSpPr>
+        <p:spPr bwMode="gray">
+          <a:xfrm rot="16200000">
+            <a:off x="5950898" y="638067"/>
+            <a:ext cx="6053670" cy="5581866"/>
+          </a:xfrm>
+          <a:custGeom>
+            <a:avLst/>
+            <a:gdLst>
+              <a:gd name="connsiteX0" fmla="*/ 6053670 w 6053670"/>
+              <a:gd name="connsiteY0" fmla="*/ 1098 h 5581866"/>
+              <a:gd name="connsiteX1" fmla="*/ 6053670 w 6053670"/>
+              <a:gd name="connsiteY1" fmla="*/ 514028 h 5581866"/>
+              <a:gd name="connsiteX2" fmla="*/ 6053670 w 6053670"/>
+              <a:gd name="connsiteY2" fmla="*/ 1254558 h 5581866"/>
+              <a:gd name="connsiteX3" fmla="*/ 6053670 w 6053670"/>
+              <a:gd name="connsiteY3" fmla="*/ 5581866 h 5581866"/>
+              <a:gd name="connsiteX4" fmla="*/ 0 w 6053670"/>
+              <a:gd name="connsiteY4" fmla="*/ 5581866 h 5581866"/>
+              <a:gd name="connsiteX5" fmla="*/ 0 w 6053670"/>
+              <a:gd name="connsiteY5" fmla="*/ 1249853 h 5581866"/>
+              <a:gd name="connsiteX6" fmla="*/ 0 w 6053670"/>
+              <a:gd name="connsiteY6" fmla="*/ 514028 h 5581866"/>
+              <a:gd name="connsiteX7" fmla="*/ 0 w 6053670"/>
+              <a:gd name="connsiteY7" fmla="*/ 0 h 5581866"/>
+              <a:gd name="connsiteX8" fmla="*/ 35717 w 6053670"/>
+              <a:gd name="connsiteY8" fmla="*/ 5488 h 5581866"/>
+              <a:gd name="connsiteX9" fmla="*/ 140445 w 6053670"/>
+              <a:gd name="connsiteY9" fmla="*/ 21641 h 5581866"/>
+              <a:gd name="connsiteX10" fmla="*/ 216722 w 6053670"/>
+              <a:gd name="connsiteY10" fmla="*/ 32932 h 5581866"/>
+              <a:gd name="connsiteX11" fmla="*/ 307527 w 6053670"/>
+              <a:gd name="connsiteY11" fmla="*/ 44850 h 5581866"/>
+              <a:gd name="connsiteX12" fmla="*/ 415282 w 6053670"/>
+              <a:gd name="connsiteY12" fmla="*/ 59121 h 5581866"/>
+              <a:gd name="connsiteX13" fmla="*/ 534539 w 6053670"/>
+              <a:gd name="connsiteY13" fmla="*/ 74175 h 5581866"/>
+              <a:gd name="connsiteX14" fmla="*/ 668931 w 6053670"/>
+              <a:gd name="connsiteY14" fmla="*/ 90014 h 5581866"/>
+              <a:gd name="connsiteX15" fmla="*/ 815430 w 6053670"/>
+              <a:gd name="connsiteY15" fmla="*/ 106794 h 5581866"/>
+              <a:gd name="connsiteX16" fmla="*/ 974641 w 6053670"/>
+              <a:gd name="connsiteY16" fmla="*/ 123574 h 5581866"/>
+              <a:gd name="connsiteX17" fmla="*/ 1144144 w 6053670"/>
+              <a:gd name="connsiteY17" fmla="*/ 140667 h 5581866"/>
+              <a:gd name="connsiteX18" fmla="*/ 1326965 w 6053670"/>
+              <a:gd name="connsiteY18" fmla="*/ 156506 h 5581866"/>
+              <a:gd name="connsiteX19" fmla="*/ 1518261 w 6053670"/>
+              <a:gd name="connsiteY19" fmla="*/ 171717 h 5581866"/>
+              <a:gd name="connsiteX20" fmla="*/ 1720453 w 6053670"/>
+              <a:gd name="connsiteY20" fmla="*/ 185518 h 5581866"/>
+              <a:gd name="connsiteX21" fmla="*/ 1931121 w 6053670"/>
+              <a:gd name="connsiteY21" fmla="*/ 198690 h 5581866"/>
+              <a:gd name="connsiteX22" fmla="*/ 2150869 w 6053670"/>
+              <a:gd name="connsiteY22" fmla="*/ 211079 h 5581866"/>
+              <a:gd name="connsiteX23" fmla="*/ 2263467 w 6053670"/>
+              <a:gd name="connsiteY23" fmla="*/ 215470 h 5581866"/>
+              <a:gd name="connsiteX24" fmla="*/ 2378487 w 6053670"/>
+              <a:gd name="connsiteY24" fmla="*/ 220332 h 5581866"/>
+              <a:gd name="connsiteX25" fmla="*/ 2495323 w 6053670"/>
+              <a:gd name="connsiteY25" fmla="*/ 224879 h 5581866"/>
+              <a:gd name="connsiteX26" fmla="*/ 2612764 w 6053670"/>
+              <a:gd name="connsiteY26" fmla="*/ 227859 h 5581866"/>
+              <a:gd name="connsiteX27" fmla="*/ 2732627 w 6053670"/>
+              <a:gd name="connsiteY27" fmla="*/ 230525 h 5581866"/>
+              <a:gd name="connsiteX28" fmla="*/ 2853700 w 6053670"/>
+              <a:gd name="connsiteY28" fmla="*/ 233348 h 5581866"/>
+              <a:gd name="connsiteX29" fmla="*/ 2977195 w 6053670"/>
+              <a:gd name="connsiteY29" fmla="*/ 235229 h 5581866"/>
+              <a:gd name="connsiteX30" fmla="*/ 3101900 w 6053670"/>
+              <a:gd name="connsiteY30" fmla="*/ 235229 h 5581866"/>
+              <a:gd name="connsiteX31" fmla="*/ 3227817 w 6053670"/>
+              <a:gd name="connsiteY31" fmla="*/ 236170 h 5581866"/>
+              <a:gd name="connsiteX32" fmla="*/ 3354944 w 6053670"/>
+              <a:gd name="connsiteY32" fmla="*/ 235229 h 5581866"/>
+              <a:gd name="connsiteX33" fmla="*/ 3483887 w 6053670"/>
+              <a:gd name="connsiteY33" fmla="*/ 233348 h 5581866"/>
+              <a:gd name="connsiteX34" fmla="*/ 3612830 w 6053670"/>
+              <a:gd name="connsiteY34" fmla="*/ 231623 h 5581866"/>
+              <a:gd name="connsiteX35" fmla="*/ 3743589 w 6053670"/>
+              <a:gd name="connsiteY35" fmla="*/ 227859 h 5581866"/>
+              <a:gd name="connsiteX36" fmla="*/ 3875559 w 6053670"/>
+              <a:gd name="connsiteY36" fmla="*/ 223938 h 5581866"/>
+              <a:gd name="connsiteX37" fmla="*/ 4007529 w 6053670"/>
+              <a:gd name="connsiteY37" fmla="*/ 219391 h 5581866"/>
+              <a:gd name="connsiteX38" fmla="*/ 4140710 w 6053670"/>
+              <a:gd name="connsiteY38" fmla="*/ 212961 h 5581866"/>
+              <a:gd name="connsiteX39" fmla="*/ 4275102 w 6053670"/>
+              <a:gd name="connsiteY39" fmla="*/ 205277 h 5581866"/>
+              <a:gd name="connsiteX40" fmla="*/ 4410098 w 6053670"/>
+              <a:gd name="connsiteY40" fmla="*/ 197907 h 5581866"/>
+              <a:gd name="connsiteX41" fmla="*/ 4545096 w 6053670"/>
+              <a:gd name="connsiteY41" fmla="*/ 188498 h 5581866"/>
+              <a:gd name="connsiteX42" fmla="*/ 4681909 w 6053670"/>
+              <a:gd name="connsiteY42" fmla="*/ 177207 h 5581866"/>
+              <a:gd name="connsiteX43" fmla="*/ 4816905 w 6053670"/>
+              <a:gd name="connsiteY43" fmla="*/ 165916 h 5581866"/>
+              <a:gd name="connsiteX44" fmla="*/ 4954323 w 6053670"/>
+              <a:gd name="connsiteY44" fmla="*/ 152899 h 5581866"/>
+              <a:gd name="connsiteX45" fmla="*/ 5092347 w 6053670"/>
+              <a:gd name="connsiteY45" fmla="*/ 138629 h 5581866"/>
+              <a:gd name="connsiteX46" fmla="*/ 5228555 w 6053670"/>
+              <a:gd name="connsiteY46" fmla="*/ 123574 h 5581866"/>
+              <a:gd name="connsiteX47" fmla="*/ 5366578 w 6053670"/>
+              <a:gd name="connsiteY47" fmla="*/ 106010 h 5581866"/>
+              <a:gd name="connsiteX48" fmla="*/ 5503997 w 6053670"/>
+              <a:gd name="connsiteY48" fmla="*/ 87192 h 5581866"/>
+              <a:gd name="connsiteX49" fmla="*/ 5642020 w 6053670"/>
+              <a:gd name="connsiteY49" fmla="*/ 68530 h 5581866"/>
+              <a:gd name="connsiteX50" fmla="*/ 5779438 w 6053670"/>
+              <a:gd name="connsiteY50" fmla="*/ 46733 h 5581866"/>
+              <a:gd name="connsiteX51" fmla="*/ 5916251 w 6053670"/>
+              <a:gd name="connsiteY51" fmla="*/ 24464 h 5581866"/>
+            </a:gdLst>
+            <a:ahLst/>
+            <a:cxnLst>
+              <a:cxn ang="0">
+                <a:pos x="connsiteX0" y="connsiteY0"/>
+              </a:cxn>
+              <a:cxn ang="0">
+                <a:pos x="connsiteX1" y="connsiteY1"/>
+              </a:cxn>
+              <a:cxn ang="0">
+                <a:pos x="connsiteX2" y="connsiteY2"/>
+              </a:cxn>
+              <a:cxn ang="0">
+                <a:pos x="connsiteX3" y="connsiteY3"/>
+              </a:cxn>
+              <a:cxn ang="0">
+                <a:pos x="connsiteX4" y="connsiteY4"/>
+              </a:cxn>
+              <a:cxn ang="0">
+                <a:pos x="connsiteX5" y="connsiteY5"/>
+              </a:cxn>
+              <a:cxn ang="0">
+                <a:pos x="connsiteX6" y="connsiteY6"/>
+              </a:cxn>
+              <a:cxn ang="0">
+                <a:pos x="connsiteX7" y="connsiteY7"/>
+              </a:cxn>
+              <a:cxn ang="0">
+                <a:pos x="connsiteX8" y="connsiteY8"/>
+              </a:cxn>
+              <a:cxn ang="0">
+                <a:pos x="connsiteX9" y="connsiteY9"/>
+              </a:cxn>
+              <a:cxn ang="0">
+                <a:pos x="connsiteX10" y="connsiteY10"/>
+              </a:cxn>
+              <a:cxn ang="0">
+                <a:pos x="connsiteX11" y="connsiteY11"/>
+              </a:cxn>
+              <a:cxn ang="0">
+                <a:pos x="connsiteX12" y="connsiteY12"/>
+              </a:cxn>
+              <a:cxn ang="0">
+                <a:pos x="connsiteX13" y="connsiteY13"/>
+              </a:cxn>
+              <a:cxn ang="0">
+                <a:pos x="connsiteX14" y="connsiteY14"/>
+              </a:cxn>
+              <a:cxn ang="0">
+                <a:pos x="connsiteX15" y="connsiteY15"/>
+              </a:cxn>
+              <a:cxn ang="0">
+                <a:pos x="connsiteX16" y="connsiteY16"/>
+              </a:cxn>
+              <a:cxn ang="0">
+                <a:pos x="connsiteX17" y="connsiteY17"/>
+              </a:cxn>
+              <a:cxn ang="0">
+                <a:pos x="connsiteX18" y="connsiteY18"/>
+              </a:cxn>
+              <a:cxn ang="0">
+                <a:pos x="connsiteX19" y="connsiteY19"/>
+              </a:cxn>
+              <a:cxn ang="0">
+                <a:pos x="connsiteX20" y="connsiteY20"/>
+              </a:cxn>
+              <a:cxn ang="0">
+                <a:pos x="connsiteX21" y="connsiteY21"/>
+              </a:cxn>
+              <a:cxn ang="0">
+                <a:pos x="connsiteX22" y="connsiteY22"/>
+              </a:cxn>
+              <a:cxn ang="0">
+                <a:pos x="connsiteX23" y="connsiteY23"/>
+              </a:cxn>
+              <a:cxn ang="0">
+                <a:pos x="connsiteX24" y="connsiteY24"/>
+              </a:cxn>
+              <a:cxn ang="0">
+                <a:pos x="connsiteX25" y="connsiteY25"/>
+              </a:cxn>
+              <a:cxn ang="0">
+                <a:pos x="connsiteX26" y="connsiteY26"/>
+              </a:cxn>
+              <a:cxn ang="0">
+                <a:pos x="connsiteX27" y="connsiteY27"/>
+              </a:cxn>
+              <a:cxn ang="0">
+                <a:pos x="connsiteX28" y="connsiteY28"/>
+              </a:cxn>
+              <a:cxn ang="0">
+                <a:pos x="connsiteX29" y="connsiteY29"/>
+              </a:cxn>
+              <a:cxn ang="0">
+                <a:pos x="connsiteX30" y="connsiteY30"/>
+              </a:cxn>
+              <a:cxn ang="0">
+                <a:pos x="connsiteX31" y="connsiteY31"/>
+              </a:cxn>
+              <a:cxn ang="0">
+                <a:pos x="connsiteX32" y="connsiteY32"/>
+              </a:cxn>
+              <a:cxn ang="0">
+                <a:pos x="connsiteX33" y="connsiteY33"/>
+              </a:cxn>
+              <a:cxn ang="0">
+                <a:pos x="connsiteX34" y="connsiteY34"/>
+              </a:cxn>
+              <a:cxn ang="0">
+                <a:pos x="connsiteX35" y="connsiteY35"/>
+              </a:cxn>
+              <a:cxn ang="0">
+                <a:pos x="connsiteX36" y="connsiteY36"/>
+              </a:cxn>
+              <a:cxn ang="0">
+                <a:pos x="connsiteX37" y="connsiteY37"/>
+              </a:cxn>
+              <a:cxn ang="0">
+                <a:pos x="connsiteX38" y="connsiteY38"/>
+              </a:cxn>
+              <a:cxn ang="0">
+                <a:pos x="connsiteX39" y="connsiteY39"/>
+              </a:cxn>
+              <a:cxn ang="0">
+                <a:pos x="connsiteX40" y="connsiteY40"/>
+              </a:cxn>
+              <a:cxn ang="0">
+                <a:pos x="connsiteX41" y="connsiteY41"/>
+              </a:cxn>
+              <a:cxn ang="0">
+                <a:pos x="connsiteX42" y="connsiteY42"/>
+              </a:cxn>
+              <a:cxn ang="0">
+                <a:pos x="connsiteX43" y="connsiteY43"/>
+              </a:cxn>
+              <a:cxn ang="0">
+                <a:pos x="connsiteX44" y="connsiteY44"/>
+              </a:cxn>
+              <a:cxn ang="0">
+                <a:pos x="connsiteX45" y="connsiteY45"/>
+              </a:cxn>
+              <a:cxn ang="0">
+                <a:pos x="connsiteX46" y="connsiteY46"/>
+              </a:cxn>
+              <a:cxn ang="0">
+                <a:pos x="connsiteX47" y="connsiteY47"/>
+              </a:cxn>
+              <a:cxn ang="0">
+                <a:pos x="connsiteX48" y="connsiteY48"/>
+              </a:cxn>
+              <a:cxn ang="0">
+                <a:pos x="connsiteX49" y="connsiteY49"/>
+              </a:cxn>
+              <a:cxn ang="0">
+                <a:pos x="connsiteX50" y="connsiteY50"/>
+              </a:cxn>
+              <a:cxn ang="0">
+                <a:pos x="connsiteX51" y="connsiteY51"/>
+              </a:cxn>
+            </a:cxnLst>
+            <a:rect l="l" t="t" r="r" b="b"/>
+            <a:pathLst>
+              <a:path w="6053670" h="5581866">
+                <a:moveTo>
+                  <a:pt x="6053670" y="1098"/>
+                </a:moveTo>
+                <a:lnTo>
+                  <a:pt x="6053670" y="514028"/>
+                </a:lnTo>
+                <a:lnTo>
+                  <a:pt x="6053670" y="1254558"/>
+                </a:lnTo>
+                <a:lnTo>
+                  <a:pt x="6053670" y="5581866"/>
+                </a:lnTo>
+                <a:lnTo>
+                  <a:pt x="0" y="5581866"/>
+                </a:lnTo>
+                <a:lnTo>
+                  <a:pt x="0" y="1249853"/>
+                </a:lnTo>
+                <a:lnTo>
+                  <a:pt x="0" y="514028"/>
+                </a:lnTo>
+                <a:lnTo>
+                  <a:pt x="0" y="0"/>
+                </a:lnTo>
+                <a:lnTo>
+                  <a:pt x="35717" y="5488"/>
+                </a:lnTo>
+                <a:lnTo>
+                  <a:pt x="140445" y="21641"/>
+                </a:lnTo>
+                <a:lnTo>
+                  <a:pt x="216722" y="32932"/>
+                </a:lnTo>
+                <a:lnTo>
+                  <a:pt x="307527" y="44850"/>
+                </a:lnTo>
+                <a:lnTo>
+                  <a:pt x="415282" y="59121"/>
+                </a:lnTo>
+                <a:lnTo>
+                  <a:pt x="534539" y="74175"/>
+                </a:lnTo>
+                <a:lnTo>
+                  <a:pt x="668931" y="90014"/>
+                </a:lnTo>
+                <a:lnTo>
+                  <a:pt x="815430" y="106794"/>
+                </a:lnTo>
+                <a:lnTo>
+                  <a:pt x="974641" y="123574"/>
+                </a:lnTo>
+                <a:lnTo>
+                  <a:pt x="1144144" y="140667"/>
+                </a:lnTo>
+                <a:lnTo>
+                  <a:pt x="1326965" y="156506"/>
+                </a:lnTo>
+                <a:lnTo>
+                  <a:pt x="1518261" y="171717"/>
+                </a:lnTo>
+                <a:lnTo>
+                  <a:pt x="1720453" y="185518"/>
+                </a:lnTo>
+                <a:lnTo>
+                  <a:pt x="1931121" y="198690"/>
+                </a:lnTo>
+                <a:lnTo>
+                  <a:pt x="2150869" y="211079"/>
+                </a:lnTo>
+                <a:lnTo>
+                  <a:pt x="2263467" y="215470"/>
+                </a:lnTo>
+                <a:lnTo>
+                  <a:pt x="2378487" y="220332"/>
+                </a:lnTo>
+                <a:lnTo>
+                  <a:pt x="2495323" y="224879"/>
+                </a:lnTo>
+                <a:lnTo>
+                  <a:pt x="2612764" y="227859"/>
+                </a:lnTo>
+                <a:lnTo>
+                  <a:pt x="2732627" y="230525"/>
+                </a:lnTo>
+                <a:lnTo>
+                  <a:pt x="2853700" y="233348"/>
+                </a:lnTo>
+                <a:lnTo>
+                  <a:pt x="2977195" y="235229"/>
+                </a:lnTo>
+                <a:lnTo>
+                  <a:pt x="3101900" y="235229"/>
+                </a:lnTo>
+                <a:lnTo>
+                  <a:pt x="3227817" y="236170"/>
+                </a:lnTo>
+                <a:lnTo>
+                  <a:pt x="3354944" y="235229"/>
+                </a:lnTo>
+                <a:lnTo>
+                  <a:pt x="3483887" y="233348"/>
+                </a:lnTo>
+                <a:lnTo>
+                  <a:pt x="3612830" y="231623"/>
+                </a:lnTo>
+                <a:lnTo>
+                  <a:pt x="3743589" y="227859"/>
+                </a:lnTo>
+                <a:lnTo>
+                  <a:pt x="3875559" y="223938"/>
+                </a:lnTo>
+                <a:lnTo>
+                  <a:pt x="4007529" y="219391"/>
+                </a:lnTo>
+                <a:lnTo>
+                  <a:pt x="4140710" y="212961"/>
+                </a:lnTo>
+                <a:lnTo>
+                  <a:pt x="4275102" y="205277"/>
+                </a:lnTo>
+                <a:lnTo>
+                  <a:pt x="4410098" y="197907"/>
+                </a:lnTo>
+                <a:lnTo>
+                  <a:pt x="4545096" y="188498"/>
+                </a:lnTo>
+                <a:lnTo>
+                  <a:pt x="4681909" y="177207"/>
+                </a:lnTo>
+                <a:lnTo>
+                  <a:pt x="4816905" y="165916"/>
+                </a:lnTo>
+                <a:lnTo>
+                  <a:pt x="4954323" y="152899"/>
+                </a:lnTo>
+                <a:lnTo>
+                  <a:pt x="5092347" y="138629"/>
+                </a:lnTo>
+                <a:lnTo>
+                  <a:pt x="5228555" y="123574"/>
+                </a:lnTo>
+                <a:lnTo>
+                  <a:pt x="5366578" y="106010"/>
+                </a:lnTo>
+                <a:lnTo>
+                  <a:pt x="5503997" y="87192"/>
+                </a:lnTo>
+                <a:lnTo>
+                  <a:pt x="5642020" y="68530"/>
+                </a:lnTo>
+                <a:lnTo>
+                  <a:pt x="5779438" y="46733"/>
+                </a:lnTo>
+                <a:lnTo>
+                  <a:pt x="5916251" y="24464"/>
+                </a:lnTo>
+                <a:close/>
+              </a:path>
+            </a:pathLst>
+          </a:custGeom>
+          <a:solidFill>
+            <a:schemeClr val="tx1"/>
+          </a:solidFill>
+          <a:ln>
+            <a:noFill/>
+          </a:ln>
+        </p:spPr>
+      </p:sp>
+      <p:sp>
+        <p:nvSpPr>
+          <p:cNvPr id="16" name="Freeform 5">
+            <a:extLst>
+              <a:ext uri="{FF2B5EF4-FFF2-40B4-BE49-F238E27FC236}">
+                <a16:creationId xmlns:a16="http://schemas.microsoft.com/office/drawing/2014/main" id="{B5C860C9-D4F9-4350-80DA-0D1CD36C7741}"/>
+              </a:ext>
+              <a:ext uri="{C183D7F6-B498-43B3-948B-1728B52AA6E4}">
+                <adec:decorative xmlns:adec="http://schemas.microsoft.com/office/drawing/2017/decorative" val="1"/>
+              </a:ext>
+            </a:extLst>
+          </p:cNvPr>
+          <p:cNvSpPr>
+            <a:spLocks noGrp="1" noRot="1" noChangeAspect="1" noMove="1" noResize="1" noEditPoints="1" noAdjustHandles="1" noChangeArrowheads="1" noChangeShapeType="1" noTextEdit="1"/>
+          </p:cNvSpPr>
+          <p:nvPr>
+            <p:extLst>
+              <p:ext uri="{386F3935-93C4-4BCD-93E2-E3B085C9AB24}">
+                <p16:designElem xmlns:p16="http://schemas.microsoft.com/office/powerpoint/2015/main" val="1"/>
+              </p:ext>
+            </p:extLst>
+          </p:nvPr>
+        </p:nvSpPr>
+        <p:spPr bwMode="gray">
+          <a:xfrm>
+            <a:off x="0" y="1587"/>
+            <a:ext cx="12192000" cy="6856413"/>
+          </a:xfrm>
+          <a:custGeom>
+            <a:avLst/>
+            <a:gdLst/>
+            <a:ahLst/>
+            <a:cxnLst/>
+            <a:rect l="0" t="0" r="r" b="b"/>
+            <a:pathLst>
+              <a:path w="15356" h="8638">
+                <a:moveTo>
+                  <a:pt x="0" y="0"/>
+                </a:moveTo>
+                <a:lnTo>
+                  <a:pt x="0" y="8638"/>
+                </a:lnTo>
+                <a:lnTo>
+                  <a:pt x="15356" y="8638"/>
+                </a:lnTo>
+                <a:lnTo>
+                  <a:pt x="15356" y="0"/>
+                </a:lnTo>
+                <a:lnTo>
+                  <a:pt x="0" y="0"/>
+                </a:lnTo>
+                <a:close/>
+                <a:moveTo>
+                  <a:pt x="14748" y="8038"/>
+                </a:moveTo>
+                <a:lnTo>
+                  <a:pt x="600" y="8038"/>
+                </a:lnTo>
+                <a:lnTo>
+                  <a:pt x="600" y="592"/>
+                </a:lnTo>
+                <a:lnTo>
+                  <a:pt x="14748" y="592"/>
+                </a:lnTo>
+                <a:lnTo>
+                  <a:pt x="14748" y="8038"/>
+                </a:lnTo>
+                <a:close/>
+              </a:path>
+            </a:pathLst>
+          </a:custGeom>
+          <a:solidFill>
+            <a:schemeClr val="tx1"/>
+          </a:solidFill>
+          <a:ln>
+            <a:noFill/>
+          </a:ln>
+        </p:spPr>
+      </p:sp>
+      <p:sp>
+        <p:nvSpPr>
+          <p:cNvPr id="2" name="Title 1">
+            <a:extLst>
+              <a:ext uri="{FF2B5EF4-FFF2-40B4-BE49-F238E27FC236}">
+                <a16:creationId xmlns:a16="http://schemas.microsoft.com/office/drawing/2014/main" id="{4B03ADFB-F620-4AD7-AFCD-771D9B46DF9B}"/>
+              </a:ext>
+            </a:extLst>
+          </p:cNvPr>
+          <p:cNvSpPr>
+            <a:spLocks noGrp="1"/>
+          </p:cNvSpPr>
+          <p:nvPr>
+            <p:ph type="title"/>
+          </p:nvPr>
+        </p:nvSpPr>
+        <p:spPr>
+          <a:xfrm>
+            <a:off x="639098" y="803436"/>
+            <a:ext cx="5132438" cy="1622322"/>
+          </a:xfrm>
+        </p:spPr>
+        <p:txBody>
+          <a:bodyPr>
+            <a:normAutofit/>
+          </a:bodyPr>
+          <a:lstStyle/>
+          <a:p>
+            <a:pPr algn="ctr"/>
+            <a:r>
+              <a:rPr lang="en-US" dirty="0">
+                <a:solidFill>
+                  <a:srgbClr val="EBEBEB"/>
+                </a:solidFill>
+              </a:rPr>
+              <a:t>Custom Model</a:t>
+            </a:r>
+            <a:br>
+              <a:rPr lang="en-US" dirty="0">
+                <a:solidFill>
+                  <a:srgbClr val="EBEBEB"/>
+                </a:solidFill>
+              </a:rPr>
+            </a:br>
+            <a:r>
+              <a:rPr lang="en-US" dirty="0">
+                <a:solidFill>
+                  <a:srgbClr val="EBEBEB"/>
+                </a:solidFill>
+              </a:rPr>
+              <a:t>Implementation</a:t>
+            </a:r>
+            <a:endParaRPr lang="en-US" dirty="0"/>
+          </a:p>
+        </p:txBody>
+      </p:sp>
+      <p:pic>
+        <p:nvPicPr>
+          <p:cNvPr id="5" name="Picture 4" descr="Graphical user interface, table&#10;&#10;Description automatically generated with medium confidence">
+            <a:extLst>
+              <a:ext uri="{FF2B5EF4-FFF2-40B4-BE49-F238E27FC236}">
+                <a16:creationId xmlns:a16="http://schemas.microsoft.com/office/drawing/2014/main" id="{63FA569C-AD8D-4E62-8F27-E2A6A64C9002}"/>
+              </a:ext>
+            </a:extLst>
+          </p:cNvPr>
+          <p:cNvPicPr>
+            <a:picLocks noChangeAspect="1"/>
+          </p:cNvPicPr>
+          <p:nvPr/>
+        </p:nvPicPr>
+        <p:blipFill>
+          <a:blip r:embed="rId2">
+            <a:extLst>
+              <a:ext uri="{28A0092B-C50C-407E-A947-70E740481C1C}">
+                <a14:useLocalDpi xmlns:a14="http://schemas.microsoft.com/office/drawing/2010/main" val="0"/>
+              </a:ext>
+            </a:extLst>
+          </a:blip>
+          <a:stretch>
+            <a:fillRect/>
+          </a:stretch>
+        </p:blipFill>
+        <p:spPr>
+          <a:xfrm>
+            <a:off x="6460837" y="1195754"/>
+            <a:ext cx="5256877" cy="5137216"/>
+          </a:xfrm>
+          <a:prstGeom prst="rect">
+            <a:avLst/>
+          </a:prstGeom>
+        </p:spPr>
+      </p:pic>
+      <p:sp>
+        <p:nvSpPr>
+          <p:cNvPr id="18" name="Rectangle 17">
+            <a:extLst>
+              <a:ext uri="{FF2B5EF4-FFF2-40B4-BE49-F238E27FC236}">
+                <a16:creationId xmlns:a16="http://schemas.microsoft.com/office/drawing/2014/main" id="{538A90C8-AE0E-4EBA-9AF8-EEDB206020E0}"/>
+              </a:ext>
+              <a:ext uri="{C183D7F6-B498-43B3-948B-1728B52AA6E4}">
+                <adec:decorative xmlns:adec="http://schemas.microsoft.com/office/drawing/2017/decorative" val="1"/>
+              </a:ext>
+            </a:extLst>
+          </p:cNvPr>
+          <p:cNvSpPr>
+            <a:spLocks noGrp="1" noRot="1" noChangeAspect="1" noMove="1" noResize="1" noEditPoints="1" noAdjustHandles="1" noChangeArrowheads="1" noChangeShapeType="1" noTextEdit="1"/>
+          </p:cNvSpPr>
+          <p:nvPr>
+            <p:extLst>
+              <p:ext uri="{386F3935-93C4-4BCD-93E2-E3B085C9AB24}">
+                <p16:designElem xmlns:p16="http://schemas.microsoft.com/office/powerpoint/2015/main" val="1"/>
+              </p:ext>
+            </p:extLst>
+          </p:nvPr>
+        </p:nvSpPr>
+        <p:spPr>
+          <a:xfrm>
+            <a:off x="10437812" y="0"/>
+            <a:ext cx="685800" cy="1143000"/>
+          </a:xfrm>
+          <a:prstGeom prst="rect">
+            <a:avLst/>
+          </a:prstGeom>
+          <a:solidFill>
+            <a:schemeClr val="accent1"/>
+          </a:solidFill>
+          <a:ln>
+            <a:noFill/>
+          </a:ln>
+        </p:spPr>
+        <p:style>
+          <a:lnRef idx="1">
+            <a:schemeClr val="accent1"/>
+          </a:lnRef>
+          <a:fillRef idx="3">
+            <a:schemeClr val="accent1"/>
+          </a:fillRef>
+          <a:effectRef idx="2">
+            <a:schemeClr val="accent1"/>
+          </a:effectRef>
+          <a:fontRef idx="minor">
+            <a:schemeClr val="lt1"/>
+          </a:fontRef>
+        </p:style>
+      </p:sp>
+      <p:sp>
+        <p:nvSpPr>
+          <p:cNvPr id="3" name="Content Placeholder 2">
+            <a:extLst>
+              <a:ext uri="{FF2B5EF4-FFF2-40B4-BE49-F238E27FC236}">
+                <a16:creationId xmlns:a16="http://schemas.microsoft.com/office/drawing/2014/main" id="{E71178F8-DCF6-49DD-BB0E-EC2C622840E6}"/>
+              </a:ext>
+            </a:extLst>
+          </p:cNvPr>
+          <p:cNvSpPr>
+            <a:spLocks noGrp="1"/>
+          </p:cNvSpPr>
+          <p:nvPr>
+            <p:ph idx="1"/>
+          </p:nvPr>
+        </p:nvSpPr>
+        <p:spPr>
+          <a:xfrm>
+            <a:off x="639098" y="2418735"/>
+            <a:ext cx="5132439" cy="3811742"/>
+          </a:xfrm>
+        </p:spPr>
+        <p:txBody>
+          <a:bodyPr anchor="ctr">
+            <a:normAutofit/>
+          </a:bodyPr>
+          <a:lstStyle/>
+          <a:p>
+            <a:r>
+              <a:rPr lang="en-US">
+                <a:solidFill>
+                  <a:srgbClr val="FFFFFF"/>
+                </a:solidFill>
+              </a:rPr>
+              <a:t>Performing preprocessing tasks on the dataset like normalizing the data and splitting the train dataset in 4:1 ratio for training and validation phase</a:t>
+            </a:r>
+          </a:p>
+          <a:p>
+            <a:r>
+              <a:rPr lang="en-US">
+                <a:solidFill>
+                  <a:srgbClr val="FFFFFF"/>
+                </a:solidFill>
+              </a:rPr>
+              <a:t>Defined the custom model which contains 11 convolutional layers and 5 fully connected layers.</a:t>
+            </a:r>
+          </a:p>
+        </p:txBody>
+      </p:sp>
+    </p:spTree>
+    <p:extLst>
+      <p:ext uri="{BB962C8B-B14F-4D97-AF65-F5344CB8AC3E}">
+        <p14:creationId xmlns:p14="http://schemas.microsoft.com/office/powerpoint/2010/main" val="307550036"/>
+      </p:ext>
+    </p:extLst>
+  </p:cSld>
+  <p:clrMapOvr>
+    <a:overrideClrMapping bg1="dk1" tx1="lt1" bg2="dk2" tx2="lt2" accent1="accent1" accent2="accent2" accent3="accent3" accent4="accent4" accent5="accent5" accent6="accent6" hlink="hlink" folHlink="folHlink"/>
+  </p:clrMapOvr>
+</p:sld>
+</file>
+
+<file path=ppt/slides/slide8.xml><?xml version="1.0" encoding="utf-8"?>
+<p:sld xmlns:a="http://schemas.openxmlformats.org/drawingml/2006/main" xmlns:r="http://schemas.openxmlformats.org/officeDocument/2006/relationships" xmlns:p="http://schemas.openxmlformats.org/presentationml/2006/main">
+  <p:cSld>
+    <p:spTree>
+      <p:nvGrpSpPr>
+        <p:cNvPr id="1" name=""/>
+        <p:cNvGrpSpPr/>
+        <p:nvPr/>
+      </p:nvGrpSpPr>
+      <p:grpSpPr>
+        <a:xfrm>
+          <a:off x="0" y="0"/>
+          <a:ext cx="0" cy="0"/>
+          <a:chOff x="0" y="0"/>
+          <a:chExt cx="0" cy="0"/>
+        </a:xfrm>
+      </p:grpSpPr>
+      <p:sp>
+        <p:nvSpPr>
+          <p:cNvPr id="2" name="Title 1">
+            <a:extLst>
+              <a:ext uri="{FF2B5EF4-FFF2-40B4-BE49-F238E27FC236}">
+                <a16:creationId xmlns:a16="http://schemas.microsoft.com/office/drawing/2014/main" id="{CE668EA6-D49C-465D-8165-3FB0E38D211F}"/>
+              </a:ext>
+            </a:extLst>
+          </p:cNvPr>
+          <p:cNvSpPr>
+            <a:spLocks noGrp="1"/>
+          </p:cNvSpPr>
+          <p:nvPr>
+            <p:ph type="title"/>
+          </p:nvPr>
+        </p:nvSpPr>
+        <p:spPr/>
+        <p:txBody>
+          <a:bodyPr/>
+          <a:lstStyle/>
+          <a:p>
+            <a:pPr algn="ctr"/>
+            <a:r>
+              <a:rPr lang="en-US" dirty="0"/>
+              <a:t>Implementation</a:t>
+            </a:r>
+          </a:p>
+        </p:txBody>
+      </p:sp>
+      <p:sp>
+        <p:nvSpPr>
+          <p:cNvPr id="3" name="Content Placeholder 2">
+            <a:extLst>
+              <a:ext uri="{FF2B5EF4-FFF2-40B4-BE49-F238E27FC236}">
+                <a16:creationId xmlns:a16="http://schemas.microsoft.com/office/drawing/2014/main" id="{96C5FF4A-A2BE-4DFE-8A50-98748070B246}"/>
+              </a:ext>
+            </a:extLst>
+          </p:cNvPr>
+          <p:cNvSpPr>
+            <a:spLocks noGrp="1"/>
+          </p:cNvSpPr>
+          <p:nvPr>
+            <p:ph idx="1"/>
+          </p:nvPr>
+        </p:nvSpPr>
+        <p:spPr/>
+        <p:txBody>
+          <a:bodyPr/>
+          <a:lstStyle/>
+          <a:p>
+            <a:r>
+              <a:rPr lang="en-US" dirty="0"/>
+              <a:t>Introduced Batch Normalization layer to deal with covariate shift and dropout layer to avoid overfitting of data</a:t>
+            </a:r>
+          </a:p>
+          <a:p>
+            <a:r>
+              <a:rPr lang="en-US" dirty="0"/>
+              <a:t>Trained the model for 100 epochs with learning rate as 0.001, Adam optimizer and loss function as categorical cross entropy</a:t>
+            </a:r>
+          </a:p>
+        </p:txBody>
+      </p:sp>
+      <p:pic>
+        <p:nvPicPr>
+          <p:cNvPr id="5" name="Picture 4" descr="Text&#10;&#10;Description automatically generated">
+            <a:extLst>
+              <a:ext uri="{FF2B5EF4-FFF2-40B4-BE49-F238E27FC236}">
+                <a16:creationId xmlns:a16="http://schemas.microsoft.com/office/drawing/2014/main" id="{F472E43A-79A5-48CD-B0F9-16A994A38EA5}"/>
+              </a:ext>
+            </a:extLst>
+          </p:cNvPr>
+          <p:cNvPicPr>
+            <a:picLocks noChangeAspect="1"/>
+          </p:cNvPicPr>
+          <p:nvPr/>
+        </p:nvPicPr>
+        <p:blipFill>
+          <a:blip r:embed="rId2">
+            <a:extLst>
+              <a:ext uri="{28A0092B-C50C-407E-A947-70E740481C1C}">
+                <a14:useLocalDpi xmlns:a14="http://schemas.microsoft.com/office/drawing/2010/main" val="0"/>
+              </a:ext>
+            </a:extLst>
+          </a:blip>
+          <a:stretch>
+            <a:fillRect/>
+          </a:stretch>
+        </p:blipFill>
+        <p:spPr>
+          <a:xfrm>
+            <a:off x="607844" y="4225293"/>
+            <a:ext cx="10976311" cy="1951670"/>
+          </a:xfrm>
+          <a:prstGeom prst="rect">
+            <a:avLst/>
+          </a:prstGeom>
+        </p:spPr>
+      </p:pic>
+    </p:spTree>
+    <p:extLst>
+      <p:ext uri="{BB962C8B-B14F-4D97-AF65-F5344CB8AC3E}">
+        <p14:creationId xmlns:p14="http://schemas.microsoft.com/office/powerpoint/2010/main" val="179421094"/>
+      </p:ext>
+    </p:extLst>
+  </p:cSld>
+  <p:clrMapOvr>
+    <a:masterClrMapping/>
+  </p:clrMapOvr>
+</p:sld>
+</file>
+
+<file path=ppt/slides/slide9.xml><?xml version="1.0" encoding="utf-8"?>
+<p:sld xmlns:a="http://schemas.openxmlformats.org/drawingml/2006/main" xmlns:r="http://schemas.openxmlformats.org/officeDocument/2006/relationships" xmlns:p="http://schemas.openxmlformats.org/presentationml/2006/main">
+  <p:cSld>
+    <p:spTree>
+      <p:nvGrpSpPr>
+        <p:cNvPr id="1" name=""/>
+        <p:cNvGrpSpPr/>
+        <p:nvPr/>
+      </p:nvGrpSpPr>
+      <p:grpSpPr>
+        <a:xfrm>
+          <a:off x="0" y="0"/>
+          <a:ext cx="0" cy="0"/>
+          <a:chOff x="0" y="0"/>
+          <a:chExt cx="0" cy="0"/>
+        </a:xfrm>
+      </p:grpSpPr>
+      <p:sp>
+        <p:nvSpPr>
+          <p:cNvPr id="2" name="Title 1">
+            <a:extLst>
+              <a:ext uri="{FF2B5EF4-FFF2-40B4-BE49-F238E27FC236}">
+                <a16:creationId xmlns:a16="http://schemas.microsoft.com/office/drawing/2014/main" id="{41ECAF59-E15A-4D1B-9998-4A0AEA17050C}"/>
+              </a:ext>
+            </a:extLst>
+          </p:cNvPr>
+          <p:cNvSpPr>
+            <a:spLocks noGrp="1"/>
+          </p:cNvSpPr>
+          <p:nvPr>
+            <p:ph type="title"/>
+          </p:nvPr>
+        </p:nvSpPr>
+        <p:spPr/>
+        <p:txBody>
+          <a:bodyPr/>
+          <a:lstStyle/>
+          <a:p>
+            <a:pPr algn="ctr"/>
+            <a:r>
+              <a:rPr lang="en-US" dirty="0"/>
+              <a:t> Implementation</a:t>
+            </a:r>
+          </a:p>
+        </p:txBody>
+      </p:sp>
+      <p:sp>
+        <p:nvSpPr>
+          <p:cNvPr id="3" name="Content Placeholder 2">
+            <a:extLst>
+              <a:ext uri="{FF2B5EF4-FFF2-40B4-BE49-F238E27FC236}">
+                <a16:creationId xmlns:a16="http://schemas.microsoft.com/office/drawing/2014/main" id="{4D6DBF0C-8372-4859-B564-9EAC024EAA9A}"/>
+              </a:ext>
+            </a:extLst>
+          </p:cNvPr>
+          <p:cNvSpPr>
+            <a:spLocks noGrp="1"/>
+          </p:cNvSpPr>
+          <p:nvPr>
+            <p:ph idx="1"/>
+          </p:nvPr>
+        </p:nvSpPr>
+        <p:spPr/>
+        <p:txBody>
+          <a:bodyPr/>
+          <a:lstStyle/>
+          <a:p>
+            <a:r>
+              <a:rPr lang="en-US" dirty="0"/>
+              <a:t>After training for 100 epochs, the training accuracy of the model is 71%, validation accuracy is 0.77% and testing accuracy is 67.5%</a:t>
+            </a:r>
+          </a:p>
+        </p:txBody>
+      </p:sp>
+      <p:pic>
+        <p:nvPicPr>
+          <p:cNvPr id="5" name="Picture 4" descr="Text&#10;&#10;Description automatically generated with low confidence">
+            <a:extLst>
+              <a:ext uri="{FF2B5EF4-FFF2-40B4-BE49-F238E27FC236}">
+                <a16:creationId xmlns:a16="http://schemas.microsoft.com/office/drawing/2014/main" id="{F0F536C0-1097-442B-826F-F0733EB19705}"/>
+              </a:ext>
+            </a:extLst>
+          </p:cNvPr>
+          <p:cNvPicPr>
+            <a:picLocks noChangeAspect="1"/>
+          </p:cNvPicPr>
+          <p:nvPr/>
+        </p:nvPicPr>
+        <p:blipFill>
+          <a:blip r:embed="rId2">
+            <a:extLst>
+              <a:ext uri="{28A0092B-C50C-407E-A947-70E740481C1C}">
+                <a14:useLocalDpi xmlns:a14="http://schemas.microsoft.com/office/drawing/2010/main" val="0"/>
+              </a:ext>
+            </a:extLst>
+          </a:blip>
+          <a:stretch>
+            <a:fillRect/>
+          </a:stretch>
+        </p:blipFill>
+        <p:spPr>
+          <a:xfrm>
+            <a:off x="838200" y="3333432"/>
+            <a:ext cx="10306050" cy="1363446"/>
+          </a:xfrm>
+          <a:prstGeom prst="rect">
+            <a:avLst/>
+          </a:prstGeom>
+        </p:spPr>
+      </p:pic>
+    </p:spTree>
+    <p:extLst>
+      <p:ext uri="{BB962C8B-B14F-4D97-AF65-F5344CB8AC3E}">
+        <p14:creationId xmlns:p14="http://schemas.microsoft.com/office/powerpoint/2010/main" val="3931975861"/>
+      </p:ext>
+    </p:extLst>
+  </p:cSld>
+  <p:clrMapOvr>
+    <a:masterClrMapping/>
   </p:clrMapOvr>
 </p:sld>
 </file>
